--- a/analysis/output/results/MVPA_ACC_02242020.pptx
+++ b/analysis/output/results/MVPA_ACC_02242020.pptx
@@ -23,6 +23,7 @@
     <p:sldId id="275" r:id="rId17"/>
     <p:sldId id="277" r:id="rId18"/>
     <p:sldId id="276" r:id="rId19"/>
+    <p:sldId id="278" r:id="rId20"/>
   </p:sldIdLst>
   <p:sldSz cx="12192000" cy="6858000"/>
   <p:notesSz cx="6858000" cy="9144000"/>
@@ -276,7 +277,7 @@
           <a:p>
             <a:fld id="{32EB3049-8953-754B-8147-D8DE64575211}" type="datetimeFigureOut">
               <a:rPr lang="en-US" smtClean="0"/>
-              <a:t>2/27/20</a:t>
+              <a:t>3/2/20</a:t>
             </a:fld>
             <a:endParaRPr lang="en-US"/>
           </a:p>
@@ -474,7 +475,7 @@
           <a:p>
             <a:fld id="{32EB3049-8953-754B-8147-D8DE64575211}" type="datetimeFigureOut">
               <a:rPr lang="en-US" smtClean="0"/>
-              <a:t>2/27/20</a:t>
+              <a:t>3/2/20</a:t>
             </a:fld>
             <a:endParaRPr lang="en-US"/>
           </a:p>
@@ -682,7 +683,7 @@
           <a:p>
             <a:fld id="{32EB3049-8953-754B-8147-D8DE64575211}" type="datetimeFigureOut">
               <a:rPr lang="en-US" smtClean="0"/>
-              <a:t>2/27/20</a:t>
+              <a:t>3/2/20</a:t>
             </a:fld>
             <a:endParaRPr lang="en-US"/>
           </a:p>
@@ -880,7 +881,7 @@
           <a:p>
             <a:fld id="{32EB3049-8953-754B-8147-D8DE64575211}" type="datetimeFigureOut">
               <a:rPr lang="en-US" smtClean="0"/>
-              <a:t>2/27/20</a:t>
+              <a:t>3/2/20</a:t>
             </a:fld>
             <a:endParaRPr lang="en-US"/>
           </a:p>
@@ -1155,7 +1156,7 @@
           <a:p>
             <a:fld id="{32EB3049-8953-754B-8147-D8DE64575211}" type="datetimeFigureOut">
               <a:rPr lang="en-US" smtClean="0"/>
-              <a:t>2/27/20</a:t>
+              <a:t>3/2/20</a:t>
             </a:fld>
             <a:endParaRPr lang="en-US"/>
           </a:p>
@@ -1420,7 +1421,7 @@
           <a:p>
             <a:fld id="{32EB3049-8953-754B-8147-D8DE64575211}" type="datetimeFigureOut">
               <a:rPr lang="en-US" smtClean="0"/>
-              <a:t>2/27/20</a:t>
+              <a:t>3/2/20</a:t>
             </a:fld>
             <a:endParaRPr lang="en-US"/>
           </a:p>
@@ -1832,7 +1833,7 @@
           <a:p>
             <a:fld id="{32EB3049-8953-754B-8147-D8DE64575211}" type="datetimeFigureOut">
               <a:rPr lang="en-US" smtClean="0"/>
-              <a:t>2/27/20</a:t>
+              <a:t>3/2/20</a:t>
             </a:fld>
             <a:endParaRPr lang="en-US"/>
           </a:p>
@@ -1973,7 +1974,7 @@
           <a:p>
             <a:fld id="{32EB3049-8953-754B-8147-D8DE64575211}" type="datetimeFigureOut">
               <a:rPr lang="en-US" smtClean="0"/>
-              <a:t>2/27/20</a:t>
+              <a:t>3/2/20</a:t>
             </a:fld>
             <a:endParaRPr lang="en-US"/>
           </a:p>
@@ -2086,7 +2087,7 @@
           <a:p>
             <a:fld id="{32EB3049-8953-754B-8147-D8DE64575211}" type="datetimeFigureOut">
               <a:rPr lang="en-US" smtClean="0"/>
-              <a:t>2/27/20</a:t>
+              <a:t>3/2/20</a:t>
             </a:fld>
             <a:endParaRPr lang="en-US"/>
           </a:p>
@@ -2397,7 +2398,7 @@
           <a:p>
             <a:fld id="{32EB3049-8953-754B-8147-D8DE64575211}" type="datetimeFigureOut">
               <a:rPr lang="en-US" smtClean="0"/>
-              <a:t>2/27/20</a:t>
+              <a:t>3/2/20</a:t>
             </a:fld>
             <a:endParaRPr lang="en-US"/>
           </a:p>
@@ -2685,7 +2686,7 @@
           <a:p>
             <a:fld id="{32EB3049-8953-754B-8147-D8DE64575211}" type="datetimeFigureOut">
               <a:rPr lang="en-US" smtClean="0"/>
-              <a:t>2/27/20</a:t>
+              <a:t>3/2/20</a:t>
             </a:fld>
             <a:endParaRPr lang="en-US"/>
           </a:p>
@@ -2926,7 +2927,7 @@
           <a:p>
             <a:fld id="{32EB3049-8953-754B-8147-D8DE64575211}" type="datetimeFigureOut">
               <a:rPr lang="en-US" smtClean="0"/>
-              <a:t>2/27/20</a:t>
+              <a:t>3/2/20</a:t>
             </a:fld>
             <a:endParaRPr lang="en-US"/>
           </a:p>
@@ -5864,6 +5865,100 @@
 </p:sld>
 </file>
 
+<file path=ppt/slides/slide19.xml><?xml version="1.0" encoding="utf-8"?>
+<p:sld xmlns:a="http://schemas.openxmlformats.org/drawingml/2006/main" xmlns:r="http://schemas.openxmlformats.org/officeDocument/2006/relationships" xmlns:p="http://schemas.openxmlformats.org/presentationml/2006/main">
+  <p:cSld>
+    <p:spTree>
+      <p:nvGrpSpPr>
+        <p:cNvPr id="1" name=""/>
+        <p:cNvGrpSpPr/>
+        <p:nvPr/>
+      </p:nvGrpSpPr>
+      <p:grpSpPr>
+        <a:xfrm>
+          <a:off x="0" y="0"/>
+          <a:ext cx="0" cy="0"/>
+          <a:chOff x="0" y="0"/>
+          <a:chExt cx="0" cy="0"/>
+        </a:xfrm>
+      </p:grpSpPr>
+      <p:sp>
+        <p:nvSpPr>
+          <p:cNvPr id="2" name="Title 1">
+            <a:extLst>
+              <a:ext uri="{FF2B5EF4-FFF2-40B4-BE49-F238E27FC236}">
+                <a16:creationId xmlns:a16="http://schemas.microsoft.com/office/drawing/2014/main" id="{EFC0802A-EB51-AE44-8CF8-53F11E7EA630}"/>
+              </a:ext>
+            </a:extLst>
+          </p:cNvPr>
+          <p:cNvSpPr>
+            <a:spLocks noGrp="1"/>
+          </p:cNvSpPr>
+          <p:nvPr>
+            <p:ph type="title"/>
+          </p:nvPr>
+        </p:nvSpPr>
+        <p:spPr/>
+        <p:txBody>
+          <a:bodyPr>
+            <a:normAutofit fontScale="90000"/>
+          </a:bodyPr>
+          <a:lstStyle/>
+          <a:p>
+            <a:r>
+              <a:rPr lang="en-US" dirty="0"/>
+              <a:t>Train all task and rest one subject test all task and rest other subject</a:t>
+            </a:r>
+            <a:br>
+              <a:rPr lang="en-US" dirty="0"/>
+            </a:br>
+            <a:endParaRPr lang="en-US" dirty="0"/>
+          </a:p>
+        </p:txBody>
+      </p:sp>
+      <p:pic>
+        <p:nvPicPr>
+          <p:cNvPr id="5" name="Picture 4">
+            <a:extLst>
+              <a:ext uri="{FF2B5EF4-FFF2-40B4-BE49-F238E27FC236}">
+                <a16:creationId xmlns:a16="http://schemas.microsoft.com/office/drawing/2014/main" id="{62D62A17-E15C-2E42-982E-5CA31C8BED59}"/>
+              </a:ext>
+            </a:extLst>
+          </p:cNvPr>
+          <p:cNvPicPr>
+            <a:picLocks noChangeAspect="1"/>
+          </p:cNvPicPr>
+          <p:nvPr/>
+        </p:nvPicPr>
+        <p:blipFill>
+          <a:blip r:embed="rId2"/>
+          <a:stretch>
+            <a:fillRect/>
+          </a:stretch>
+        </p:blipFill>
+        <p:spPr>
+          <a:xfrm>
+            <a:off x="4766210" y="1690688"/>
+            <a:ext cx="6587590" cy="4564498"/>
+          </a:xfrm>
+          <a:prstGeom prst="rect">
+            <a:avLst/>
+          </a:prstGeom>
+        </p:spPr>
+      </p:pic>
+    </p:spTree>
+    <p:extLst>
+      <p:ext uri="{BB962C8B-B14F-4D97-AF65-F5344CB8AC3E}">
+        <p14:creationId xmlns:p14="http://schemas.microsoft.com/office/powerpoint/2010/main" val="363546062"/>
+      </p:ext>
+    </p:extLst>
+  </p:cSld>
+  <p:clrMapOvr>
+    <a:masterClrMapping/>
+  </p:clrMapOvr>
+</p:sld>
+</file>
+
 <file path=ppt/slides/slide2.xml><?xml version="1.0" encoding="utf-8"?>
 <p:sld xmlns:a="http://schemas.openxmlformats.org/drawingml/2006/main" xmlns:r="http://schemas.openxmlformats.org/officeDocument/2006/relationships" xmlns:p="http://schemas.openxmlformats.org/presentationml/2006/main">
   <p:cSld>

--- a/analysis/output/results/MVPA_ACC_02242020.pptx
+++ b/analysis/output/results/MVPA_ACC_02242020.pptx
@@ -5907,7 +5907,7 @@
           <a:p>
             <a:r>
               <a:rPr lang="en-US" dirty="0"/>
-              <a:t>Train all task and rest one subject test all task and rest other subject</a:t>
+              <a:t>What if you used all the tasks in the training and testing set</a:t>
             </a:r>
             <a:br>
               <a:rPr lang="en-US" dirty="0"/>
@@ -5938,8 +5938,173 @@
         </p:blipFill>
         <p:spPr>
           <a:xfrm>
-            <a:off x="4766210" y="1690688"/>
-            <a:ext cx="6587590" cy="4564498"/>
+            <a:off x="4355244" y="1582221"/>
+            <a:ext cx="3793380" cy="2628408"/>
+          </a:xfrm>
+          <a:prstGeom prst="rect">
+            <a:avLst/>
+          </a:prstGeom>
+        </p:spPr>
+      </p:pic>
+      <p:sp>
+        <p:nvSpPr>
+          <p:cNvPr id="3" name="TextBox 2">
+            <a:extLst>
+              <a:ext uri="{FF2B5EF4-FFF2-40B4-BE49-F238E27FC236}">
+                <a16:creationId xmlns:a16="http://schemas.microsoft.com/office/drawing/2014/main" id="{C9CC1C12-F534-F94E-8E01-E6889A266D0F}"/>
+              </a:ext>
+            </a:extLst>
+          </p:cNvPr>
+          <p:cNvSpPr txBox="1"/>
+          <p:nvPr/>
+        </p:nvSpPr>
+        <p:spPr>
+          <a:xfrm>
+            <a:off x="6020656" y="1212351"/>
+            <a:ext cx="891462" cy="369332"/>
+          </a:xfrm>
+          <a:prstGeom prst="rect">
+            <a:avLst/>
+          </a:prstGeom>
+          <a:noFill/>
+        </p:spPr>
+        <p:txBody>
+          <a:bodyPr wrap="none" rtlCol="0">
+            <a:spAutoFit/>
+          </a:bodyPr>
+          <a:lstStyle/>
+          <a:p>
+            <a:r>
+              <a:rPr lang="en-US" dirty="0"/>
+              <a:t>All data</a:t>
+            </a:r>
+          </a:p>
+        </p:txBody>
+      </p:sp>
+      <p:sp>
+        <p:nvSpPr>
+          <p:cNvPr id="4" name="TextBox 3">
+            <a:extLst>
+              <a:ext uri="{FF2B5EF4-FFF2-40B4-BE49-F238E27FC236}">
+                <a16:creationId xmlns:a16="http://schemas.microsoft.com/office/drawing/2014/main" id="{4CD72D38-EC47-A14E-9A1B-DE0ACEC18C97}"/>
+              </a:ext>
+            </a:extLst>
+          </p:cNvPr>
+          <p:cNvSpPr txBox="1"/>
+          <p:nvPr/>
+        </p:nvSpPr>
+        <p:spPr>
+          <a:xfrm>
+            <a:off x="1853667" y="3300472"/>
+            <a:ext cx="965771" cy="369332"/>
+          </a:xfrm>
+          <a:prstGeom prst="rect">
+            <a:avLst/>
+          </a:prstGeom>
+          <a:noFill/>
+        </p:spPr>
+        <p:txBody>
+          <a:bodyPr wrap="square" rtlCol="0">
+            <a:spAutoFit/>
+          </a:bodyPr>
+          <a:lstStyle/>
+          <a:p>
+            <a:r>
+              <a:rPr lang="en-US" dirty="0"/>
+              <a:t>Task</a:t>
+            </a:r>
+          </a:p>
+        </p:txBody>
+      </p:sp>
+      <p:sp>
+        <p:nvSpPr>
+          <p:cNvPr id="6" name="TextBox 5">
+            <a:extLst>
+              <a:ext uri="{FF2B5EF4-FFF2-40B4-BE49-F238E27FC236}">
+                <a16:creationId xmlns:a16="http://schemas.microsoft.com/office/drawing/2014/main" id="{A37F6959-5893-2E41-AB12-53F92F4DF2A5}"/>
+              </a:ext>
+            </a:extLst>
+          </p:cNvPr>
+          <p:cNvSpPr txBox="1"/>
+          <p:nvPr/>
+        </p:nvSpPr>
+        <p:spPr>
+          <a:xfrm>
+            <a:off x="10233062" y="3300472"/>
+            <a:ext cx="585225" cy="369332"/>
+          </a:xfrm>
+          <a:prstGeom prst="rect">
+            <a:avLst/>
+          </a:prstGeom>
+          <a:noFill/>
+        </p:spPr>
+        <p:txBody>
+          <a:bodyPr wrap="none" rtlCol="0">
+            <a:spAutoFit/>
+          </a:bodyPr>
+          <a:lstStyle/>
+          <a:p>
+            <a:r>
+              <a:rPr lang="en-US" dirty="0"/>
+              <a:t>Rest</a:t>
+            </a:r>
+          </a:p>
+        </p:txBody>
+      </p:sp>
+      <p:pic>
+        <p:nvPicPr>
+          <p:cNvPr id="8" name="Picture 7">
+            <a:extLst>
+              <a:ext uri="{FF2B5EF4-FFF2-40B4-BE49-F238E27FC236}">
+                <a16:creationId xmlns:a16="http://schemas.microsoft.com/office/drawing/2014/main" id="{DF4212B5-FBD4-684B-B81E-1715D5502DC3}"/>
+              </a:ext>
+            </a:extLst>
+          </p:cNvPr>
+          <p:cNvPicPr>
+            <a:picLocks noChangeAspect="1"/>
+          </p:cNvPicPr>
+          <p:nvPr/>
+        </p:nvPicPr>
+        <p:blipFill>
+          <a:blip r:embed="rId3"/>
+          <a:stretch>
+            <a:fillRect/>
+          </a:stretch>
+        </p:blipFill>
+        <p:spPr>
+          <a:xfrm>
+            <a:off x="293045" y="3669804"/>
+            <a:ext cx="3791138" cy="2665343"/>
+          </a:xfrm>
+          <a:prstGeom prst="rect">
+            <a:avLst/>
+          </a:prstGeom>
+        </p:spPr>
+      </p:pic>
+      <p:pic>
+        <p:nvPicPr>
+          <p:cNvPr id="10" name="Picture 9">
+            <a:extLst>
+              <a:ext uri="{FF2B5EF4-FFF2-40B4-BE49-F238E27FC236}">
+                <a16:creationId xmlns:a16="http://schemas.microsoft.com/office/drawing/2014/main" id="{F6B40404-48B0-6F4E-95B8-2E8A3E77F7C2}"/>
+              </a:ext>
+            </a:extLst>
+          </p:cNvPr>
+          <p:cNvPicPr>
+            <a:picLocks noChangeAspect="1"/>
+          </p:cNvPicPr>
+          <p:nvPr/>
+        </p:nvPicPr>
+        <p:blipFill>
+          <a:blip r:embed="rId4"/>
+          <a:stretch>
+            <a:fillRect/>
+          </a:stretch>
+        </p:blipFill>
+        <p:spPr>
+          <a:xfrm>
+            <a:off x="8258774" y="3821986"/>
+            <a:ext cx="3786113" cy="2663940"/>
           </a:xfrm>
           <a:prstGeom prst="rect">
             <a:avLst/>

--- a/analysis/output/results/MVPA_ACC_02242020.pptx
+++ b/analysis/output/results/MVPA_ACC_02242020.pptx
@@ -4,6 +4,9 @@
   <p:sldMasterIdLst>
     <p:sldMasterId id="2147483648" r:id="rId1"/>
   </p:sldMasterIdLst>
+  <p:notesMasterIdLst>
+    <p:notesMasterId r:id="rId21"/>
+  </p:notesMasterIdLst>
   <p:sldIdLst>
     <p:sldId id="256" r:id="rId2"/>
     <p:sldId id="257" r:id="rId3"/>
@@ -130,6 +133,537 @@
 </p:presentation>
 </file>
 
+<file path=ppt/notesMasters/notesMaster1.xml><?xml version="1.0" encoding="utf-8"?>
+<p:notesMaster xmlns:a="http://schemas.openxmlformats.org/drawingml/2006/main" xmlns:r="http://schemas.openxmlformats.org/officeDocument/2006/relationships" xmlns:p="http://schemas.openxmlformats.org/presentationml/2006/main">
+  <p:cSld>
+    <p:bg>
+      <p:bgRef idx="1001">
+        <a:schemeClr val="bg1"/>
+      </p:bgRef>
+    </p:bg>
+    <p:spTree>
+      <p:nvGrpSpPr>
+        <p:cNvPr id="1" name=""/>
+        <p:cNvGrpSpPr/>
+        <p:nvPr/>
+      </p:nvGrpSpPr>
+      <p:grpSpPr>
+        <a:xfrm>
+          <a:off x="0" y="0"/>
+          <a:ext cx="0" cy="0"/>
+          <a:chOff x="0" y="0"/>
+          <a:chExt cx="0" cy="0"/>
+        </a:xfrm>
+      </p:grpSpPr>
+      <p:sp>
+        <p:nvSpPr>
+          <p:cNvPr id="2" name="Header Placeholder 1"/>
+          <p:cNvSpPr>
+            <a:spLocks noGrp="1"/>
+          </p:cNvSpPr>
+          <p:nvPr>
+            <p:ph type="hdr" sz="quarter"/>
+          </p:nvPr>
+        </p:nvSpPr>
+        <p:spPr>
+          <a:xfrm>
+            <a:off x="0" y="0"/>
+            <a:ext cx="2971800" cy="458788"/>
+          </a:xfrm>
+          <a:prstGeom prst="rect">
+            <a:avLst/>
+          </a:prstGeom>
+        </p:spPr>
+        <p:txBody>
+          <a:bodyPr vert="horz" lIns="91440" tIns="45720" rIns="91440" bIns="45720" rtlCol="0"/>
+          <a:lstStyle>
+            <a:lvl1pPr algn="l">
+              <a:defRPr sz="1200"/>
+            </a:lvl1pPr>
+          </a:lstStyle>
+          <a:p>
+            <a:endParaRPr lang="en-US"/>
+          </a:p>
+        </p:txBody>
+      </p:sp>
+      <p:sp>
+        <p:nvSpPr>
+          <p:cNvPr id="3" name="Date Placeholder 2"/>
+          <p:cNvSpPr>
+            <a:spLocks noGrp="1"/>
+          </p:cNvSpPr>
+          <p:nvPr>
+            <p:ph type="dt" idx="1"/>
+          </p:nvPr>
+        </p:nvSpPr>
+        <p:spPr>
+          <a:xfrm>
+            <a:off x="3884613" y="0"/>
+            <a:ext cx="2971800" cy="458788"/>
+          </a:xfrm>
+          <a:prstGeom prst="rect">
+            <a:avLst/>
+          </a:prstGeom>
+        </p:spPr>
+        <p:txBody>
+          <a:bodyPr vert="horz" lIns="91440" tIns="45720" rIns="91440" bIns="45720" rtlCol="0"/>
+          <a:lstStyle>
+            <a:lvl1pPr algn="r">
+              <a:defRPr sz="1200"/>
+            </a:lvl1pPr>
+          </a:lstStyle>
+          <a:p>
+            <a:fld id="{90C5BF00-EA21-5049-BE46-5D0C054E4713}" type="datetimeFigureOut">
+              <a:rPr lang="en-US" smtClean="0"/>
+              <a:t>3/4/20</a:t>
+            </a:fld>
+            <a:endParaRPr lang="en-US"/>
+          </a:p>
+        </p:txBody>
+      </p:sp>
+      <p:sp>
+        <p:nvSpPr>
+          <p:cNvPr id="4" name="Slide Image Placeholder 3"/>
+          <p:cNvSpPr>
+            <a:spLocks noGrp="1" noRot="1" noChangeAspect="1"/>
+          </p:cNvSpPr>
+          <p:nvPr>
+            <p:ph type="sldImg" idx="2"/>
+          </p:nvPr>
+        </p:nvSpPr>
+        <p:spPr>
+          <a:xfrm>
+            <a:off x="685800" y="1143000"/>
+            <a:ext cx="5486400" cy="3086100"/>
+          </a:xfrm>
+          <a:prstGeom prst="rect">
+            <a:avLst/>
+          </a:prstGeom>
+          <a:noFill/>
+          <a:ln w="12700">
+            <a:solidFill>
+              <a:prstClr val="black"/>
+            </a:solidFill>
+          </a:ln>
+        </p:spPr>
+        <p:txBody>
+          <a:bodyPr vert="horz" lIns="91440" tIns="45720" rIns="91440" bIns="45720" rtlCol="0" anchor="ctr"/>
+          <a:lstStyle/>
+          <a:p>
+            <a:endParaRPr lang="en-US"/>
+          </a:p>
+        </p:txBody>
+      </p:sp>
+      <p:sp>
+        <p:nvSpPr>
+          <p:cNvPr id="5" name="Notes Placeholder 4"/>
+          <p:cNvSpPr>
+            <a:spLocks noGrp="1"/>
+          </p:cNvSpPr>
+          <p:nvPr>
+            <p:ph type="body" sz="quarter" idx="3"/>
+          </p:nvPr>
+        </p:nvSpPr>
+        <p:spPr>
+          <a:xfrm>
+            <a:off x="685800" y="4400550"/>
+            <a:ext cx="5486400" cy="3600450"/>
+          </a:xfrm>
+          <a:prstGeom prst="rect">
+            <a:avLst/>
+          </a:prstGeom>
+        </p:spPr>
+        <p:txBody>
+          <a:bodyPr vert="horz" lIns="91440" tIns="45720" rIns="91440" bIns="45720" rtlCol="0"/>
+          <a:lstStyle/>
+          <a:p>
+            <a:pPr lvl="0"/>
+            <a:r>
+              <a:rPr lang="en-US"/>
+              <a:t>Click to edit Master text styles</a:t>
+            </a:r>
+          </a:p>
+          <a:p>
+            <a:pPr lvl="1"/>
+            <a:r>
+              <a:rPr lang="en-US"/>
+              <a:t>Second level</a:t>
+            </a:r>
+          </a:p>
+          <a:p>
+            <a:pPr lvl="2"/>
+            <a:r>
+              <a:rPr lang="en-US"/>
+              <a:t>Third level</a:t>
+            </a:r>
+          </a:p>
+          <a:p>
+            <a:pPr lvl="3"/>
+            <a:r>
+              <a:rPr lang="en-US"/>
+              <a:t>Fourth level</a:t>
+            </a:r>
+          </a:p>
+          <a:p>
+            <a:pPr lvl="4"/>
+            <a:r>
+              <a:rPr lang="en-US"/>
+              <a:t>Fifth level</a:t>
+            </a:r>
+          </a:p>
+        </p:txBody>
+      </p:sp>
+      <p:sp>
+        <p:nvSpPr>
+          <p:cNvPr id="6" name="Footer Placeholder 5"/>
+          <p:cNvSpPr>
+            <a:spLocks noGrp="1"/>
+          </p:cNvSpPr>
+          <p:nvPr>
+            <p:ph type="ftr" sz="quarter" idx="4"/>
+          </p:nvPr>
+        </p:nvSpPr>
+        <p:spPr>
+          <a:xfrm>
+            <a:off x="0" y="8685213"/>
+            <a:ext cx="2971800" cy="458787"/>
+          </a:xfrm>
+          <a:prstGeom prst="rect">
+            <a:avLst/>
+          </a:prstGeom>
+        </p:spPr>
+        <p:txBody>
+          <a:bodyPr vert="horz" lIns="91440" tIns="45720" rIns="91440" bIns="45720" rtlCol="0" anchor="b"/>
+          <a:lstStyle>
+            <a:lvl1pPr algn="l">
+              <a:defRPr sz="1200"/>
+            </a:lvl1pPr>
+          </a:lstStyle>
+          <a:p>
+            <a:endParaRPr lang="en-US"/>
+          </a:p>
+        </p:txBody>
+      </p:sp>
+      <p:sp>
+        <p:nvSpPr>
+          <p:cNvPr id="7" name="Slide Number Placeholder 6"/>
+          <p:cNvSpPr>
+            <a:spLocks noGrp="1"/>
+          </p:cNvSpPr>
+          <p:nvPr>
+            <p:ph type="sldNum" sz="quarter" idx="5"/>
+          </p:nvPr>
+        </p:nvSpPr>
+        <p:spPr>
+          <a:xfrm>
+            <a:off x="3884613" y="8685213"/>
+            <a:ext cx="2971800" cy="458787"/>
+          </a:xfrm>
+          <a:prstGeom prst="rect">
+            <a:avLst/>
+          </a:prstGeom>
+        </p:spPr>
+        <p:txBody>
+          <a:bodyPr vert="horz" lIns="91440" tIns="45720" rIns="91440" bIns="45720" rtlCol="0" anchor="b"/>
+          <a:lstStyle>
+            <a:lvl1pPr algn="r">
+              <a:defRPr sz="1200"/>
+            </a:lvl1pPr>
+          </a:lstStyle>
+          <a:p>
+            <a:fld id="{84277524-B501-0B4E-BCAB-C93C0F6E732A}" type="slidenum">
+              <a:rPr lang="en-US" smtClean="0"/>
+              <a:t>‹#›</a:t>
+            </a:fld>
+            <a:endParaRPr lang="en-US"/>
+          </a:p>
+        </p:txBody>
+      </p:sp>
+    </p:spTree>
+    <p:extLst>
+      <p:ext uri="{BB962C8B-B14F-4D97-AF65-F5344CB8AC3E}">
+        <p14:creationId xmlns:p14="http://schemas.microsoft.com/office/powerpoint/2010/main" val="4143386402"/>
+      </p:ext>
+    </p:extLst>
+  </p:cSld>
+  <p:clrMap bg1="lt1" tx1="dk1" bg2="lt2" tx2="dk2" accent1="accent1" accent2="accent2" accent3="accent3" accent4="accent4" accent5="accent5" accent6="accent6" hlink="hlink" folHlink="folHlink"/>
+  <p:notesStyle>
+    <a:lvl1pPr marL="0" algn="l" defTabSz="914400" rtl="0" eaLnBrk="1" latinLnBrk="0" hangingPunct="1">
+      <a:defRPr sz="1200" kern="1200">
+        <a:solidFill>
+          <a:schemeClr val="tx1"/>
+        </a:solidFill>
+        <a:latin typeface="+mn-lt"/>
+        <a:ea typeface="+mn-ea"/>
+        <a:cs typeface="+mn-cs"/>
+      </a:defRPr>
+    </a:lvl1pPr>
+    <a:lvl2pPr marL="457200" algn="l" defTabSz="914400" rtl="0" eaLnBrk="1" latinLnBrk="0" hangingPunct="1">
+      <a:defRPr sz="1200" kern="1200">
+        <a:solidFill>
+          <a:schemeClr val="tx1"/>
+        </a:solidFill>
+        <a:latin typeface="+mn-lt"/>
+        <a:ea typeface="+mn-ea"/>
+        <a:cs typeface="+mn-cs"/>
+      </a:defRPr>
+    </a:lvl2pPr>
+    <a:lvl3pPr marL="914400" algn="l" defTabSz="914400" rtl="0" eaLnBrk="1" latinLnBrk="0" hangingPunct="1">
+      <a:defRPr sz="1200" kern="1200">
+        <a:solidFill>
+          <a:schemeClr val="tx1"/>
+        </a:solidFill>
+        <a:latin typeface="+mn-lt"/>
+        <a:ea typeface="+mn-ea"/>
+        <a:cs typeface="+mn-cs"/>
+      </a:defRPr>
+    </a:lvl3pPr>
+    <a:lvl4pPr marL="1371600" algn="l" defTabSz="914400" rtl="0" eaLnBrk="1" latinLnBrk="0" hangingPunct="1">
+      <a:defRPr sz="1200" kern="1200">
+        <a:solidFill>
+          <a:schemeClr val="tx1"/>
+        </a:solidFill>
+        <a:latin typeface="+mn-lt"/>
+        <a:ea typeface="+mn-ea"/>
+        <a:cs typeface="+mn-cs"/>
+      </a:defRPr>
+    </a:lvl4pPr>
+    <a:lvl5pPr marL="1828800" algn="l" defTabSz="914400" rtl="0" eaLnBrk="1" latinLnBrk="0" hangingPunct="1">
+      <a:defRPr sz="1200" kern="1200">
+        <a:solidFill>
+          <a:schemeClr val="tx1"/>
+        </a:solidFill>
+        <a:latin typeface="+mn-lt"/>
+        <a:ea typeface="+mn-ea"/>
+        <a:cs typeface="+mn-cs"/>
+      </a:defRPr>
+    </a:lvl5pPr>
+    <a:lvl6pPr marL="2286000" algn="l" defTabSz="914400" rtl="0" eaLnBrk="1" latinLnBrk="0" hangingPunct="1">
+      <a:defRPr sz="1200" kern="1200">
+        <a:solidFill>
+          <a:schemeClr val="tx1"/>
+        </a:solidFill>
+        <a:latin typeface="+mn-lt"/>
+        <a:ea typeface="+mn-ea"/>
+        <a:cs typeface="+mn-cs"/>
+      </a:defRPr>
+    </a:lvl6pPr>
+    <a:lvl7pPr marL="2743200" algn="l" defTabSz="914400" rtl="0" eaLnBrk="1" latinLnBrk="0" hangingPunct="1">
+      <a:defRPr sz="1200" kern="1200">
+        <a:solidFill>
+          <a:schemeClr val="tx1"/>
+        </a:solidFill>
+        <a:latin typeface="+mn-lt"/>
+        <a:ea typeface="+mn-ea"/>
+        <a:cs typeface="+mn-cs"/>
+      </a:defRPr>
+    </a:lvl7pPr>
+    <a:lvl8pPr marL="3200400" algn="l" defTabSz="914400" rtl="0" eaLnBrk="1" latinLnBrk="0" hangingPunct="1">
+      <a:defRPr sz="1200" kern="1200">
+        <a:solidFill>
+          <a:schemeClr val="tx1"/>
+        </a:solidFill>
+        <a:latin typeface="+mn-lt"/>
+        <a:ea typeface="+mn-ea"/>
+        <a:cs typeface="+mn-cs"/>
+      </a:defRPr>
+    </a:lvl8pPr>
+    <a:lvl9pPr marL="3657600" algn="l" defTabSz="914400" rtl="0" eaLnBrk="1" latinLnBrk="0" hangingPunct="1">
+      <a:defRPr sz="1200" kern="1200">
+        <a:solidFill>
+          <a:schemeClr val="tx1"/>
+        </a:solidFill>
+        <a:latin typeface="+mn-lt"/>
+        <a:ea typeface="+mn-ea"/>
+        <a:cs typeface="+mn-cs"/>
+      </a:defRPr>
+    </a:lvl9pPr>
+  </p:notesStyle>
+</p:notesMaster>
+</file>
+
+<file path=ppt/notesSlides/notesSlide1.xml><?xml version="1.0" encoding="utf-8"?>
+<p:notes xmlns:a="http://schemas.openxmlformats.org/drawingml/2006/main" xmlns:r="http://schemas.openxmlformats.org/officeDocument/2006/relationships" xmlns:p="http://schemas.openxmlformats.org/presentationml/2006/main">
+  <p:cSld>
+    <p:spTree>
+      <p:nvGrpSpPr>
+        <p:cNvPr id="1" name=""/>
+        <p:cNvGrpSpPr/>
+        <p:nvPr/>
+      </p:nvGrpSpPr>
+      <p:grpSpPr>
+        <a:xfrm>
+          <a:off x="0" y="0"/>
+          <a:ext cx="0" cy="0"/>
+          <a:chOff x="0" y="0"/>
+          <a:chExt cx="0" cy="0"/>
+        </a:xfrm>
+      </p:grpSpPr>
+      <p:sp>
+        <p:nvSpPr>
+          <p:cNvPr id="2" name="Slide Image Placeholder 1"/>
+          <p:cNvSpPr>
+            <a:spLocks noGrp="1" noRot="1" noChangeAspect="1"/>
+          </p:cNvSpPr>
+          <p:nvPr>
+            <p:ph type="sldImg"/>
+          </p:nvPr>
+        </p:nvSpPr>
+        <p:spPr/>
+      </p:sp>
+      <p:sp>
+        <p:nvSpPr>
+          <p:cNvPr id="3" name="Notes Placeholder 2"/>
+          <p:cNvSpPr>
+            <a:spLocks noGrp="1"/>
+          </p:cNvSpPr>
+          <p:nvPr>
+            <p:ph type="body" idx="1"/>
+          </p:nvPr>
+        </p:nvSpPr>
+        <p:spPr/>
+        <p:txBody>
+          <a:bodyPr/>
+          <a:lstStyle/>
+          <a:p>
+            <a:r>
+              <a:rPr lang="en-US" sz="1200" kern="1200" dirty="0">
+                <a:solidFill>
+                  <a:schemeClr val="tx1"/>
+                </a:solidFill>
+                <a:effectLst/>
+                <a:latin typeface="+mn-lt"/>
+                <a:ea typeface="+mn-ea"/>
+                <a:cs typeface="+mn-cs"/>
+              </a:rPr>
+              <a:t>Upper triangle? Of correlation matrix </a:t>
+            </a:r>
+          </a:p>
+          <a:p>
+            <a:r>
+              <a:rPr lang="en-US" sz="1200" kern="1200" dirty="0">
+                <a:solidFill>
+                  <a:schemeClr val="tx1"/>
+                </a:solidFill>
+                <a:effectLst/>
+                <a:latin typeface="+mn-lt"/>
+                <a:ea typeface="+mn-ea"/>
+                <a:cs typeface="+mn-cs"/>
+              </a:rPr>
+              <a:t>Features in the fold? What are they using</a:t>
+            </a:r>
+          </a:p>
+          <a:p>
+            <a:r>
+              <a:rPr lang="en-US" sz="1200" kern="1200" dirty="0">
+                <a:solidFill>
+                  <a:schemeClr val="tx1"/>
+                </a:solidFill>
+                <a:effectLst/>
+                <a:latin typeface="+mn-lt"/>
+                <a:ea typeface="+mn-ea"/>
+                <a:cs typeface="+mn-cs"/>
+              </a:rPr>
+              <a:t>Look at correlation matrices to see if outliers</a:t>
+            </a:r>
+          </a:p>
+          <a:p>
+            <a:r>
+              <a:rPr lang="en-US" sz="1200" kern="1200" dirty="0">
+                <a:solidFill>
+                  <a:schemeClr val="tx1"/>
+                </a:solidFill>
+                <a:effectLst/>
+                <a:latin typeface="+mn-lt"/>
+                <a:ea typeface="+mn-ea"/>
+                <a:cs typeface="+mn-cs"/>
+              </a:rPr>
+              <a:t>Time series take only 20 minutes clean data </a:t>
+            </a:r>
+          </a:p>
+          <a:p>
+            <a:r>
+              <a:rPr lang="en-US" sz="1200" kern="1200" dirty="0">
+                <a:solidFill>
+                  <a:schemeClr val="tx1"/>
+                </a:solidFill>
+                <a:effectLst/>
+                <a:latin typeface="+mn-lt"/>
+                <a:ea typeface="+mn-ea"/>
+                <a:cs typeface="+mn-cs"/>
+              </a:rPr>
+              <a:t>2,4,5,6 </a:t>
+            </a:r>
+          </a:p>
+          <a:p>
+            <a:r>
+              <a:rPr lang="en-US" sz="1200" kern="1200" dirty="0">
+                <a:solidFill>
+                  <a:schemeClr val="tx1"/>
+                </a:solidFill>
+                <a:effectLst/>
+                <a:latin typeface="+mn-lt"/>
+                <a:ea typeface="+mn-ea"/>
+                <a:cs typeface="+mn-cs"/>
+              </a:rPr>
+              <a:t>Break up rest to match with task </a:t>
+            </a:r>
+          </a:p>
+          <a:p>
+            <a:r>
+              <a:rPr lang="en-US" sz="1200" kern="1200">
+                <a:solidFill>
+                  <a:schemeClr val="tx1"/>
+                </a:solidFill>
+                <a:effectLst/>
+                <a:latin typeface="+mn-lt"/>
+                <a:ea typeface="+mn-ea"/>
+                <a:cs typeface="+mn-cs"/>
+              </a:rPr>
+              <a:t>Log regression </a:t>
+            </a:r>
+          </a:p>
+          <a:p>
+            <a:endParaRPr lang="en-US"/>
+          </a:p>
+        </p:txBody>
+      </p:sp>
+      <p:sp>
+        <p:nvSpPr>
+          <p:cNvPr id="4" name="Slide Number Placeholder 3"/>
+          <p:cNvSpPr>
+            <a:spLocks noGrp="1"/>
+          </p:cNvSpPr>
+          <p:nvPr>
+            <p:ph type="sldNum" sz="quarter" idx="5"/>
+          </p:nvPr>
+        </p:nvSpPr>
+        <p:spPr/>
+        <p:txBody>
+          <a:bodyPr/>
+          <a:lstStyle/>
+          <a:p>
+            <a:fld id="{84277524-B501-0B4E-BCAB-C93C0F6E732A}" type="slidenum">
+              <a:rPr lang="en-US" smtClean="0"/>
+              <a:t>19</a:t>
+            </a:fld>
+            <a:endParaRPr lang="en-US"/>
+          </a:p>
+        </p:txBody>
+      </p:sp>
+    </p:spTree>
+    <p:extLst>
+      <p:ext uri="{BB962C8B-B14F-4D97-AF65-F5344CB8AC3E}">
+        <p14:creationId xmlns:p14="http://schemas.microsoft.com/office/powerpoint/2010/main" val="237414289"/>
+      </p:ext>
+    </p:extLst>
+  </p:cSld>
+  <p:clrMapOvr>
+    <a:masterClrMapping/>
+  </p:clrMapOvr>
+</p:notes>
+</file>
+
 <file path=ppt/slideLayouts/slideLayout1.xml><?xml version="1.0" encoding="utf-8"?>
 <p:sldLayout xmlns:a="http://schemas.openxmlformats.org/drawingml/2006/main" xmlns:r="http://schemas.openxmlformats.org/officeDocument/2006/relationships" xmlns:p="http://schemas.openxmlformats.org/presentationml/2006/main" type="title" preserve="1">
   <p:cSld name="Title Slide">
@@ -277,7 +811,7 @@
           <a:p>
             <a:fld id="{32EB3049-8953-754B-8147-D8DE64575211}" type="datetimeFigureOut">
               <a:rPr lang="en-US" smtClean="0"/>
-              <a:t>3/2/20</a:t>
+              <a:t>3/4/20</a:t>
             </a:fld>
             <a:endParaRPr lang="en-US"/>
           </a:p>
@@ -475,7 +1009,7 @@
           <a:p>
             <a:fld id="{32EB3049-8953-754B-8147-D8DE64575211}" type="datetimeFigureOut">
               <a:rPr lang="en-US" smtClean="0"/>
-              <a:t>3/2/20</a:t>
+              <a:t>3/4/20</a:t>
             </a:fld>
             <a:endParaRPr lang="en-US"/>
           </a:p>
@@ -683,7 +1217,7 @@
           <a:p>
             <a:fld id="{32EB3049-8953-754B-8147-D8DE64575211}" type="datetimeFigureOut">
               <a:rPr lang="en-US" smtClean="0"/>
-              <a:t>3/2/20</a:t>
+              <a:t>3/4/20</a:t>
             </a:fld>
             <a:endParaRPr lang="en-US"/>
           </a:p>
@@ -881,7 +1415,7 @@
           <a:p>
             <a:fld id="{32EB3049-8953-754B-8147-D8DE64575211}" type="datetimeFigureOut">
               <a:rPr lang="en-US" smtClean="0"/>
-              <a:t>3/2/20</a:t>
+              <a:t>3/4/20</a:t>
             </a:fld>
             <a:endParaRPr lang="en-US"/>
           </a:p>
@@ -1156,7 +1690,7 @@
           <a:p>
             <a:fld id="{32EB3049-8953-754B-8147-D8DE64575211}" type="datetimeFigureOut">
               <a:rPr lang="en-US" smtClean="0"/>
-              <a:t>3/2/20</a:t>
+              <a:t>3/4/20</a:t>
             </a:fld>
             <a:endParaRPr lang="en-US"/>
           </a:p>
@@ -1421,7 +1955,7 @@
           <a:p>
             <a:fld id="{32EB3049-8953-754B-8147-D8DE64575211}" type="datetimeFigureOut">
               <a:rPr lang="en-US" smtClean="0"/>
-              <a:t>3/2/20</a:t>
+              <a:t>3/4/20</a:t>
             </a:fld>
             <a:endParaRPr lang="en-US"/>
           </a:p>
@@ -1833,7 +2367,7 @@
           <a:p>
             <a:fld id="{32EB3049-8953-754B-8147-D8DE64575211}" type="datetimeFigureOut">
               <a:rPr lang="en-US" smtClean="0"/>
-              <a:t>3/2/20</a:t>
+              <a:t>3/4/20</a:t>
             </a:fld>
             <a:endParaRPr lang="en-US"/>
           </a:p>
@@ -1974,7 +2508,7 @@
           <a:p>
             <a:fld id="{32EB3049-8953-754B-8147-D8DE64575211}" type="datetimeFigureOut">
               <a:rPr lang="en-US" smtClean="0"/>
-              <a:t>3/2/20</a:t>
+              <a:t>3/4/20</a:t>
             </a:fld>
             <a:endParaRPr lang="en-US"/>
           </a:p>
@@ -2087,7 +2621,7 @@
           <a:p>
             <a:fld id="{32EB3049-8953-754B-8147-D8DE64575211}" type="datetimeFigureOut">
               <a:rPr lang="en-US" smtClean="0"/>
-              <a:t>3/2/20</a:t>
+              <a:t>3/4/20</a:t>
             </a:fld>
             <a:endParaRPr lang="en-US"/>
           </a:p>
@@ -2398,7 +2932,7 @@
           <a:p>
             <a:fld id="{32EB3049-8953-754B-8147-D8DE64575211}" type="datetimeFigureOut">
               <a:rPr lang="en-US" smtClean="0"/>
-              <a:t>3/2/20</a:t>
+              <a:t>3/4/20</a:t>
             </a:fld>
             <a:endParaRPr lang="en-US"/>
           </a:p>
@@ -2686,7 +3220,7 @@
           <a:p>
             <a:fld id="{32EB3049-8953-754B-8147-D8DE64575211}" type="datetimeFigureOut">
               <a:rPr lang="en-US" smtClean="0"/>
-              <a:t>3/2/20</a:t>
+              <a:t>3/4/20</a:t>
             </a:fld>
             <a:endParaRPr lang="en-US"/>
           </a:p>
@@ -2927,7 +3461,7 @@
           <a:p>
             <a:fld id="{32EB3049-8953-754B-8147-D8DE64575211}" type="datetimeFigureOut">
               <a:rPr lang="en-US" smtClean="0"/>
-              <a:t>3/2/20</a:t>
+              <a:t>3/4/20</a:t>
             </a:fld>
             <a:endParaRPr lang="en-US"/>
           </a:p>
@@ -5931,141 +6465,6 @@
           <p:nvPr/>
         </p:nvPicPr>
         <p:blipFill>
-          <a:blip r:embed="rId2"/>
-          <a:stretch>
-            <a:fillRect/>
-          </a:stretch>
-        </p:blipFill>
-        <p:spPr>
-          <a:xfrm>
-            <a:off x="4355244" y="1582221"/>
-            <a:ext cx="3793380" cy="2628408"/>
-          </a:xfrm>
-          <a:prstGeom prst="rect">
-            <a:avLst/>
-          </a:prstGeom>
-        </p:spPr>
-      </p:pic>
-      <p:sp>
-        <p:nvSpPr>
-          <p:cNvPr id="3" name="TextBox 2">
-            <a:extLst>
-              <a:ext uri="{FF2B5EF4-FFF2-40B4-BE49-F238E27FC236}">
-                <a16:creationId xmlns:a16="http://schemas.microsoft.com/office/drawing/2014/main" id="{C9CC1C12-F534-F94E-8E01-E6889A266D0F}"/>
-              </a:ext>
-            </a:extLst>
-          </p:cNvPr>
-          <p:cNvSpPr txBox="1"/>
-          <p:nvPr/>
-        </p:nvSpPr>
-        <p:spPr>
-          <a:xfrm>
-            <a:off x="6020656" y="1212351"/>
-            <a:ext cx="891462" cy="369332"/>
-          </a:xfrm>
-          <a:prstGeom prst="rect">
-            <a:avLst/>
-          </a:prstGeom>
-          <a:noFill/>
-        </p:spPr>
-        <p:txBody>
-          <a:bodyPr wrap="none" rtlCol="0">
-            <a:spAutoFit/>
-          </a:bodyPr>
-          <a:lstStyle/>
-          <a:p>
-            <a:r>
-              <a:rPr lang="en-US" dirty="0"/>
-              <a:t>All data</a:t>
-            </a:r>
-          </a:p>
-        </p:txBody>
-      </p:sp>
-      <p:sp>
-        <p:nvSpPr>
-          <p:cNvPr id="4" name="TextBox 3">
-            <a:extLst>
-              <a:ext uri="{FF2B5EF4-FFF2-40B4-BE49-F238E27FC236}">
-                <a16:creationId xmlns:a16="http://schemas.microsoft.com/office/drawing/2014/main" id="{4CD72D38-EC47-A14E-9A1B-DE0ACEC18C97}"/>
-              </a:ext>
-            </a:extLst>
-          </p:cNvPr>
-          <p:cNvSpPr txBox="1"/>
-          <p:nvPr/>
-        </p:nvSpPr>
-        <p:spPr>
-          <a:xfrm>
-            <a:off x="1853667" y="3300472"/>
-            <a:ext cx="965771" cy="369332"/>
-          </a:xfrm>
-          <a:prstGeom prst="rect">
-            <a:avLst/>
-          </a:prstGeom>
-          <a:noFill/>
-        </p:spPr>
-        <p:txBody>
-          <a:bodyPr wrap="square" rtlCol="0">
-            <a:spAutoFit/>
-          </a:bodyPr>
-          <a:lstStyle/>
-          <a:p>
-            <a:r>
-              <a:rPr lang="en-US" dirty="0"/>
-              <a:t>Task</a:t>
-            </a:r>
-          </a:p>
-        </p:txBody>
-      </p:sp>
-      <p:sp>
-        <p:nvSpPr>
-          <p:cNvPr id="6" name="TextBox 5">
-            <a:extLst>
-              <a:ext uri="{FF2B5EF4-FFF2-40B4-BE49-F238E27FC236}">
-                <a16:creationId xmlns:a16="http://schemas.microsoft.com/office/drawing/2014/main" id="{A37F6959-5893-2E41-AB12-53F92F4DF2A5}"/>
-              </a:ext>
-            </a:extLst>
-          </p:cNvPr>
-          <p:cNvSpPr txBox="1"/>
-          <p:nvPr/>
-        </p:nvSpPr>
-        <p:spPr>
-          <a:xfrm>
-            <a:off x="10233062" y="3300472"/>
-            <a:ext cx="585225" cy="369332"/>
-          </a:xfrm>
-          <a:prstGeom prst="rect">
-            <a:avLst/>
-          </a:prstGeom>
-          <a:noFill/>
-        </p:spPr>
-        <p:txBody>
-          <a:bodyPr wrap="none" rtlCol="0">
-            <a:spAutoFit/>
-          </a:bodyPr>
-          <a:lstStyle/>
-          <a:p>
-            <a:r>
-              <a:rPr lang="en-US" dirty="0"/>
-              <a:t>Rest</a:t>
-            </a:r>
-          </a:p>
-        </p:txBody>
-      </p:sp>
-      <p:pic>
-        <p:nvPicPr>
-          <p:cNvPr id="8" name="Picture 7">
-            <a:extLst>
-              <a:ext uri="{FF2B5EF4-FFF2-40B4-BE49-F238E27FC236}">
-                <a16:creationId xmlns:a16="http://schemas.microsoft.com/office/drawing/2014/main" id="{DF4212B5-FBD4-684B-B81E-1715D5502DC3}"/>
-              </a:ext>
-            </a:extLst>
-          </p:cNvPr>
-          <p:cNvPicPr>
-            <a:picLocks noChangeAspect="1"/>
-          </p:cNvPicPr>
-          <p:nvPr/>
-        </p:nvPicPr>
-        <p:blipFill>
           <a:blip r:embed="rId3"/>
           <a:stretch>
             <a:fillRect/>
@@ -6073,20 +6472,125 @@
         </p:blipFill>
         <p:spPr>
           <a:xfrm>
-            <a:off x="293045" y="3669804"/>
-            <a:ext cx="3791138" cy="2665343"/>
+            <a:off x="4355244" y="1582221"/>
+            <a:ext cx="3793380" cy="2628408"/>
           </a:xfrm>
           <a:prstGeom prst="rect">
             <a:avLst/>
           </a:prstGeom>
         </p:spPr>
       </p:pic>
+      <p:sp>
+        <p:nvSpPr>
+          <p:cNvPr id="3" name="TextBox 2">
+            <a:extLst>
+              <a:ext uri="{FF2B5EF4-FFF2-40B4-BE49-F238E27FC236}">
+                <a16:creationId xmlns:a16="http://schemas.microsoft.com/office/drawing/2014/main" id="{C9CC1C12-F534-F94E-8E01-E6889A266D0F}"/>
+              </a:ext>
+            </a:extLst>
+          </p:cNvPr>
+          <p:cNvSpPr txBox="1"/>
+          <p:nvPr/>
+        </p:nvSpPr>
+        <p:spPr>
+          <a:xfrm>
+            <a:off x="6020656" y="1212351"/>
+            <a:ext cx="891462" cy="369332"/>
+          </a:xfrm>
+          <a:prstGeom prst="rect">
+            <a:avLst/>
+          </a:prstGeom>
+          <a:noFill/>
+        </p:spPr>
+        <p:txBody>
+          <a:bodyPr wrap="none" rtlCol="0">
+            <a:spAutoFit/>
+          </a:bodyPr>
+          <a:lstStyle/>
+          <a:p>
+            <a:r>
+              <a:rPr lang="en-US" dirty="0"/>
+              <a:t>All data</a:t>
+            </a:r>
+          </a:p>
+        </p:txBody>
+      </p:sp>
+      <p:sp>
+        <p:nvSpPr>
+          <p:cNvPr id="4" name="TextBox 3">
+            <a:extLst>
+              <a:ext uri="{FF2B5EF4-FFF2-40B4-BE49-F238E27FC236}">
+                <a16:creationId xmlns:a16="http://schemas.microsoft.com/office/drawing/2014/main" id="{4CD72D38-EC47-A14E-9A1B-DE0ACEC18C97}"/>
+              </a:ext>
+            </a:extLst>
+          </p:cNvPr>
+          <p:cNvSpPr txBox="1"/>
+          <p:nvPr/>
+        </p:nvSpPr>
+        <p:spPr>
+          <a:xfrm>
+            <a:off x="1853667" y="3300472"/>
+            <a:ext cx="965771" cy="369332"/>
+          </a:xfrm>
+          <a:prstGeom prst="rect">
+            <a:avLst/>
+          </a:prstGeom>
+          <a:noFill/>
+        </p:spPr>
+        <p:txBody>
+          <a:bodyPr wrap="square" rtlCol="0">
+            <a:spAutoFit/>
+          </a:bodyPr>
+          <a:lstStyle/>
+          <a:p>
+            <a:r>
+              <a:rPr lang="en-US" dirty="0"/>
+              <a:t>Task</a:t>
+            </a:r>
+          </a:p>
+        </p:txBody>
+      </p:sp>
+      <p:sp>
+        <p:nvSpPr>
+          <p:cNvPr id="6" name="TextBox 5">
+            <a:extLst>
+              <a:ext uri="{FF2B5EF4-FFF2-40B4-BE49-F238E27FC236}">
+                <a16:creationId xmlns:a16="http://schemas.microsoft.com/office/drawing/2014/main" id="{A37F6959-5893-2E41-AB12-53F92F4DF2A5}"/>
+              </a:ext>
+            </a:extLst>
+          </p:cNvPr>
+          <p:cNvSpPr txBox="1"/>
+          <p:nvPr/>
+        </p:nvSpPr>
+        <p:spPr>
+          <a:xfrm>
+            <a:off x="10233062" y="3300472"/>
+            <a:ext cx="585225" cy="369332"/>
+          </a:xfrm>
+          <a:prstGeom prst="rect">
+            <a:avLst/>
+          </a:prstGeom>
+          <a:noFill/>
+        </p:spPr>
+        <p:txBody>
+          <a:bodyPr wrap="none" rtlCol="0">
+            <a:spAutoFit/>
+          </a:bodyPr>
+          <a:lstStyle/>
+          <a:p>
+            <a:r>
+              <a:rPr lang="en-US" dirty="0"/>
+              <a:t>Rest</a:t>
+            </a:r>
+          </a:p>
+        </p:txBody>
+      </p:sp>
       <p:pic>
         <p:nvPicPr>
-          <p:cNvPr id="10" name="Picture 9">
-            <a:extLst>
-              <a:ext uri="{FF2B5EF4-FFF2-40B4-BE49-F238E27FC236}">
-                <a16:creationId xmlns:a16="http://schemas.microsoft.com/office/drawing/2014/main" id="{F6B40404-48B0-6F4E-95B8-2E8A3E77F7C2}"/>
+          <p:cNvPr id="8" name="Picture 7">
+            <a:extLst>
+              <a:ext uri="{FF2B5EF4-FFF2-40B4-BE49-F238E27FC236}">
+                <a16:creationId xmlns:a16="http://schemas.microsoft.com/office/drawing/2014/main" id="{DF4212B5-FBD4-684B-B81E-1715D5502DC3}"/>
               </a:ext>
             </a:extLst>
           </p:cNvPr>
@@ -6097,6 +6601,36 @@
         </p:nvPicPr>
         <p:blipFill>
           <a:blip r:embed="rId4"/>
+          <a:stretch>
+            <a:fillRect/>
+          </a:stretch>
+        </p:blipFill>
+        <p:spPr>
+          <a:xfrm>
+            <a:off x="293045" y="3669804"/>
+            <a:ext cx="3791138" cy="2665343"/>
+          </a:xfrm>
+          <a:prstGeom prst="rect">
+            <a:avLst/>
+          </a:prstGeom>
+        </p:spPr>
+      </p:pic>
+      <p:pic>
+        <p:nvPicPr>
+          <p:cNvPr id="10" name="Picture 9">
+            <a:extLst>
+              <a:ext uri="{FF2B5EF4-FFF2-40B4-BE49-F238E27FC236}">
+                <a16:creationId xmlns:a16="http://schemas.microsoft.com/office/drawing/2014/main" id="{F6B40404-48B0-6F4E-95B8-2E8A3E77F7C2}"/>
+              </a:ext>
+            </a:extLst>
+          </p:cNvPr>
+          <p:cNvPicPr>
+            <a:picLocks noChangeAspect="1"/>
+          </p:cNvPicPr>
+          <p:nvPr/>
+        </p:nvPicPr>
+        <p:blipFill>
+          <a:blip r:embed="rId5"/>
           <a:stretch>
             <a:fillRect/>
           </a:stretch>
@@ -7540,4 +8074,299 @@
     </a:ext>
   </a:extLst>
 </a:theme>
+</file>
+
+<file path=ppt/theme/theme2.xml><?xml version="1.0" encoding="utf-8"?>
+<a:theme xmlns:a="http://schemas.openxmlformats.org/drawingml/2006/main" name="Office Theme">
+  <a:themeElements>
+    <a:clrScheme name="Office">
+      <a:dk1>
+        <a:sysClr val="windowText" lastClr="000000"/>
+      </a:dk1>
+      <a:lt1>
+        <a:sysClr val="window" lastClr="FFFFFF"/>
+      </a:lt1>
+      <a:dk2>
+        <a:srgbClr val="44546A"/>
+      </a:dk2>
+      <a:lt2>
+        <a:srgbClr val="E7E6E6"/>
+      </a:lt2>
+      <a:accent1>
+        <a:srgbClr val="4472C4"/>
+      </a:accent1>
+      <a:accent2>
+        <a:srgbClr val="ED7D31"/>
+      </a:accent2>
+      <a:accent3>
+        <a:srgbClr val="A5A5A5"/>
+      </a:accent3>
+      <a:accent4>
+        <a:srgbClr val="FFC000"/>
+      </a:accent4>
+      <a:accent5>
+        <a:srgbClr val="5B9BD5"/>
+      </a:accent5>
+      <a:accent6>
+        <a:srgbClr val="70AD47"/>
+      </a:accent6>
+      <a:hlink>
+        <a:srgbClr val="0563C1"/>
+      </a:hlink>
+      <a:folHlink>
+        <a:srgbClr val="954F72"/>
+      </a:folHlink>
+    </a:clrScheme>
+    <a:fontScheme name="Office">
+      <a:majorFont>
+        <a:latin typeface="Calibri Light" panose="020F0302020204030204"/>
+        <a:ea typeface=""/>
+        <a:cs typeface=""/>
+        <a:font script="Jpan" typeface="游ゴシック Light"/>
+        <a:font script="Hang" typeface="맑은 고딕"/>
+        <a:font script="Hans" typeface="等线 Light"/>
+        <a:font script="Hant" typeface="新細明體"/>
+        <a:font script="Arab" typeface="Times New Roman"/>
+        <a:font script="Hebr" typeface="Times New Roman"/>
+        <a:font script="Thai" typeface="Angsana New"/>
+        <a:font script="Ethi" typeface="Nyala"/>
+        <a:font script="Beng" typeface="Vrinda"/>
+        <a:font script="Gujr" typeface="Shruti"/>
+        <a:font script="Khmr" typeface="MoolBoran"/>
+        <a:font script="Knda" typeface="Tunga"/>
+        <a:font script="Guru" typeface="Raavi"/>
+        <a:font script="Cans" typeface="Euphemia"/>
+        <a:font script="Cher" typeface="Plantagenet Cherokee"/>
+        <a:font script="Yiii" typeface="Microsoft Yi Baiti"/>
+        <a:font script="Tibt" typeface="Microsoft Himalaya"/>
+        <a:font script="Thaa" typeface="MV Boli"/>
+        <a:font script="Deva" typeface="Mangal"/>
+        <a:font script="Telu" typeface="Gautami"/>
+        <a:font script="Taml" typeface="Latha"/>
+        <a:font script="Syrc" typeface="Estrangelo Edessa"/>
+        <a:font script="Orya" typeface="Kalinga"/>
+        <a:font script="Mlym" typeface="Kartika"/>
+        <a:font script="Laoo" typeface="DokChampa"/>
+        <a:font script="Sinh" typeface="Iskoola Pota"/>
+        <a:font script="Mong" typeface="Mongolian Baiti"/>
+        <a:font script="Viet" typeface="Times New Roman"/>
+        <a:font script="Uigh" typeface="Microsoft Uighur"/>
+        <a:font script="Geor" typeface="Sylfaen"/>
+        <a:font script="Armn" typeface="Arial"/>
+        <a:font script="Bugi" typeface="Leelawadee UI"/>
+        <a:font script="Bopo" typeface="Microsoft JhengHei"/>
+        <a:font script="Java" typeface="Javanese Text"/>
+        <a:font script="Lisu" typeface="Segoe UI"/>
+        <a:font script="Mymr" typeface="Myanmar Text"/>
+        <a:font script="Nkoo" typeface="Ebrima"/>
+        <a:font script="Olck" typeface="Nirmala UI"/>
+        <a:font script="Osma" typeface="Ebrima"/>
+        <a:font script="Phag" typeface="Phagspa"/>
+        <a:font script="Syrn" typeface="Estrangelo Edessa"/>
+        <a:font script="Syrj" typeface="Estrangelo Edessa"/>
+        <a:font script="Syre" typeface="Estrangelo Edessa"/>
+        <a:font script="Sora" typeface="Nirmala UI"/>
+        <a:font script="Tale" typeface="Microsoft Tai Le"/>
+        <a:font script="Talu" typeface="Microsoft New Tai Lue"/>
+        <a:font script="Tfng" typeface="Ebrima"/>
+      </a:majorFont>
+      <a:minorFont>
+        <a:latin typeface="Calibri" panose="020F0502020204030204"/>
+        <a:ea typeface=""/>
+        <a:cs typeface=""/>
+        <a:font script="Jpan" typeface="游ゴシック"/>
+        <a:font script="Hang" typeface="맑은 고딕"/>
+        <a:font script="Hans" typeface="等线"/>
+        <a:font script="Hant" typeface="新細明體"/>
+        <a:font script="Arab" typeface="Arial"/>
+        <a:font script="Hebr" typeface="Arial"/>
+        <a:font script="Thai" typeface="Cordia New"/>
+        <a:font script="Ethi" typeface="Nyala"/>
+        <a:font script="Beng" typeface="Vrinda"/>
+        <a:font script="Gujr" typeface="Shruti"/>
+        <a:font script="Khmr" typeface="DaunPenh"/>
+        <a:font script="Knda" typeface="Tunga"/>
+        <a:font script="Guru" typeface="Raavi"/>
+        <a:font script="Cans" typeface="Euphemia"/>
+        <a:font script="Cher" typeface="Plantagenet Cherokee"/>
+        <a:font script="Yiii" typeface="Microsoft Yi Baiti"/>
+        <a:font script="Tibt" typeface="Microsoft Himalaya"/>
+        <a:font script="Thaa" typeface="MV Boli"/>
+        <a:font script="Deva" typeface="Mangal"/>
+        <a:font script="Telu" typeface="Gautami"/>
+        <a:font script="Taml" typeface="Latha"/>
+        <a:font script="Syrc" typeface="Estrangelo Edessa"/>
+        <a:font script="Orya" typeface="Kalinga"/>
+        <a:font script="Mlym" typeface="Kartika"/>
+        <a:font script="Laoo" typeface="DokChampa"/>
+        <a:font script="Sinh" typeface="Iskoola Pota"/>
+        <a:font script="Mong" typeface="Mongolian Baiti"/>
+        <a:font script="Viet" typeface="Arial"/>
+        <a:font script="Uigh" typeface="Microsoft Uighur"/>
+        <a:font script="Geor" typeface="Sylfaen"/>
+        <a:font script="Armn" typeface="Arial"/>
+        <a:font script="Bugi" typeface="Leelawadee UI"/>
+        <a:font script="Bopo" typeface="Microsoft JhengHei"/>
+        <a:font script="Java" typeface="Javanese Text"/>
+        <a:font script="Lisu" typeface="Segoe UI"/>
+        <a:font script="Mymr" typeface="Myanmar Text"/>
+        <a:font script="Nkoo" typeface="Ebrima"/>
+        <a:font script="Olck" typeface="Nirmala UI"/>
+        <a:font script="Osma" typeface="Ebrima"/>
+        <a:font script="Phag" typeface="Phagspa"/>
+        <a:font script="Syrn" typeface="Estrangelo Edessa"/>
+        <a:font script="Syrj" typeface="Estrangelo Edessa"/>
+        <a:font script="Syre" typeface="Estrangelo Edessa"/>
+        <a:font script="Sora" typeface="Nirmala UI"/>
+        <a:font script="Tale" typeface="Microsoft Tai Le"/>
+        <a:font script="Talu" typeface="Microsoft New Tai Lue"/>
+        <a:font script="Tfng" typeface="Ebrima"/>
+      </a:minorFont>
+    </a:fontScheme>
+    <a:fmtScheme name="Office">
+      <a:fillStyleLst>
+        <a:solidFill>
+          <a:schemeClr val="phClr"/>
+        </a:solidFill>
+        <a:gradFill rotWithShape="1">
+          <a:gsLst>
+            <a:gs pos="0">
+              <a:schemeClr val="phClr">
+                <a:lumMod val="110000"/>
+                <a:satMod val="105000"/>
+                <a:tint val="67000"/>
+              </a:schemeClr>
+            </a:gs>
+            <a:gs pos="50000">
+              <a:schemeClr val="phClr">
+                <a:lumMod val="105000"/>
+                <a:satMod val="103000"/>
+                <a:tint val="73000"/>
+              </a:schemeClr>
+            </a:gs>
+            <a:gs pos="100000">
+              <a:schemeClr val="phClr">
+                <a:lumMod val="105000"/>
+                <a:satMod val="109000"/>
+                <a:tint val="81000"/>
+              </a:schemeClr>
+            </a:gs>
+          </a:gsLst>
+          <a:lin ang="5400000" scaled="0"/>
+        </a:gradFill>
+        <a:gradFill rotWithShape="1">
+          <a:gsLst>
+            <a:gs pos="0">
+              <a:schemeClr val="phClr">
+                <a:satMod val="103000"/>
+                <a:lumMod val="102000"/>
+                <a:tint val="94000"/>
+              </a:schemeClr>
+            </a:gs>
+            <a:gs pos="50000">
+              <a:schemeClr val="phClr">
+                <a:satMod val="110000"/>
+                <a:lumMod val="100000"/>
+                <a:shade val="100000"/>
+              </a:schemeClr>
+            </a:gs>
+            <a:gs pos="100000">
+              <a:schemeClr val="phClr">
+                <a:lumMod val="99000"/>
+                <a:satMod val="120000"/>
+                <a:shade val="78000"/>
+              </a:schemeClr>
+            </a:gs>
+          </a:gsLst>
+          <a:lin ang="5400000" scaled="0"/>
+        </a:gradFill>
+      </a:fillStyleLst>
+      <a:lnStyleLst>
+        <a:ln w="6350" cap="flat" cmpd="sng" algn="ctr">
+          <a:solidFill>
+            <a:schemeClr val="phClr"/>
+          </a:solidFill>
+          <a:prstDash val="solid"/>
+          <a:miter lim="800000"/>
+        </a:ln>
+        <a:ln w="12700" cap="flat" cmpd="sng" algn="ctr">
+          <a:solidFill>
+            <a:schemeClr val="phClr"/>
+          </a:solidFill>
+          <a:prstDash val="solid"/>
+          <a:miter lim="800000"/>
+        </a:ln>
+        <a:ln w="19050" cap="flat" cmpd="sng" algn="ctr">
+          <a:solidFill>
+            <a:schemeClr val="phClr"/>
+          </a:solidFill>
+          <a:prstDash val="solid"/>
+          <a:miter lim="800000"/>
+        </a:ln>
+      </a:lnStyleLst>
+      <a:effectStyleLst>
+        <a:effectStyle>
+          <a:effectLst/>
+        </a:effectStyle>
+        <a:effectStyle>
+          <a:effectLst/>
+        </a:effectStyle>
+        <a:effectStyle>
+          <a:effectLst>
+            <a:outerShdw blurRad="57150" dist="19050" dir="5400000" algn="ctr" rotWithShape="0">
+              <a:srgbClr val="000000">
+                <a:alpha val="63000"/>
+              </a:srgbClr>
+            </a:outerShdw>
+          </a:effectLst>
+        </a:effectStyle>
+      </a:effectStyleLst>
+      <a:bgFillStyleLst>
+        <a:solidFill>
+          <a:schemeClr val="phClr"/>
+        </a:solidFill>
+        <a:solidFill>
+          <a:schemeClr val="phClr">
+            <a:tint val="95000"/>
+            <a:satMod val="170000"/>
+          </a:schemeClr>
+        </a:solidFill>
+        <a:gradFill rotWithShape="1">
+          <a:gsLst>
+            <a:gs pos="0">
+              <a:schemeClr val="phClr">
+                <a:tint val="93000"/>
+                <a:satMod val="150000"/>
+                <a:shade val="98000"/>
+                <a:lumMod val="102000"/>
+              </a:schemeClr>
+            </a:gs>
+            <a:gs pos="50000">
+              <a:schemeClr val="phClr">
+                <a:tint val="98000"/>
+                <a:satMod val="130000"/>
+                <a:shade val="90000"/>
+                <a:lumMod val="103000"/>
+              </a:schemeClr>
+            </a:gs>
+            <a:gs pos="100000">
+              <a:schemeClr val="phClr">
+                <a:shade val="63000"/>
+                <a:satMod val="120000"/>
+              </a:schemeClr>
+            </a:gs>
+          </a:gsLst>
+          <a:lin ang="5400000" scaled="0"/>
+        </a:gradFill>
+      </a:bgFillStyleLst>
+    </a:fmtScheme>
+  </a:themeElements>
+  <a:objectDefaults/>
+  <a:extraClrSchemeLst/>
+  <a:extLst>
+    <a:ext uri="{05A4C25C-085E-4340-85A3-A5531E510DB2}">
+      <thm15:themeFamily xmlns:thm15="http://schemas.microsoft.com/office/thememl/2012/main" name="Office Theme" id="{62F939B6-93AF-4DB8-9C6B-D6C7DFDC589F}" vid="{4A3C46E8-61CC-4603-A589-7422A47A8E4A}"/>
+    </a:ext>
+  </a:extLst>
+</a:theme>
 </file>
--- a/analysis/output/results/MVPA_ACC_02242020.pptx
+++ b/analysis/output/results/MVPA_ACC_02242020.pptx
@@ -24,6 +24,7 @@
     <p:sldId id="277" r:id="rId18"/>
     <p:sldId id="276" r:id="rId19"/>
     <p:sldId id="278" r:id="rId20"/>
+    <p:sldId id="279" r:id="rId21"/>
   </p:sldIdLst>
   <p:sldSz cx="12192000" cy="6858000"/>
   <p:notesSz cx="6858000" cy="9144000"/>
@@ -277,7 +278,7 @@
           <a:p>
             <a:fld id="{32EB3049-8953-754B-8147-D8DE64575211}" type="datetimeFigureOut">
               <a:rPr lang="en-US" smtClean="0"/>
-              <a:t>3/2/20</a:t>
+              <a:t>3/10/20</a:t>
             </a:fld>
             <a:endParaRPr lang="en-US"/>
           </a:p>
@@ -475,7 +476,7 @@
           <a:p>
             <a:fld id="{32EB3049-8953-754B-8147-D8DE64575211}" type="datetimeFigureOut">
               <a:rPr lang="en-US" smtClean="0"/>
-              <a:t>3/2/20</a:t>
+              <a:t>3/10/20</a:t>
             </a:fld>
             <a:endParaRPr lang="en-US"/>
           </a:p>
@@ -683,7 +684,7 @@
           <a:p>
             <a:fld id="{32EB3049-8953-754B-8147-D8DE64575211}" type="datetimeFigureOut">
               <a:rPr lang="en-US" smtClean="0"/>
-              <a:t>3/2/20</a:t>
+              <a:t>3/10/20</a:t>
             </a:fld>
             <a:endParaRPr lang="en-US"/>
           </a:p>
@@ -881,7 +882,7 @@
           <a:p>
             <a:fld id="{32EB3049-8953-754B-8147-D8DE64575211}" type="datetimeFigureOut">
               <a:rPr lang="en-US" smtClean="0"/>
-              <a:t>3/2/20</a:t>
+              <a:t>3/10/20</a:t>
             </a:fld>
             <a:endParaRPr lang="en-US"/>
           </a:p>
@@ -1156,7 +1157,7 @@
           <a:p>
             <a:fld id="{32EB3049-8953-754B-8147-D8DE64575211}" type="datetimeFigureOut">
               <a:rPr lang="en-US" smtClean="0"/>
-              <a:t>3/2/20</a:t>
+              <a:t>3/10/20</a:t>
             </a:fld>
             <a:endParaRPr lang="en-US"/>
           </a:p>
@@ -1421,7 +1422,7 @@
           <a:p>
             <a:fld id="{32EB3049-8953-754B-8147-D8DE64575211}" type="datetimeFigureOut">
               <a:rPr lang="en-US" smtClean="0"/>
-              <a:t>3/2/20</a:t>
+              <a:t>3/10/20</a:t>
             </a:fld>
             <a:endParaRPr lang="en-US"/>
           </a:p>
@@ -1833,7 +1834,7 @@
           <a:p>
             <a:fld id="{32EB3049-8953-754B-8147-D8DE64575211}" type="datetimeFigureOut">
               <a:rPr lang="en-US" smtClean="0"/>
-              <a:t>3/2/20</a:t>
+              <a:t>3/10/20</a:t>
             </a:fld>
             <a:endParaRPr lang="en-US"/>
           </a:p>
@@ -1974,7 +1975,7 @@
           <a:p>
             <a:fld id="{32EB3049-8953-754B-8147-D8DE64575211}" type="datetimeFigureOut">
               <a:rPr lang="en-US" smtClean="0"/>
-              <a:t>3/2/20</a:t>
+              <a:t>3/10/20</a:t>
             </a:fld>
             <a:endParaRPr lang="en-US"/>
           </a:p>
@@ -2087,7 +2088,7 @@
           <a:p>
             <a:fld id="{32EB3049-8953-754B-8147-D8DE64575211}" type="datetimeFigureOut">
               <a:rPr lang="en-US" smtClean="0"/>
-              <a:t>3/2/20</a:t>
+              <a:t>3/10/20</a:t>
             </a:fld>
             <a:endParaRPr lang="en-US"/>
           </a:p>
@@ -2398,7 +2399,7 @@
           <a:p>
             <a:fld id="{32EB3049-8953-754B-8147-D8DE64575211}" type="datetimeFigureOut">
               <a:rPr lang="en-US" smtClean="0"/>
-              <a:t>3/2/20</a:t>
+              <a:t>3/10/20</a:t>
             </a:fld>
             <a:endParaRPr lang="en-US"/>
           </a:p>
@@ -2686,7 +2687,7 @@
           <a:p>
             <a:fld id="{32EB3049-8953-754B-8147-D8DE64575211}" type="datetimeFigureOut">
               <a:rPr lang="en-US" smtClean="0"/>
-              <a:t>3/2/20</a:t>
+              <a:t>3/10/20</a:t>
             </a:fld>
             <a:endParaRPr lang="en-US"/>
           </a:p>
@@ -2927,7 +2928,7 @@
           <a:p>
             <a:fld id="{32EB3049-8953-754B-8147-D8DE64575211}" type="datetimeFigureOut">
               <a:rPr lang="en-US" smtClean="0"/>
-              <a:t>3/2/20</a:t>
+              <a:t>3/10/20</a:t>
             </a:fld>
             <a:endParaRPr lang="en-US"/>
           </a:p>
@@ -6242,6 +6243,305 @@
 </p:sld>
 </file>
 
+<file path=ppt/slides/slide20.xml><?xml version="1.0" encoding="utf-8"?>
+<p:sld xmlns:a="http://schemas.openxmlformats.org/drawingml/2006/main" xmlns:r="http://schemas.openxmlformats.org/officeDocument/2006/relationships" xmlns:p="http://schemas.openxmlformats.org/presentationml/2006/main">
+  <p:cSld>
+    <p:spTree>
+      <p:nvGrpSpPr>
+        <p:cNvPr id="1" name=""/>
+        <p:cNvGrpSpPr/>
+        <p:nvPr/>
+      </p:nvGrpSpPr>
+      <p:grpSpPr>
+        <a:xfrm>
+          <a:off x="0" y="0"/>
+          <a:ext cx="0" cy="0"/>
+          <a:chOff x="0" y="0"/>
+          <a:chExt cx="0" cy="0"/>
+        </a:xfrm>
+      </p:grpSpPr>
+      <p:sp>
+        <p:nvSpPr>
+          <p:cNvPr id="2" name="Title 1">
+            <a:extLst>
+              <a:ext uri="{FF2B5EF4-FFF2-40B4-BE49-F238E27FC236}">
+                <a16:creationId xmlns:a16="http://schemas.microsoft.com/office/drawing/2014/main" id="{E0E3594D-B0A3-484E-8694-7EFE31FA5EFA}"/>
+              </a:ext>
+            </a:extLst>
+          </p:cNvPr>
+          <p:cNvSpPr>
+            <a:spLocks noGrp="1"/>
+          </p:cNvSpPr>
+          <p:nvPr>
+            <p:ph type="title"/>
+          </p:nvPr>
+        </p:nvSpPr>
+        <p:spPr>
+          <a:xfrm>
+            <a:off x="838200" y="-4740"/>
+            <a:ext cx="10515600" cy="1325563"/>
+          </a:xfrm>
+        </p:spPr>
+        <p:txBody>
+          <a:bodyPr/>
+          <a:lstStyle/>
+          <a:p>
+            <a:r>
+              <a:rPr lang="en-US" dirty="0"/>
+              <a:t>Using all tasks in the training and testing set and split up rest matrices to match </a:t>
+            </a:r>
+          </a:p>
+        </p:txBody>
+      </p:sp>
+      <p:pic>
+        <p:nvPicPr>
+          <p:cNvPr id="5" name="Picture 4">
+            <a:extLst>
+              <a:ext uri="{FF2B5EF4-FFF2-40B4-BE49-F238E27FC236}">
+                <a16:creationId xmlns:a16="http://schemas.microsoft.com/office/drawing/2014/main" id="{35F65ADB-5C42-6145-8FA8-68D7BE134F16}"/>
+              </a:ext>
+            </a:extLst>
+          </p:cNvPr>
+          <p:cNvPicPr>
+            <a:picLocks noChangeAspect="1"/>
+          </p:cNvPicPr>
+          <p:nvPr/>
+        </p:nvPicPr>
+        <p:blipFill>
+          <a:blip r:embed="rId2"/>
+          <a:stretch>
+            <a:fillRect/>
+          </a:stretch>
+        </p:blipFill>
+        <p:spPr>
+          <a:xfrm>
+            <a:off x="4022916" y="1752337"/>
+            <a:ext cx="3817193" cy="2558551"/>
+          </a:xfrm>
+          <a:prstGeom prst="rect">
+            <a:avLst/>
+          </a:prstGeom>
+        </p:spPr>
+      </p:pic>
+      <p:pic>
+        <p:nvPicPr>
+          <p:cNvPr id="7" name="Picture 6">
+            <a:extLst>
+              <a:ext uri="{FF2B5EF4-FFF2-40B4-BE49-F238E27FC236}">
+                <a16:creationId xmlns:a16="http://schemas.microsoft.com/office/drawing/2014/main" id="{A9FA149F-D717-0644-B2A2-979BEEF1638B}"/>
+              </a:ext>
+            </a:extLst>
+          </p:cNvPr>
+          <p:cNvPicPr>
+            <a:picLocks noChangeAspect="1"/>
+          </p:cNvPicPr>
+          <p:nvPr/>
+        </p:nvPicPr>
+        <p:blipFill>
+          <a:blip r:embed="rId3"/>
+          <a:stretch>
+            <a:fillRect/>
+          </a:stretch>
+        </p:blipFill>
+        <p:spPr>
+          <a:xfrm>
+            <a:off x="365543" y="4139885"/>
+            <a:ext cx="3361868" cy="2333859"/>
+          </a:xfrm>
+          <a:prstGeom prst="rect">
+            <a:avLst/>
+          </a:prstGeom>
+        </p:spPr>
+      </p:pic>
+      <p:pic>
+        <p:nvPicPr>
+          <p:cNvPr id="9" name="Picture 8">
+            <a:extLst>
+              <a:ext uri="{FF2B5EF4-FFF2-40B4-BE49-F238E27FC236}">
+                <a16:creationId xmlns:a16="http://schemas.microsoft.com/office/drawing/2014/main" id="{3CDE3F15-A491-704A-91DB-DB14932961A3}"/>
+              </a:ext>
+            </a:extLst>
+          </p:cNvPr>
+          <p:cNvPicPr>
+            <a:picLocks noChangeAspect="1"/>
+          </p:cNvPicPr>
+          <p:nvPr/>
+        </p:nvPicPr>
+        <p:blipFill>
+          <a:blip r:embed="rId4"/>
+          <a:stretch>
+            <a:fillRect/>
+          </a:stretch>
+        </p:blipFill>
+        <p:spPr>
+          <a:xfrm>
+            <a:off x="8135615" y="4139885"/>
+            <a:ext cx="3607747" cy="2418166"/>
+          </a:xfrm>
+          <a:prstGeom prst="rect">
+            <a:avLst/>
+          </a:prstGeom>
+        </p:spPr>
+      </p:pic>
+      <p:sp>
+        <p:nvSpPr>
+          <p:cNvPr id="10" name="TextBox 9">
+            <a:extLst>
+              <a:ext uri="{FF2B5EF4-FFF2-40B4-BE49-F238E27FC236}">
+                <a16:creationId xmlns:a16="http://schemas.microsoft.com/office/drawing/2014/main" id="{E5EF0F82-4C0D-5746-8F4B-ADAF5F79B3D2}"/>
+              </a:ext>
+            </a:extLst>
+          </p:cNvPr>
+          <p:cNvSpPr txBox="1"/>
+          <p:nvPr/>
+        </p:nvSpPr>
+        <p:spPr>
+          <a:xfrm>
+            <a:off x="5664109" y="1351914"/>
+            <a:ext cx="476412" cy="369332"/>
+          </a:xfrm>
+          <a:prstGeom prst="rect">
+            <a:avLst/>
+          </a:prstGeom>
+          <a:noFill/>
+        </p:spPr>
+        <p:txBody>
+          <a:bodyPr wrap="none" rtlCol="0">
+            <a:spAutoFit/>
+          </a:bodyPr>
+          <a:lstStyle/>
+          <a:p>
+            <a:r>
+              <a:rPr lang="en-US" dirty="0"/>
+              <a:t>All </a:t>
+            </a:r>
+          </a:p>
+        </p:txBody>
+      </p:sp>
+      <p:sp>
+        <p:nvSpPr>
+          <p:cNvPr id="11" name="TextBox 10">
+            <a:extLst>
+              <a:ext uri="{FF2B5EF4-FFF2-40B4-BE49-F238E27FC236}">
+                <a16:creationId xmlns:a16="http://schemas.microsoft.com/office/drawing/2014/main" id="{F757A5BD-72D8-FF44-9E42-79D7A49577F8}"/>
+              </a:ext>
+            </a:extLst>
+          </p:cNvPr>
+          <p:cNvSpPr txBox="1"/>
+          <p:nvPr/>
+        </p:nvSpPr>
+        <p:spPr>
+          <a:xfrm>
+            <a:off x="1587646" y="3770553"/>
+            <a:ext cx="713765" cy="369332"/>
+          </a:xfrm>
+          <a:prstGeom prst="rect">
+            <a:avLst/>
+          </a:prstGeom>
+          <a:noFill/>
+        </p:spPr>
+        <p:txBody>
+          <a:bodyPr wrap="square" rtlCol="0">
+            <a:spAutoFit/>
+          </a:bodyPr>
+          <a:lstStyle/>
+          <a:p>
+            <a:r>
+              <a:rPr lang="en-US" dirty="0"/>
+              <a:t>Task </a:t>
+            </a:r>
+          </a:p>
+        </p:txBody>
+      </p:sp>
+      <p:sp>
+        <p:nvSpPr>
+          <p:cNvPr id="12" name="TextBox 11">
+            <a:extLst>
+              <a:ext uri="{FF2B5EF4-FFF2-40B4-BE49-F238E27FC236}">
+                <a16:creationId xmlns:a16="http://schemas.microsoft.com/office/drawing/2014/main" id="{2101E4C8-951D-084B-8EA1-82AF2D7FEC38}"/>
+              </a:ext>
+            </a:extLst>
+          </p:cNvPr>
+          <p:cNvSpPr txBox="1"/>
+          <p:nvPr/>
+        </p:nvSpPr>
+        <p:spPr>
+          <a:xfrm>
+            <a:off x="9533279" y="3678355"/>
+            <a:ext cx="812418" cy="369332"/>
+          </a:xfrm>
+          <a:prstGeom prst="rect">
+            <a:avLst/>
+          </a:prstGeom>
+          <a:noFill/>
+        </p:spPr>
+        <p:txBody>
+          <a:bodyPr wrap="square" rtlCol="0">
+            <a:spAutoFit/>
+          </a:bodyPr>
+          <a:lstStyle/>
+          <a:p>
+            <a:r>
+              <a:rPr lang="en-US" dirty="0"/>
+              <a:t>Rest</a:t>
+            </a:r>
+          </a:p>
+        </p:txBody>
+      </p:sp>
+      <p:sp>
+        <p:nvSpPr>
+          <p:cNvPr id="13" name="TextBox 12">
+            <a:extLst>
+              <a:ext uri="{FF2B5EF4-FFF2-40B4-BE49-F238E27FC236}">
+                <a16:creationId xmlns:a16="http://schemas.microsoft.com/office/drawing/2014/main" id="{79870E8C-89E0-E443-B061-CB2C41A76ED8}"/>
+              </a:ext>
+            </a:extLst>
+          </p:cNvPr>
+          <p:cNvSpPr txBox="1"/>
+          <p:nvPr/>
+        </p:nvSpPr>
+        <p:spPr>
+          <a:xfrm>
+            <a:off x="1006867" y="2268689"/>
+            <a:ext cx="2332234" cy="923330"/>
+          </a:xfrm>
+          <a:prstGeom prst="rect">
+            <a:avLst/>
+          </a:prstGeom>
+          <a:noFill/>
+        </p:spPr>
+        <p:txBody>
+          <a:bodyPr wrap="square" rtlCol="0">
+            <a:spAutoFit/>
+          </a:bodyPr>
+          <a:lstStyle/>
+          <a:p>
+            <a:r>
+              <a:rPr lang="en-US" dirty="0"/>
+              <a:t>Task=mem(10), motor(10), mixed (10)</a:t>
+            </a:r>
+          </a:p>
+          <a:p>
+            <a:r>
+              <a:rPr lang="en-US" dirty="0"/>
+              <a:t>Rest=rest (30)</a:t>
+            </a:r>
+          </a:p>
+        </p:txBody>
+      </p:sp>
+    </p:spTree>
+    <p:extLst>
+      <p:ext uri="{BB962C8B-B14F-4D97-AF65-F5344CB8AC3E}">
+        <p14:creationId xmlns:p14="http://schemas.microsoft.com/office/powerpoint/2010/main" val="419775555"/>
+      </p:ext>
+    </p:extLst>
+  </p:cSld>
+  <p:clrMapOvr>
+    <a:masterClrMapping/>
+  </p:clrMapOvr>
+</p:sld>
+</file>
+
 <file path=ppt/slides/slide3.xml><?xml version="1.0" encoding="utf-8"?>
 <p:sld xmlns:a="http://schemas.openxmlformats.org/drawingml/2006/main" xmlns:r="http://schemas.openxmlformats.org/officeDocument/2006/relationships" xmlns:p="http://schemas.openxmlformats.org/presentationml/2006/main">
   <p:cSld>

--- a/analysis/output/results/MVPA_ACC_02242020.pptx
+++ b/analysis/output/results/MVPA_ACC_02242020.pptx
@@ -25,6 +25,9 @@
     <p:sldId id="276" r:id="rId19"/>
     <p:sldId id="278" r:id="rId20"/>
     <p:sldId id="279" r:id="rId21"/>
+    <p:sldId id="280" r:id="rId22"/>
+    <p:sldId id="281" r:id="rId23"/>
+    <p:sldId id="282" r:id="rId24"/>
   </p:sldIdLst>
   <p:sldSz cx="12192000" cy="6858000"/>
   <p:notesSz cx="6858000" cy="9144000"/>
@@ -278,7 +281,7 @@
           <a:p>
             <a:fld id="{32EB3049-8953-754B-8147-D8DE64575211}" type="datetimeFigureOut">
               <a:rPr lang="en-US" smtClean="0"/>
-              <a:t>3/10/20</a:t>
+              <a:t>3/11/20</a:t>
             </a:fld>
             <a:endParaRPr lang="en-US"/>
           </a:p>
@@ -476,7 +479,7 @@
           <a:p>
             <a:fld id="{32EB3049-8953-754B-8147-D8DE64575211}" type="datetimeFigureOut">
               <a:rPr lang="en-US" smtClean="0"/>
-              <a:t>3/10/20</a:t>
+              <a:t>3/11/20</a:t>
             </a:fld>
             <a:endParaRPr lang="en-US"/>
           </a:p>
@@ -684,7 +687,7 @@
           <a:p>
             <a:fld id="{32EB3049-8953-754B-8147-D8DE64575211}" type="datetimeFigureOut">
               <a:rPr lang="en-US" smtClean="0"/>
-              <a:t>3/10/20</a:t>
+              <a:t>3/11/20</a:t>
             </a:fld>
             <a:endParaRPr lang="en-US"/>
           </a:p>
@@ -882,7 +885,7 @@
           <a:p>
             <a:fld id="{32EB3049-8953-754B-8147-D8DE64575211}" type="datetimeFigureOut">
               <a:rPr lang="en-US" smtClean="0"/>
-              <a:t>3/10/20</a:t>
+              <a:t>3/11/20</a:t>
             </a:fld>
             <a:endParaRPr lang="en-US"/>
           </a:p>
@@ -1157,7 +1160,7 @@
           <a:p>
             <a:fld id="{32EB3049-8953-754B-8147-D8DE64575211}" type="datetimeFigureOut">
               <a:rPr lang="en-US" smtClean="0"/>
-              <a:t>3/10/20</a:t>
+              <a:t>3/11/20</a:t>
             </a:fld>
             <a:endParaRPr lang="en-US"/>
           </a:p>
@@ -1422,7 +1425,7 @@
           <a:p>
             <a:fld id="{32EB3049-8953-754B-8147-D8DE64575211}" type="datetimeFigureOut">
               <a:rPr lang="en-US" smtClean="0"/>
-              <a:t>3/10/20</a:t>
+              <a:t>3/11/20</a:t>
             </a:fld>
             <a:endParaRPr lang="en-US"/>
           </a:p>
@@ -1834,7 +1837,7 @@
           <a:p>
             <a:fld id="{32EB3049-8953-754B-8147-D8DE64575211}" type="datetimeFigureOut">
               <a:rPr lang="en-US" smtClean="0"/>
-              <a:t>3/10/20</a:t>
+              <a:t>3/11/20</a:t>
             </a:fld>
             <a:endParaRPr lang="en-US"/>
           </a:p>
@@ -1975,7 +1978,7 @@
           <a:p>
             <a:fld id="{32EB3049-8953-754B-8147-D8DE64575211}" type="datetimeFigureOut">
               <a:rPr lang="en-US" smtClean="0"/>
-              <a:t>3/10/20</a:t>
+              <a:t>3/11/20</a:t>
             </a:fld>
             <a:endParaRPr lang="en-US"/>
           </a:p>
@@ -2088,7 +2091,7 @@
           <a:p>
             <a:fld id="{32EB3049-8953-754B-8147-D8DE64575211}" type="datetimeFigureOut">
               <a:rPr lang="en-US" smtClean="0"/>
-              <a:t>3/10/20</a:t>
+              <a:t>3/11/20</a:t>
             </a:fld>
             <a:endParaRPr lang="en-US"/>
           </a:p>
@@ -2399,7 +2402,7 @@
           <a:p>
             <a:fld id="{32EB3049-8953-754B-8147-D8DE64575211}" type="datetimeFigureOut">
               <a:rPr lang="en-US" smtClean="0"/>
-              <a:t>3/10/20</a:t>
+              <a:t>3/11/20</a:t>
             </a:fld>
             <a:endParaRPr lang="en-US"/>
           </a:p>
@@ -2687,7 +2690,7 @@
           <a:p>
             <a:fld id="{32EB3049-8953-754B-8147-D8DE64575211}" type="datetimeFigureOut">
               <a:rPr lang="en-US" smtClean="0"/>
-              <a:t>3/10/20</a:t>
+              <a:t>3/11/20</a:t>
             </a:fld>
             <a:endParaRPr lang="en-US"/>
           </a:p>
@@ -2928,7 +2931,7 @@
           <a:p>
             <a:fld id="{32EB3049-8953-754B-8147-D8DE64575211}" type="datetimeFigureOut">
               <a:rPr lang="en-US" smtClean="0"/>
-              <a:t>3/10/20</a:t>
+              <a:t>3/11/20</a:t>
             </a:fld>
             <a:endParaRPr lang="en-US"/>
           </a:p>
@@ -6542,6 +6545,600 @@
 </p:sld>
 </file>
 
+<file path=ppt/slides/slide21.xml><?xml version="1.0" encoding="utf-8"?>
+<p:sld xmlns:a="http://schemas.openxmlformats.org/drawingml/2006/main" xmlns:r="http://schemas.openxmlformats.org/officeDocument/2006/relationships" xmlns:p="http://schemas.openxmlformats.org/presentationml/2006/main">
+  <p:cSld>
+    <p:spTree>
+      <p:nvGrpSpPr>
+        <p:cNvPr id="1" name=""/>
+        <p:cNvGrpSpPr/>
+        <p:nvPr/>
+      </p:nvGrpSpPr>
+      <p:grpSpPr>
+        <a:xfrm>
+          <a:off x="0" y="0"/>
+          <a:ext cx="0" cy="0"/>
+          <a:chOff x="0" y="0"/>
+          <a:chExt cx="0" cy="0"/>
+        </a:xfrm>
+      </p:grpSpPr>
+      <p:sp>
+        <p:nvSpPr>
+          <p:cNvPr id="2" name="Title 1">
+            <a:extLst>
+              <a:ext uri="{FF2B5EF4-FFF2-40B4-BE49-F238E27FC236}">
+                <a16:creationId xmlns:a16="http://schemas.microsoft.com/office/drawing/2014/main" id="{2E9B2A7D-4CAB-3045-BA60-B2DA032D0623}"/>
+              </a:ext>
+            </a:extLst>
+          </p:cNvPr>
+          <p:cNvSpPr>
+            <a:spLocks noGrp="1"/>
+          </p:cNvSpPr>
+          <p:nvPr>
+            <p:ph type="title"/>
+          </p:nvPr>
+        </p:nvSpPr>
+        <p:spPr>
+          <a:xfrm>
+            <a:off x="0" y="0"/>
+            <a:ext cx="10515600" cy="1325563"/>
+          </a:xfrm>
+        </p:spPr>
+        <p:txBody>
+          <a:bodyPr/>
+          <a:lstStyle/>
+          <a:p>
+            <a:r>
+              <a:rPr lang="en-US" dirty="0"/>
+              <a:t>Feature Weights Memory</a:t>
+            </a:r>
+          </a:p>
+        </p:txBody>
+      </p:sp>
+      <p:sp>
+        <p:nvSpPr>
+          <p:cNvPr id="6" name="TextBox 5">
+            <a:extLst>
+              <a:ext uri="{FF2B5EF4-FFF2-40B4-BE49-F238E27FC236}">
+                <a16:creationId xmlns:a16="http://schemas.microsoft.com/office/drawing/2014/main" id="{BD0BB3EC-1EFC-3C45-B343-309C41ACBCC0}"/>
+              </a:ext>
+            </a:extLst>
+          </p:cNvPr>
+          <p:cNvSpPr txBox="1"/>
+          <p:nvPr/>
+        </p:nvSpPr>
+        <p:spPr>
+          <a:xfrm>
+            <a:off x="1864927" y="956231"/>
+            <a:ext cx="2353733" cy="369332"/>
+          </a:xfrm>
+          <a:prstGeom prst="rect">
+            <a:avLst/>
+          </a:prstGeom>
+          <a:noFill/>
+        </p:spPr>
+        <p:txBody>
+          <a:bodyPr wrap="square" rtlCol="0">
+            <a:spAutoFit/>
+          </a:bodyPr>
+          <a:lstStyle/>
+          <a:p>
+            <a:r>
+              <a:rPr lang="en-US" dirty="0"/>
+              <a:t>Train MSC01 Weights </a:t>
+            </a:r>
+          </a:p>
+        </p:txBody>
+      </p:sp>
+      <p:sp>
+        <p:nvSpPr>
+          <p:cNvPr id="7" name="TextBox 6">
+            <a:extLst>
+              <a:ext uri="{FF2B5EF4-FFF2-40B4-BE49-F238E27FC236}">
+                <a16:creationId xmlns:a16="http://schemas.microsoft.com/office/drawing/2014/main" id="{667421DE-CAD9-0A41-A824-C37F20AC50AC}"/>
+              </a:ext>
+            </a:extLst>
+          </p:cNvPr>
+          <p:cNvSpPr txBox="1"/>
+          <p:nvPr/>
+        </p:nvSpPr>
+        <p:spPr>
+          <a:xfrm>
+            <a:off x="8339667" y="956231"/>
+            <a:ext cx="2353733" cy="369332"/>
+          </a:xfrm>
+          <a:prstGeom prst="rect">
+            <a:avLst/>
+          </a:prstGeom>
+          <a:noFill/>
+        </p:spPr>
+        <p:txBody>
+          <a:bodyPr wrap="square" rtlCol="0">
+            <a:spAutoFit/>
+          </a:bodyPr>
+          <a:lstStyle/>
+          <a:p>
+            <a:r>
+              <a:rPr lang="en-US" dirty="0"/>
+              <a:t>Train MSC02 Weights </a:t>
+            </a:r>
+          </a:p>
+        </p:txBody>
+      </p:sp>
+      <p:pic>
+        <p:nvPicPr>
+          <p:cNvPr id="9" name="Picture 8">
+            <a:extLst>
+              <a:ext uri="{FF2B5EF4-FFF2-40B4-BE49-F238E27FC236}">
+                <a16:creationId xmlns:a16="http://schemas.microsoft.com/office/drawing/2014/main" id="{C910C6EB-ADF4-CB44-88E6-7CF534A3279C}"/>
+              </a:ext>
+            </a:extLst>
+          </p:cNvPr>
+          <p:cNvPicPr>
+            <a:picLocks noChangeAspect="1"/>
+          </p:cNvPicPr>
+          <p:nvPr/>
+        </p:nvPicPr>
+        <p:blipFill rotWithShape="1">
+          <a:blip r:embed="rId2"/>
+          <a:srcRect l="21945" t="2652" r="21389" b="1894"/>
+          <a:stretch/>
+        </p:blipFill>
+        <p:spPr>
+          <a:xfrm>
+            <a:off x="177800" y="1325563"/>
+            <a:ext cx="5727988" cy="5306812"/>
+          </a:xfrm>
+          <a:prstGeom prst="rect">
+            <a:avLst/>
+          </a:prstGeom>
+        </p:spPr>
+      </p:pic>
+      <p:pic>
+        <p:nvPicPr>
+          <p:cNvPr id="11" name="Picture 10">
+            <a:extLst>
+              <a:ext uri="{FF2B5EF4-FFF2-40B4-BE49-F238E27FC236}">
+                <a16:creationId xmlns:a16="http://schemas.microsoft.com/office/drawing/2014/main" id="{10A0C587-DD05-D84A-A957-3A9DF5EFD565}"/>
+              </a:ext>
+            </a:extLst>
+          </p:cNvPr>
+          <p:cNvPicPr>
+            <a:picLocks noChangeAspect="1"/>
+          </p:cNvPicPr>
+          <p:nvPr/>
+        </p:nvPicPr>
+        <p:blipFill rotWithShape="1">
+          <a:blip r:embed="rId3"/>
+          <a:srcRect l="21111" t="2903" r="21805" b="2400"/>
+          <a:stretch/>
+        </p:blipFill>
+        <p:spPr>
+          <a:xfrm>
+            <a:off x="6370879" y="1325563"/>
+            <a:ext cx="5643321" cy="5149016"/>
+          </a:xfrm>
+          <a:prstGeom prst="rect">
+            <a:avLst/>
+          </a:prstGeom>
+        </p:spPr>
+      </p:pic>
+    </p:spTree>
+    <p:extLst>
+      <p:ext uri="{BB962C8B-B14F-4D97-AF65-F5344CB8AC3E}">
+        <p14:creationId xmlns:p14="http://schemas.microsoft.com/office/powerpoint/2010/main" val="3481201001"/>
+      </p:ext>
+    </p:extLst>
+  </p:cSld>
+  <p:clrMapOvr>
+    <a:masterClrMapping/>
+  </p:clrMapOvr>
+</p:sld>
+</file>
+
+<file path=ppt/slides/slide22.xml><?xml version="1.0" encoding="utf-8"?>
+<p:sld xmlns:a="http://schemas.openxmlformats.org/drawingml/2006/main" xmlns:r="http://schemas.openxmlformats.org/officeDocument/2006/relationships" xmlns:p="http://schemas.openxmlformats.org/presentationml/2006/main">
+  <p:cSld>
+    <p:spTree>
+      <p:nvGrpSpPr>
+        <p:cNvPr id="1" name=""/>
+        <p:cNvGrpSpPr/>
+        <p:nvPr/>
+      </p:nvGrpSpPr>
+      <p:grpSpPr>
+        <a:xfrm>
+          <a:off x="0" y="0"/>
+          <a:ext cx="0" cy="0"/>
+          <a:chOff x="0" y="0"/>
+          <a:chExt cx="0" cy="0"/>
+        </a:xfrm>
+      </p:grpSpPr>
+      <p:sp>
+        <p:nvSpPr>
+          <p:cNvPr id="4" name="Title 1">
+            <a:extLst>
+              <a:ext uri="{FF2B5EF4-FFF2-40B4-BE49-F238E27FC236}">
+                <a16:creationId xmlns:a16="http://schemas.microsoft.com/office/drawing/2014/main" id="{FDC5FD8F-C45C-4742-B056-A939565094C6}"/>
+              </a:ext>
+            </a:extLst>
+          </p:cNvPr>
+          <p:cNvSpPr txBox="1">
+            <a:spLocks/>
+          </p:cNvSpPr>
+          <p:nvPr/>
+        </p:nvSpPr>
+        <p:spPr>
+          <a:xfrm>
+            <a:off x="0" y="0"/>
+            <a:ext cx="10515600" cy="1325563"/>
+          </a:xfrm>
+          <a:prstGeom prst="rect">
+            <a:avLst/>
+          </a:prstGeom>
+        </p:spPr>
+        <p:txBody>
+          <a:bodyPr vert="horz" lIns="91440" tIns="45720" rIns="91440" bIns="45720" rtlCol="0" anchor="ctr">
+            <a:normAutofit/>
+          </a:bodyPr>
+          <a:lstStyle>
+            <a:lvl1pPr algn="l" defTabSz="914400" rtl="0" eaLnBrk="1" latinLnBrk="0" hangingPunct="1">
+              <a:lnSpc>
+                <a:spcPct val="90000"/>
+              </a:lnSpc>
+              <a:spcBef>
+                <a:spcPct val="0"/>
+              </a:spcBef>
+              <a:buNone/>
+              <a:defRPr sz="4400" kern="1200">
+                <a:solidFill>
+                  <a:schemeClr val="tx1"/>
+                </a:solidFill>
+                <a:latin typeface="+mj-lt"/>
+                <a:ea typeface="+mj-ea"/>
+                <a:cs typeface="+mj-cs"/>
+              </a:defRPr>
+            </a:lvl1pPr>
+          </a:lstStyle>
+          <a:p>
+            <a:r>
+              <a:rPr lang="en-US" dirty="0"/>
+              <a:t>Feature Weights Motor</a:t>
+            </a:r>
+          </a:p>
+        </p:txBody>
+      </p:sp>
+      <p:sp>
+        <p:nvSpPr>
+          <p:cNvPr id="5" name="TextBox 4">
+            <a:extLst>
+              <a:ext uri="{FF2B5EF4-FFF2-40B4-BE49-F238E27FC236}">
+                <a16:creationId xmlns:a16="http://schemas.microsoft.com/office/drawing/2014/main" id="{CD26B555-77A9-FE4E-A855-AA513654E142}"/>
+              </a:ext>
+            </a:extLst>
+          </p:cNvPr>
+          <p:cNvSpPr txBox="1"/>
+          <p:nvPr/>
+        </p:nvSpPr>
+        <p:spPr>
+          <a:xfrm>
+            <a:off x="1907997" y="989596"/>
+            <a:ext cx="2353733" cy="369332"/>
+          </a:xfrm>
+          <a:prstGeom prst="rect">
+            <a:avLst/>
+          </a:prstGeom>
+          <a:noFill/>
+        </p:spPr>
+        <p:txBody>
+          <a:bodyPr wrap="square" rtlCol="0">
+            <a:spAutoFit/>
+          </a:bodyPr>
+          <a:lstStyle/>
+          <a:p>
+            <a:r>
+              <a:rPr lang="en-US" dirty="0"/>
+              <a:t>Train MSC01 Weights </a:t>
+            </a:r>
+          </a:p>
+        </p:txBody>
+      </p:sp>
+      <p:sp>
+        <p:nvSpPr>
+          <p:cNvPr id="6" name="TextBox 5">
+            <a:extLst>
+              <a:ext uri="{FF2B5EF4-FFF2-40B4-BE49-F238E27FC236}">
+                <a16:creationId xmlns:a16="http://schemas.microsoft.com/office/drawing/2014/main" id="{E2A4A434-8F09-D442-A491-737496571B33}"/>
+              </a:ext>
+            </a:extLst>
+          </p:cNvPr>
+          <p:cNvSpPr txBox="1"/>
+          <p:nvPr/>
+        </p:nvSpPr>
+        <p:spPr>
+          <a:xfrm>
+            <a:off x="7738535" y="906528"/>
+            <a:ext cx="2353733" cy="369332"/>
+          </a:xfrm>
+          <a:prstGeom prst="rect">
+            <a:avLst/>
+          </a:prstGeom>
+          <a:noFill/>
+        </p:spPr>
+        <p:txBody>
+          <a:bodyPr wrap="square" rtlCol="0">
+            <a:spAutoFit/>
+          </a:bodyPr>
+          <a:lstStyle/>
+          <a:p>
+            <a:r>
+              <a:rPr lang="en-US" dirty="0"/>
+              <a:t>Train MSC02 Weights </a:t>
+            </a:r>
+          </a:p>
+        </p:txBody>
+      </p:sp>
+      <p:pic>
+        <p:nvPicPr>
+          <p:cNvPr id="8" name="Picture 7">
+            <a:extLst>
+              <a:ext uri="{FF2B5EF4-FFF2-40B4-BE49-F238E27FC236}">
+                <a16:creationId xmlns:a16="http://schemas.microsoft.com/office/drawing/2014/main" id="{BCB675BC-6542-5F40-AC16-D9C665C7B355}"/>
+              </a:ext>
+            </a:extLst>
+          </p:cNvPr>
+          <p:cNvPicPr>
+            <a:picLocks noChangeAspect="1"/>
+          </p:cNvPicPr>
+          <p:nvPr/>
+        </p:nvPicPr>
+        <p:blipFill rotWithShape="1">
+          <a:blip r:embed="rId2"/>
+          <a:srcRect l="21944" t="4924" r="20972" b="1642"/>
+          <a:stretch/>
+        </p:blipFill>
+        <p:spPr>
+          <a:xfrm>
+            <a:off x="254000" y="1325563"/>
+            <a:ext cx="5661729" cy="5096933"/>
+          </a:xfrm>
+          <a:prstGeom prst="rect">
+            <a:avLst/>
+          </a:prstGeom>
+        </p:spPr>
+      </p:pic>
+      <p:pic>
+        <p:nvPicPr>
+          <p:cNvPr id="10" name="Picture 9">
+            <a:extLst>
+              <a:ext uri="{FF2B5EF4-FFF2-40B4-BE49-F238E27FC236}">
+                <a16:creationId xmlns:a16="http://schemas.microsoft.com/office/drawing/2014/main" id="{B769FB8F-B785-D643-9050-7938E7BCDF62}"/>
+              </a:ext>
+            </a:extLst>
+          </p:cNvPr>
+          <p:cNvPicPr>
+            <a:picLocks noChangeAspect="1"/>
+          </p:cNvPicPr>
+          <p:nvPr/>
+        </p:nvPicPr>
+        <p:blipFill rotWithShape="1">
+          <a:blip r:embed="rId3"/>
+          <a:srcRect l="23056" t="3157" r="21945" b="1389"/>
+          <a:stretch/>
+        </p:blipFill>
+        <p:spPr>
+          <a:xfrm>
+            <a:off x="6082063" y="1174262"/>
+            <a:ext cx="5661729" cy="5404379"/>
+          </a:xfrm>
+          <a:prstGeom prst="rect">
+            <a:avLst/>
+          </a:prstGeom>
+        </p:spPr>
+      </p:pic>
+    </p:spTree>
+    <p:extLst>
+      <p:ext uri="{BB962C8B-B14F-4D97-AF65-F5344CB8AC3E}">
+        <p14:creationId xmlns:p14="http://schemas.microsoft.com/office/powerpoint/2010/main" val="1941415436"/>
+      </p:ext>
+    </p:extLst>
+  </p:cSld>
+  <p:clrMapOvr>
+    <a:masterClrMapping/>
+  </p:clrMapOvr>
+</p:sld>
+</file>
+
+<file path=ppt/slides/slide23.xml><?xml version="1.0" encoding="utf-8"?>
+<p:sld xmlns:a="http://schemas.openxmlformats.org/drawingml/2006/main" xmlns:r="http://schemas.openxmlformats.org/officeDocument/2006/relationships" xmlns:p="http://schemas.openxmlformats.org/presentationml/2006/main">
+  <p:cSld>
+    <p:spTree>
+      <p:nvGrpSpPr>
+        <p:cNvPr id="1" name=""/>
+        <p:cNvGrpSpPr/>
+        <p:nvPr/>
+      </p:nvGrpSpPr>
+      <p:grpSpPr>
+        <a:xfrm>
+          <a:off x="0" y="0"/>
+          <a:ext cx="0" cy="0"/>
+          <a:chOff x="0" y="0"/>
+          <a:chExt cx="0" cy="0"/>
+        </a:xfrm>
+      </p:grpSpPr>
+      <p:sp>
+        <p:nvSpPr>
+          <p:cNvPr id="4" name="Title 1">
+            <a:extLst>
+              <a:ext uri="{FF2B5EF4-FFF2-40B4-BE49-F238E27FC236}">
+                <a16:creationId xmlns:a16="http://schemas.microsoft.com/office/drawing/2014/main" id="{B49CBA5F-C5E0-F544-842B-780444C81C53}"/>
+              </a:ext>
+            </a:extLst>
+          </p:cNvPr>
+          <p:cNvSpPr>
+            <a:spLocks noGrp="1"/>
+          </p:cNvSpPr>
+          <p:nvPr>
+            <p:ph type="title"/>
+          </p:nvPr>
+        </p:nvSpPr>
+        <p:spPr>
+          <a:xfrm>
+            <a:off x="0" y="0"/>
+            <a:ext cx="10515600" cy="1325563"/>
+          </a:xfrm>
+        </p:spPr>
+        <p:txBody>
+          <a:bodyPr/>
+          <a:lstStyle/>
+          <a:p>
+            <a:r>
+              <a:rPr lang="en-US" dirty="0"/>
+              <a:t>Feature Weights Mixed</a:t>
+            </a:r>
+          </a:p>
+        </p:txBody>
+      </p:sp>
+      <p:sp>
+        <p:nvSpPr>
+          <p:cNvPr id="5" name="TextBox 4">
+            <a:extLst>
+              <a:ext uri="{FF2B5EF4-FFF2-40B4-BE49-F238E27FC236}">
+                <a16:creationId xmlns:a16="http://schemas.microsoft.com/office/drawing/2014/main" id="{8EFB6594-E561-2C40-9B42-D12CAA9964E8}"/>
+              </a:ext>
+            </a:extLst>
+          </p:cNvPr>
+          <p:cNvSpPr txBox="1"/>
+          <p:nvPr/>
+        </p:nvSpPr>
+        <p:spPr>
+          <a:xfrm>
+            <a:off x="1947333" y="1046983"/>
+            <a:ext cx="2353733" cy="369332"/>
+          </a:xfrm>
+          <a:prstGeom prst="rect">
+            <a:avLst/>
+          </a:prstGeom>
+          <a:noFill/>
+        </p:spPr>
+        <p:txBody>
+          <a:bodyPr wrap="square" rtlCol="0">
+            <a:spAutoFit/>
+          </a:bodyPr>
+          <a:lstStyle/>
+          <a:p>
+            <a:r>
+              <a:rPr lang="en-US" dirty="0"/>
+              <a:t>Train MSC01 Weights </a:t>
+            </a:r>
+          </a:p>
+        </p:txBody>
+      </p:sp>
+      <p:sp>
+        <p:nvSpPr>
+          <p:cNvPr id="6" name="TextBox 5">
+            <a:extLst>
+              <a:ext uri="{FF2B5EF4-FFF2-40B4-BE49-F238E27FC236}">
+                <a16:creationId xmlns:a16="http://schemas.microsoft.com/office/drawing/2014/main" id="{FB7B05F6-D4C1-CB42-95B9-B5036D55654D}"/>
+              </a:ext>
+            </a:extLst>
+          </p:cNvPr>
+          <p:cNvSpPr txBox="1"/>
+          <p:nvPr/>
+        </p:nvSpPr>
+        <p:spPr>
+          <a:xfrm>
+            <a:off x="8161867" y="1046983"/>
+            <a:ext cx="2353733" cy="369332"/>
+          </a:xfrm>
+          <a:prstGeom prst="rect">
+            <a:avLst/>
+          </a:prstGeom>
+          <a:noFill/>
+        </p:spPr>
+        <p:txBody>
+          <a:bodyPr wrap="square" rtlCol="0">
+            <a:spAutoFit/>
+          </a:bodyPr>
+          <a:lstStyle/>
+          <a:p>
+            <a:r>
+              <a:rPr lang="en-US" dirty="0"/>
+              <a:t>Train MSC02 Weights </a:t>
+            </a:r>
+          </a:p>
+        </p:txBody>
+      </p:sp>
+      <p:pic>
+        <p:nvPicPr>
+          <p:cNvPr id="8" name="Picture 7">
+            <a:extLst>
+              <a:ext uri="{FF2B5EF4-FFF2-40B4-BE49-F238E27FC236}">
+                <a16:creationId xmlns:a16="http://schemas.microsoft.com/office/drawing/2014/main" id="{B5C7B6F7-4988-8B4B-B51C-0EAE9137AB8C}"/>
+              </a:ext>
+            </a:extLst>
+          </p:cNvPr>
+          <p:cNvPicPr>
+            <a:picLocks noChangeAspect="1"/>
+          </p:cNvPicPr>
+          <p:nvPr/>
+        </p:nvPicPr>
+        <p:blipFill rotWithShape="1">
+          <a:blip r:embed="rId2"/>
+          <a:srcRect l="22361" t="4924" r="22361" b="2651"/>
+          <a:stretch/>
+        </p:blipFill>
+        <p:spPr>
+          <a:xfrm>
+            <a:off x="237067" y="1507067"/>
+            <a:ext cx="5604933" cy="5154286"/>
+          </a:xfrm>
+          <a:prstGeom prst="rect">
+            <a:avLst/>
+          </a:prstGeom>
+        </p:spPr>
+      </p:pic>
+      <p:pic>
+        <p:nvPicPr>
+          <p:cNvPr id="10" name="Picture 9">
+            <a:extLst>
+              <a:ext uri="{FF2B5EF4-FFF2-40B4-BE49-F238E27FC236}">
+                <a16:creationId xmlns:a16="http://schemas.microsoft.com/office/drawing/2014/main" id="{2BB06F2F-B903-0947-902A-E428DA97D928}"/>
+              </a:ext>
+            </a:extLst>
+          </p:cNvPr>
+          <p:cNvPicPr>
+            <a:picLocks noChangeAspect="1"/>
+          </p:cNvPicPr>
+          <p:nvPr/>
+        </p:nvPicPr>
+        <p:blipFill rotWithShape="1">
+          <a:blip r:embed="rId3"/>
+          <a:srcRect l="22500" t="6186" r="23333" b="2147"/>
+          <a:stretch/>
+        </p:blipFill>
+        <p:spPr>
+          <a:xfrm>
+            <a:off x="6287264" y="1507067"/>
+            <a:ext cx="5604933" cy="5216900"/>
+          </a:xfrm>
+          <a:prstGeom prst="rect">
+            <a:avLst/>
+          </a:prstGeom>
+        </p:spPr>
+      </p:pic>
+    </p:spTree>
+    <p:extLst>
+      <p:ext uri="{BB962C8B-B14F-4D97-AF65-F5344CB8AC3E}">
+        <p14:creationId xmlns:p14="http://schemas.microsoft.com/office/powerpoint/2010/main" val="3905359553"/>
+      </p:ext>
+    </p:extLst>
+  </p:cSld>
+  <p:clrMapOvr>
+    <a:masterClrMapping/>
+  </p:clrMapOvr>
+</p:sld>
+</file>
+
 <file path=ppt/slides/slide3.xml><?xml version="1.0" encoding="utf-8"?>
 <p:sld xmlns:a="http://schemas.openxmlformats.org/drawingml/2006/main" xmlns:r="http://schemas.openxmlformats.org/officeDocument/2006/relationships" xmlns:p="http://schemas.openxmlformats.org/presentationml/2006/main">
   <p:cSld>

--- a/analysis/output/results/MVPA_ACC_02242020.pptx
+++ b/analysis/output/results/MVPA_ACC_02242020.pptx
@@ -4,6 +4,9 @@
   <p:sldMasterIdLst>
     <p:sldMasterId id="2147483648" r:id="rId1"/>
   </p:sldMasterIdLst>
+  <p:notesMasterIdLst>
+    <p:notesMasterId r:id="rId25"/>
+  </p:notesMasterIdLst>
   <p:sldIdLst>
     <p:sldId id="256" r:id="rId2"/>
     <p:sldId id="257" r:id="rId3"/>
@@ -134,6 +137,2035 @@
 </p:presentation>
 </file>
 
+<file path=ppt/notesMasters/notesMaster1.xml><?xml version="1.0" encoding="utf-8"?>
+<p:notesMaster xmlns:a="http://schemas.openxmlformats.org/drawingml/2006/main" xmlns:r="http://schemas.openxmlformats.org/officeDocument/2006/relationships" xmlns:p="http://schemas.openxmlformats.org/presentationml/2006/main">
+  <p:cSld>
+    <p:bg>
+      <p:bgRef idx="1001">
+        <a:schemeClr val="bg1"/>
+      </p:bgRef>
+    </p:bg>
+    <p:spTree>
+      <p:nvGrpSpPr>
+        <p:cNvPr id="1" name=""/>
+        <p:cNvGrpSpPr/>
+        <p:nvPr/>
+      </p:nvGrpSpPr>
+      <p:grpSpPr>
+        <a:xfrm>
+          <a:off x="0" y="0"/>
+          <a:ext cx="0" cy="0"/>
+          <a:chOff x="0" y="0"/>
+          <a:chExt cx="0" cy="0"/>
+        </a:xfrm>
+      </p:grpSpPr>
+      <p:sp>
+        <p:nvSpPr>
+          <p:cNvPr id="2" name="Header Placeholder 1"/>
+          <p:cNvSpPr>
+            <a:spLocks noGrp="1"/>
+          </p:cNvSpPr>
+          <p:nvPr>
+            <p:ph type="hdr" sz="quarter"/>
+          </p:nvPr>
+        </p:nvSpPr>
+        <p:spPr>
+          <a:xfrm>
+            <a:off x="0" y="0"/>
+            <a:ext cx="2971800" cy="458788"/>
+          </a:xfrm>
+          <a:prstGeom prst="rect">
+            <a:avLst/>
+          </a:prstGeom>
+        </p:spPr>
+        <p:txBody>
+          <a:bodyPr vert="horz" lIns="91440" tIns="45720" rIns="91440" bIns="45720" rtlCol="0"/>
+          <a:lstStyle>
+            <a:lvl1pPr algn="l">
+              <a:defRPr sz="1200"/>
+            </a:lvl1pPr>
+          </a:lstStyle>
+          <a:p>
+            <a:endParaRPr lang="en-US"/>
+          </a:p>
+        </p:txBody>
+      </p:sp>
+      <p:sp>
+        <p:nvSpPr>
+          <p:cNvPr id="3" name="Date Placeholder 2"/>
+          <p:cNvSpPr>
+            <a:spLocks noGrp="1"/>
+          </p:cNvSpPr>
+          <p:nvPr>
+            <p:ph type="dt" idx="1"/>
+          </p:nvPr>
+        </p:nvSpPr>
+        <p:spPr>
+          <a:xfrm>
+            <a:off x="3884613" y="0"/>
+            <a:ext cx="2971800" cy="458788"/>
+          </a:xfrm>
+          <a:prstGeom prst="rect">
+            <a:avLst/>
+          </a:prstGeom>
+        </p:spPr>
+        <p:txBody>
+          <a:bodyPr vert="horz" lIns="91440" tIns="45720" rIns="91440" bIns="45720" rtlCol="0"/>
+          <a:lstStyle>
+            <a:lvl1pPr algn="r">
+              <a:defRPr sz="1200"/>
+            </a:lvl1pPr>
+          </a:lstStyle>
+          <a:p>
+            <a:fld id="{6938C96A-55FF-0C48-AD42-EC61082B551D}" type="datetimeFigureOut">
+              <a:rPr lang="en-US" smtClean="0"/>
+              <a:t>3/13/20</a:t>
+            </a:fld>
+            <a:endParaRPr lang="en-US"/>
+          </a:p>
+        </p:txBody>
+      </p:sp>
+      <p:sp>
+        <p:nvSpPr>
+          <p:cNvPr id="4" name="Slide Image Placeholder 3"/>
+          <p:cNvSpPr>
+            <a:spLocks noGrp="1" noRot="1" noChangeAspect="1"/>
+          </p:cNvSpPr>
+          <p:nvPr>
+            <p:ph type="sldImg" idx="2"/>
+          </p:nvPr>
+        </p:nvSpPr>
+        <p:spPr>
+          <a:xfrm>
+            <a:off x="685800" y="1143000"/>
+            <a:ext cx="5486400" cy="3086100"/>
+          </a:xfrm>
+          <a:prstGeom prst="rect">
+            <a:avLst/>
+          </a:prstGeom>
+          <a:noFill/>
+          <a:ln w="12700">
+            <a:solidFill>
+              <a:prstClr val="black"/>
+            </a:solidFill>
+          </a:ln>
+        </p:spPr>
+        <p:txBody>
+          <a:bodyPr vert="horz" lIns="91440" tIns="45720" rIns="91440" bIns="45720" rtlCol="0" anchor="ctr"/>
+          <a:lstStyle/>
+          <a:p>
+            <a:endParaRPr lang="en-US"/>
+          </a:p>
+        </p:txBody>
+      </p:sp>
+      <p:sp>
+        <p:nvSpPr>
+          <p:cNvPr id="5" name="Notes Placeholder 4"/>
+          <p:cNvSpPr>
+            <a:spLocks noGrp="1"/>
+          </p:cNvSpPr>
+          <p:nvPr>
+            <p:ph type="body" sz="quarter" idx="3"/>
+          </p:nvPr>
+        </p:nvSpPr>
+        <p:spPr>
+          <a:xfrm>
+            <a:off x="685800" y="4400550"/>
+            <a:ext cx="5486400" cy="3600450"/>
+          </a:xfrm>
+          <a:prstGeom prst="rect">
+            <a:avLst/>
+          </a:prstGeom>
+        </p:spPr>
+        <p:txBody>
+          <a:bodyPr vert="horz" lIns="91440" tIns="45720" rIns="91440" bIns="45720" rtlCol="0"/>
+          <a:lstStyle/>
+          <a:p>
+            <a:pPr lvl="0"/>
+            <a:r>
+              <a:rPr lang="en-US"/>
+              <a:t>Click to edit Master text styles</a:t>
+            </a:r>
+          </a:p>
+          <a:p>
+            <a:pPr lvl="1"/>
+            <a:r>
+              <a:rPr lang="en-US"/>
+              <a:t>Second level</a:t>
+            </a:r>
+          </a:p>
+          <a:p>
+            <a:pPr lvl="2"/>
+            <a:r>
+              <a:rPr lang="en-US"/>
+              <a:t>Third level</a:t>
+            </a:r>
+          </a:p>
+          <a:p>
+            <a:pPr lvl="3"/>
+            <a:r>
+              <a:rPr lang="en-US"/>
+              <a:t>Fourth level</a:t>
+            </a:r>
+          </a:p>
+          <a:p>
+            <a:pPr lvl="4"/>
+            <a:r>
+              <a:rPr lang="en-US"/>
+              <a:t>Fifth level</a:t>
+            </a:r>
+          </a:p>
+        </p:txBody>
+      </p:sp>
+      <p:sp>
+        <p:nvSpPr>
+          <p:cNvPr id="6" name="Footer Placeholder 5"/>
+          <p:cNvSpPr>
+            <a:spLocks noGrp="1"/>
+          </p:cNvSpPr>
+          <p:nvPr>
+            <p:ph type="ftr" sz="quarter" idx="4"/>
+          </p:nvPr>
+        </p:nvSpPr>
+        <p:spPr>
+          <a:xfrm>
+            <a:off x="0" y="8685213"/>
+            <a:ext cx="2971800" cy="458787"/>
+          </a:xfrm>
+          <a:prstGeom prst="rect">
+            <a:avLst/>
+          </a:prstGeom>
+        </p:spPr>
+        <p:txBody>
+          <a:bodyPr vert="horz" lIns="91440" tIns="45720" rIns="91440" bIns="45720" rtlCol="0" anchor="b"/>
+          <a:lstStyle>
+            <a:lvl1pPr algn="l">
+              <a:defRPr sz="1200"/>
+            </a:lvl1pPr>
+          </a:lstStyle>
+          <a:p>
+            <a:endParaRPr lang="en-US"/>
+          </a:p>
+        </p:txBody>
+      </p:sp>
+      <p:sp>
+        <p:nvSpPr>
+          <p:cNvPr id="7" name="Slide Number Placeholder 6"/>
+          <p:cNvSpPr>
+            <a:spLocks noGrp="1"/>
+          </p:cNvSpPr>
+          <p:nvPr>
+            <p:ph type="sldNum" sz="quarter" idx="5"/>
+          </p:nvPr>
+        </p:nvSpPr>
+        <p:spPr>
+          <a:xfrm>
+            <a:off x="3884613" y="8685213"/>
+            <a:ext cx="2971800" cy="458787"/>
+          </a:xfrm>
+          <a:prstGeom prst="rect">
+            <a:avLst/>
+          </a:prstGeom>
+        </p:spPr>
+        <p:txBody>
+          <a:bodyPr vert="horz" lIns="91440" tIns="45720" rIns="91440" bIns="45720" rtlCol="0" anchor="b"/>
+          <a:lstStyle>
+            <a:lvl1pPr algn="r">
+              <a:defRPr sz="1200"/>
+            </a:lvl1pPr>
+          </a:lstStyle>
+          <a:p>
+            <a:fld id="{5468D072-FE6D-EE42-975B-12BD4489EE73}" type="slidenum">
+              <a:rPr lang="en-US" smtClean="0"/>
+              <a:t>‹#›</a:t>
+            </a:fld>
+            <a:endParaRPr lang="en-US"/>
+          </a:p>
+        </p:txBody>
+      </p:sp>
+    </p:spTree>
+    <p:extLst>
+      <p:ext uri="{BB962C8B-B14F-4D97-AF65-F5344CB8AC3E}">
+        <p14:creationId xmlns:p14="http://schemas.microsoft.com/office/powerpoint/2010/main" val="26028709"/>
+      </p:ext>
+    </p:extLst>
+  </p:cSld>
+  <p:clrMap bg1="lt1" tx1="dk1" bg2="lt2" tx2="dk2" accent1="accent1" accent2="accent2" accent3="accent3" accent4="accent4" accent5="accent5" accent6="accent6" hlink="hlink" folHlink="folHlink"/>
+  <p:notesStyle>
+    <a:lvl1pPr marL="0" algn="l" defTabSz="914400" rtl="0" eaLnBrk="1" latinLnBrk="0" hangingPunct="1">
+      <a:defRPr sz="1200" kern="1200">
+        <a:solidFill>
+          <a:schemeClr val="tx1"/>
+        </a:solidFill>
+        <a:latin typeface="+mn-lt"/>
+        <a:ea typeface="+mn-ea"/>
+        <a:cs typeface="+mn-cs"/>
+      </a:defRPr>
+    </a:lvl1pPr>
+    <a:lvl2pPr marL="457200" algn="l" defTabSz="914400" rtl="0" eaLnBrk="1" latinLnBrk="0" hangingPunct="1">
+      <a:defRPr sz="1200" kern="1200">
+        <a:solidFill>
+          <a:schemeClr val="tx1"/>
+        </a:solidFill>
+        <a:latin typeface="+mn-lt"/>
+        <a:ea typeface="+mn-ea"/>
+        <a:cs typeface="+mn-cs"/>
+      </a:defRPr>
+    </a:lvl2pPr>
+    <a:lvl3pPr marL="914400" algn="l" defTabSz="914400" rtl="0" eaLnBrk="1" latinLnBrk="0" hangingPunct="1">
+      <a:defRPr sz="1200" kern="1200">
+        <a:solidFill>
+          <a:schemeClr val="tx1"/>
+        </a:solidFill>
+        <a:latin typeface="+mn-lt"/>
+        <a:ea typeface="+mn-ea"/>
+        <a:cs typeface="+mn-cs"/>
+      </a:defRPr>
+    </a:lvl3pPr>
+    <a:lvl4pPr marL="1371600" algn="l" defTabSz="914400" rtl="0" eaLnBrk="1" latinLnBrk="0" hangingPunct="1">
+      <a:defRPr sz="1200" kern="1200">
+        <a:solidFill>
+          <a:schemeClr val="tx1"/>
+        </a:solidFill>
+        <a:latin typeface="+mn-lt"/>
+        <a:ea typeface="+mn-ea"/>
+        <a:cs typeface="+mn-cs"/>
+      </a:defRPr>
+    </a:lvl4pPr>
+    <a:lvl5pPr marL="1828800" algn="l" defTabSz="914400" rtl="0" eaLnBrk="1" latinLnBrk="0" hangingPunct="1">
+      <a:defRPr sz="1200" kern="1200">
+        <a:solidFill>
+          <a:schemeClr val="tx1"/>
+        </a:solidFill>
+        <a:latin typeface="+mn-lt"/>
+        <a:ea typeface="+mn-ea"/>
+        <a:cs typeface="+mn-cs"/>
+      </a:defRPr>
+    </a:lvl5pPr>
+    <a:lvl6pPr marL="2286000" algn="l" defTabSz="914400" rtl="0" eaLnBrk="1" latinLnBrk="0" hangingPunct="1">
+      <a:defRPr sz="1200" kern="1200">
+        <a:solidFill>
+          <a:schemeClr val="tx1"/>
+        </a:solidFill>
+        <a:latin typeface="+mn-lt"/>
+        <a:ea typeface="+mn-ea"/>
+        <a:cs typeface="+mn-cs"/>
+      </a:defRPr>
+    </a:lvl6pPr>
+    <a:lvl7pPr marL="2743200" algn="l" defTabSz="914400" rtl="0" eaLnBrk="1" latinLnBrk="0" hangingPunct="1">
+      <a:defRPr sz="1200" kern="1200">
+        <a:solidFill>
+          <a:schemeClr val="tx1"/>
+        </a:solidFill>
+        <a:latin typeface="+mn-lt"/>
+        <a:ea typeface="+mn-ea"/>
+        <a:cs typeface="+mn-cs"/>
+      </a:defRPr>
+    </a:lvl7pPr>
+    <a:lvl8pPr marL="3200400" algn="l" defTabSz="914400" rtl="0" eaLnBrk="1" latinLnBrk="0" hangingPunct="1">
+      <a:defRPr sz="1200" kern="1200">
+        <a:solidFill>
+          <a:schemeClr val="tx1"/>
+        </a:solidFill>
+        <a:latin typeface="+mn-lt"/>
+        <a:ea typeface="+mn-ea"/>
+        <a:cs typeface="+mn-cs"/>
+      </a:defRPr>
+    </a:lvl8pPr>
+    <a:lvl9pPr marL="3657600" algn="l" defTabSz="914400" rtl="0" eaLnBrk="1" latinLnBrk="0" hangingPunct="1">
+      <a:defRPr sz="1200" kern="1200">
+        <a:solidFill>
+          <a:schemeClr val="tx1"/>
+        </a:solidFill>
+        <a:latin typeface="+mn-lt"/>
+        <a:ea typeface="+mn-ea"/>
+        <a:cs typeface="+mn-cs"/>
+      </a:defRPr>
+    </a:lvl9pPr>
+  </p:notesStyle>
+</p:notesMaster>
+</file>
+
+<file path=ppt/notesSlides/notesSlide1.xml><?xml version="1.0" encoding="utf-8"?>
+<p:notes xmlns:a="http://schemas.openxmlformats.org/drawingml/2006/main" xmlns:r="http://schemas.openxmlformats.org/officeDocument/2006/relationships" xmlns:p="http://schemas.openxmlformats.org/presentationml/2006/main">
+  <p:cSld>
+    <p:spTree>
+      <p:nvGrpSpPr>
+        <p:cNvPr id="1" name=""/>
+        <p:cNvGrpSpPr/>
+        <p:nvPr/>
+      </p:nvGrpSpPr>
+      <p:grpSpPr>
+        <a:xfrm>
+          <a:off x="0" y="0"/>
+          <a:ext cx="0" cy="0"/>
+          <a:chOff x="0" y="0"/>
+          <a:chExt cx="0" cy="0"/>
+        </a:xfrm>
+      </p:grpSpPr>
+      <p:sp>
+        <p:nvSpPr>
+          <p:cNvPr id="2" name="Slide Image Placeholder 1"/>
+          <p:cNvSpPr>
+            <a:spLocks noGrp="1" noRot="1" noChangeAspect="1"/>
+          </p:cNvSpPr>
+          <p:nvPr>
+            <p:ph type="sldImg"/>
+          </p:nvPr>
+        </p:nvSpPr>
+        <p:spPr/>
+      </p:sp>
+      <p:sp>
+        <p:nvSpPr>
+          <p:cNvPr id="3" name="Notes Placeholder 2"/>
+          <p:cNvSpPr>
+            <a:spLocks noGrp="1"/>
+          </p:cNvSpPr>
+          <p:nvPr>
+            <p:ph type="body" idx="1"/>
+          </p:nvPr>
+        </p:nvSpPr>
+        <p:spPr/>
+        <p:txBody>
+          <a:bodyPr/>
+          <a:lstStyle/>
+          <a:p>
+            <a:endParaRPr lang="en-US"/>
+          </a:p>
+        </p:txBody>
+      </p:sp>
+      <p:sp>
+        <p:nvSpPr>
+          <p:cNvPr id="4" name="Slide Number Placeholder 3"/>
+          <p:cNvSpPr>
+            <a:spLocks noGrp="1"/>
+          </p:cNvSpPr>
+          <p:nvPr>
+            <p:ph type="sldNum" sz="quarter" idx="5"/>
+          </p:nvPr>
+        </p:nvSpPr>
+        <p:spPr/>
+        <p:txBody>
+          <a:bodyPr/>
+          <a:lstStyle/>
+          <a:p>
+            <a:fld id="{5468D072-FE6D-EE42-975B-12BD4489EE73}" type="slidenum">
+              <a:rPr lang="en-US" smtClean="0"/>
+              <a:t>2</a:t>
+            </a:fld>
+            <a:endParaRPr lang="en-US"/>
+          </a:p>
+        </p:txBody>
+      </p:sp>
+    </p:spTree>
+    <p:extLst>
+      <p:ext uri="{BB962C8B-B14F-4D97-AF65-F5344CB8AC3E}">
+        <p14:creationId xmlns:p14="http://schemas.microsoft.com/office/powerpoint/2010/main" val="3895742865"/>
+      </p:ext>
+    </p:extLst>
+  </p:cSld>
+  <p:clrMapOvr>
+    <a:masterClrMapping/>
+  </p:clrMapOvr>
+</p:notes>
+</file>
+
+<file path=ppt/notesSlides/notesSlide10.xml><?xml version="1.0" encoding="utf-8"?>
+<p:notes xmlns:a="http://schemas.openxmlformats.org/drawingml/2006/main" xmlns:r="http://schemas.openxmlformats.org/officeDocument/2006/relationships" xmlns:p="http://schemas.openxmlformats.org/presentationml/2006/main">
+  <p:cSld>
+    <p:spTree>
+      <p:nvGrpSpPr>
+        <p:cNvPr id="1" name=""/>
+        <p:cNvGrpSpPr/>
+        <p:nvPr/>
+      </p:nvGrpSpPr>
+      <p:grpSpPr>
+        <a:xfrm>
+          <a:off x="0" y="0"/>
+          <a:ext cx="0" cy="0"/>
+          <a:chOff x="0" y="0"/>
+          <a:chExt cx="0" cy="0"/>
+        </a:xfrm>
+      </p:grpSpPr>
+      <p:sp>
+        <p:nvSpPr>
+          <p:cNvPr id="2" name="Slide Image Placeholder 1"/>
+          <p:cNvSpPr>
+            <a:spLocks noGrp="1" noRot="1" noChangeAspect="1"/>
+          </p:cNvSpPr>
+          <p:nvPr>
+            <p:ph type="sldImg"/>
+          </p:nvPr>
+        </p:nvSpPr>
+        <p:spPr/>
+      </p:sp>
+      <p:sp>
+        <p:nvSpPr>
+          <p:cNvPr id="3" name="Notes Placeholder 2"/>
+          <p:cNvSpPr>
+            <a:spLocks noGrp="1"/>
+          </p:cNvSpPr>
+          <p:nvPr>
+            <p:ph type="body" idx="1"/>
+          </p:nvPr>
+        </p:nvSpPr>
+        <p:spPr/>
+        <p:txBody>
+          <a:bodyPr/>
+          <a:lstStyle/>
+          <a:p>
+            <a:endParaRPr lang="en-US"/>
+          </a:p>
+        </p:txBody>
+      </p:sp>
+      <p:sp>
+        <p:nvSpPr>
+          <p:cNvPr id="4" name="Slide Number Placeholder 3"/>
+          <p:cNvSpPr>
+            <a:spLocks noGrp="1"/>
+          </p:cNvSpPr>
+          <p:nvPr>
+            <p:ph type="sldNum" sz="quarter" idx="5"/>
+          </p:nvPr>
+        </p:nvSpPr>
+        <p:spPr/>
+        <p:txBody>
+          <a:bodyPr/>
+          <a:lstStyle/>
+          <a:p>
+            <a:fld id="{5468D072-FE6D-EE42-975B-12BD4489EE73}" type="slidenum">
+              <a:rPr lang="en-US" smtClean="0"/>
+              <a:t>12</a:t>
+            </a:fld>
+            <a:endParaRPr lang="en-US"/>
+          </a:p>
+        </p:txBody>
+      </p:sp>
+    </p:spTree>
+    <p:extLst>
+      <p:ext uri="{BB962C8B-B14F-4D97-AF65-F5344CB8AC3E}">
+        <p14:creationId xmlns:p14="http://schemas.microsoft.com/office/powerpoint/2010/main" val="1856435730"/>
+      </p:ext>
+    </p:extLst>
+  </p:cSld>
+  <p:clrMapOvr>
+    <a:masterClrMapping/>
+  </p:clrMapOvr>
+</p:notes>
+</file>
+
+<file path=ppt/notesSlides/notesSlide11.xml><?xml version="1.0" encoding="utf-8"?>
+<p:notes xmlns:a="http://schemas.openxmlformats.org/drawingml/2006/main" xmlns:r="http://schemas.openxmlformats.org/officeDocument/2006/relationships" xmlns:p="http://schemas.openxmlformats.org/presentationml/2006/main">
+  <p:cSld>
+    <p:spTree>
+      <p:nvGrpSpPr>
+        <p:cNvPr id="1" name=""/>
+        <p:cNvGrpSpPr/>
+        <p:nvPr/>
+      </p:nvGrpSpPr>
+      <p:grpSpPr>
+        <a:xfrm>
+          <a:off x="0" y="0"/>
+          <a:ext cx="0" cy="0"/>
+          <a:chOff x="0" y="0"/>
+          <a:chExt cx="0" cy="0"/>
+        </a:xfrm>
+      </p:grpSpPr>
+      <p:sp>
+        <p:nvSpPr>
+          <p:cNvPr id="2" name="Slide Image Placeholder 1"/>
+          <p:cNvSpPr>
+            <a:spLocks noGrp="1" noRot="1" noChangeAspect="1"/>
+          </p:cNvSpPr>
+          <p:nvPr>
+            <p:ph type="sldImg"/>
+          </p:nvPr>
+        </p:nvSpPr>
+        <p:spPr/>
+      </p:sp>
+      <p:sp>
+        <p:nvSpPr>
+          <p:cNvPr id="3" name="Notes Placeholder 2"/>
+          <p:cNvSpPr>
+            <a:spLocks noGrp="1"/>
+          </p:cNvSpPr>
+          <p:nvPr>
+            <p:ph type="body" idx="1"/>
+          </p:nvPr>
+        </p:nvSpPr>
+        <p:spPr/>
+        <p:txBody>
+          <a:bodyPr/>
+          <a:lstStyle/>
+          <a:p>
+            <a:endParaRPr lang="en-US"/>
+          </a:p>
+        </p:txBody>
+      </p:sp>
+      <p:sp>
+        <p:nvSpPr>
+          <p:cNvPr id="4" name="Slide Number Placeholder 3"/>
+          <p:cNvSpPr>
+            <a:spLocks noGrp="1"/>
+          </p:cNvSpPr>
+          <p:nvPr>
+            <p:ph type="sldNum" sz="quarter" idx="5"/>
+          </p:nvPr>
+        </p:nvSpPr>
+        <p:spPr/>
+        <p:txBody>
+          <a:bodyPr/>
+          <a:lstStyle/>
+          <a:p>
+            <a:fld id="{5468D072-FE6D-EE42-975B-12BD4489EE73}" type="slidenum">
+              <a:rPr lang="en-US" smtClean="0"/>
+              <a:t>13</a:t>
+            </a:fld>
+            <a:endParaRPr lang="en-US"/>
+          </a:p>
+        </p:txBody>
+      </p:sp>
+    </p:spTree>
+    <p:extLst>
+      <p:ext uri="{BB962C8B-B14F-4D97-AF65-F5344CB8AC3E}">
+        <p14:creationId xmlns:p14="http://schemas.microsoft.com/office/powerpoint/2010/main" val="999103806"/>
+      </p:ext>
+    </p:extLst>
+  </p:cSld>
+  <p:clrMapOvr>
+    <a:masterClrMapping/>
+  </p:clrMapOvr>
+</p:notes>
+</file>
+
+<file path=ppt/notesSlides/notesSlide12.xml><?xml version="1.0" encoding="utf-8"?>
+<p:notes xmlns:a="http://schemas.openxmlformats.org/drawingml/2006/main" xmlns:r="http://schemas.openxmlformats.org/officeDocument/2006/relationships" xmlns:p="http://schemas.openxmlformats.org/presentationml/2006/main">
+  <p:cSld>
+    <p:spTree>
+      <p:nvGrpSpPr>
+        <p:cNvPr id="1" name=""/>
+        <p:cNvGrpSpPr/>
+        <p:nvPr/>
+      </p:nvGrpSpPr>
+      <p:grpSpPr>
+        <a:xfrm>
+          <a:off x="0" y="0"/>
+          <a:ext cx="0" cy="0"/>
+          <a:chOff x="0" y="0"/>
+          <a:chExt cx="0" cy="0"/>
+        </a:xfrm>
+      </p:grpSpPr>
+      <p:sp>
+        <p:nvSpPr>
+          <p:cNvPr id="2" name="Slide Image Placeholder 1"/>
+          <p:cNvSpPr>
+            <a:spLocks noGrp="1" noRot="1" noChangeAspect="1"/>
+          </p:cNvSpPr>
+          <p:nvPr>
+            <p:ph type="sldImg"/>
+          </p:nvPr>
+        </p:nvSpPr>
+        <p:spPr/>
+      </p:sp>
+      <p:sp>
+        <p:nvSpPr>
+          <p:cNvPr id="3" name="Notes Placeholder 2"/>
+          <p:cNvSpPr>
+            <a:spLocks noGrp="1"/>
+          </p:cNvSpPr>
+          <p:nvPr>
+            <p:ph type="body" idx="1"/>
+          </p:nvPr>
+        </p:nvSpPr>
+        <p:spPr/>
+        <p:txBody>
+          <a:bodyPr/>
+          <a:lstStyle/>
+          <a:p>
+            <a:endParaRPr lang="en-US"/>
+          </a:p>
+        </p:txBody>
+      </p:sp>
+      <p:sp>
+        <p:nvSpPr>
+          <p:cNvPr id="4" name="Slide Number Placeholder 3"/>
+          <p:cNvSpPr>
+            <a:spLocks noGrp="1"/>
+          </p:cNvSpPr>
+          <p:nvPr>
+            <p:ph type="sldNum" sz="quarter" idx="5"/>
+          </p:nvPr>
+        </p:nvSpPr>
+        <p:spPr/>
+        <p:txBody>
+          <a:bodyPr/>
+          <a:lstStyle/>
+          <a:p>
+            <a:fld id="{5468D072-FE6D-EE42-975B-12BD4489EE73}" type="slidenum">
+              <a:rPr lang="en-US" smtClean="0"/>
+              <a:t>14</a:t>
+            </a:fld>
+            <a:endParaRPr lang="en-US"/>
+          </a:p>
+        </p:txBody>
+      </p:sp>
+    </p:spTree>
+    <p:extLst>
+      <p:ext uri="{BB962C8B-B14F-4D97-AF65-F5344CB8AC3E}">
+        <p14:creationId xmlns:p14="http://schemas.microsoft.com/office/powerpoint/2010/main" val="3930735953"/>
+      </p:ext>
+    </p:extLst>
+  </p:cSld>
+  <p:clrMapOvr>
+    <a:masterClrMapping/>
+  </p:clrMapOvr>
+</p:notes>
+</file>
+
+<file path=ppt/notesSlides/notesSlide13.xml><?xml version="1.0" encoding="utf-8"?>
+<p:notes xmlns:a="http://schemas.openxmlformats.org/drawingml/2006/main" xmlns:r="http://schemas.openxmlformats.org/officeDocument/2006/relationships" xmlns:p="http://schemas.openxmlformats.org/presentationml/2006/main">
+  <p:cSld>
+    <p:spTree>
+      <p:nvGrpSpPr>
+        <p:cNvPr id="1" name=""/>
+        <p:cNvGrpSpPr/>
+        <p:nvPr/>
+      </p:nvGrpSpPr>
+      <p:grpSpPr>
+        <a:xfrm>
+          <a:off x="0" y="0"/>
+          <a:ext cx="0" cy="0"/>
+          <a:chOff x="0" y="0"/>
+          <a:chExt cx="0" cy="0"/>
+        </a:xfrm>
+      </p:grpSpPr>
+      <p:sp>
+        <p:nvSpPr>
+          <p:cNvPr id="2" name="Slide Image Placeholder 1"/>
+          <p:cNvSpPr>
+            <a:spLocks noGrp="1" noRot="1" noChangeAspect="1"/>
+          </p:cNvSpPr>
+          <p:nvPr>
+            <p:ph type="sldImg"/>
+          </p:nvPr>
+        </p:nvSpPr>
+        <p:spPr/>
+      </p:sp>
+      <p:sp>
+        <p:nvSpPr>
+          <p:cNvPr id="3" name="Notes Placeholder 2"/>
+          <p:cNvSpPr>
+            <a:spLocks noGrp="1"/>
+          </p:cNvSpPr>
+          <p:nvPr>
+            <p:ph type="body" idx="1"/>
+          </p:nvPr>
+        </p:nvSpPr>
+        <p:spPr/>
+        <p:txBody>
+          <a:bodyPr/>
+          <a:lstStyle/>
+          <a:p>
+            <a:endParaRPr lang="en-US"/>
+          </a:p>
+        </p:txBody>
+      </p:sp>
+      <p:sp>
+        <p:nvSpPr>
+          <p:cNvPr id="4" name="Slide Number Placeholder 3"/>
+          <p:cNvSpPr>
+            <a:spLocks noGrp="1"/>
+          </p:cNvSpPr>
+          <p:nvPr>
+            <p:ph type="sldNum" sz="quarter" idx="5"/>
+          </p:nvPr>
+        </p:nvSpPr>
+        <p:spPr/>
+        <p:txBody>
+          <a:bodyPr/>
+          <a:lstStyle/>
+          <a:p>
+            <a:fld id="{5468D072-FE6D-EE42-975B-12BD4489EE73}" type="slidenum">
+              <a:rPr lang="en-US" smtClean="0"/>
+              <a:t>15</a:t>
+            </a:fld>
+            <a:endParaRPr lang="en-US"/>
+          </a:p>
+        </p:txBody>
+      </p:sp>
+    </p:spTree>
+    <p:extLst>
+      <p:ext uri="{BB962C8B-B14F-4D97-AF65-F5344CB8AC3E}">
+        <p14:creationId xmlns:p14="http://schemas.microsoft.com/office/powerpoint/2010/main" val="2058581041"/>
+      </p:ext>
+    </p:extLst>
+  </p:cSld>
+  <p:clrMapOvr>
+    <a:masterClrMapping/>
+  </p:clrMapOvr>
+</p:notes>
+</file>
+
+<file path=ppt/notesSlides/notesSlide14.xml><?xml version="1.0" encoding="utf-8"?>
+<p:notes xmlns:a="http://schemas.openxmlformats.org/drawingml/2006/main" xmlns:r="http://schemas.openxmlformats.org/officeDocument/2006/relationships" xmlns:p="http://schemas.openxmlformats.org/presentationml/2006/main">
+  <p:cSld>
+    <p:spTree>
+      <p:nvGrpSpPr>
+        <p:cNvPr id="1" name=""/>
+        <p:cNvGrpSpPr/>
+        <p:nvPr/>
+      </p:nvGrpSpPr>
+      <p:grpSpPr>
+        <a:xfrm>
+          <a:off x="0" y="0"/>
+          <a:ext cx="0" cy="0"/>
+          <a:chOff x="0" y="0"/>
+          <a:chExt cx="0" cy="0"/>
+        </a:xfrm>
+      </p:grpSpPr>
+      <p:sp>
+        <p:nvSpPr>
+          <p:cNvPr id="2" name="Slide Image Placeholder 1"/>
+          <p:cNvSpPr>
+            <a:spLocks noGrp="1" noRot="1" noChangeAspect="1"/>
+          </p:cNvSpPr>
+          <p:nvPr>
+            <p:ph type="sldImg"/>
+          </p:nvPr>
+        </p:nvSpPr>
+        <p:spPr/>
+      </p:sp>
+      <p:sp>
+        <p:nvSpPr>
+          <p:cNvPr id="3" name="Notes Placeholder 2"/>
+          <p:cNvSpPr>
+            <a:spLocks noGrp="1"/>
+          </p:cNvSpPr>
+          <p:nvPr>
+            <p:ph type="body" idx="1"/>
+          </p:nvPr>
+        </p:nvSpPr>
+        <p:spPr/>
+        <p:txBody>
+          <a:bodyPr/>
+          <a:lstStyle/>
+          <a:p>
+            <a:endParaRPr lang="en-US"/>
+          </a:p>
+        </p:txBody>
+      </p:sp>
+      <p:sp>
+        <p:nvSpPr>
+          <p:cNvPr id="4" name="Slide Number Placeholder 3"/>
+          <p:cNvSpPr>
+            <a:spLocks noGrp="1"/>
+          </p:cNvSpPr>
+          <p:nvPr>
+            <p:ph type="sldNum" sz="quarter" idx="5"/>
+          </p:nvPr>
+        </p:nvSpPr>
+        <p:spPr/>
+        <p:txBody>
+          <a:bodyPr/>
+          <a:lstStyle/>
+          <a:p>
+            <a:fld id="{5468D072-FE6D-EE42-975B-12BD4489EE73}" type="slidenum">
+              <a:rPr lang="en-US" smtClean="0"/>
+              <a:t>16</a:t>
+            </a:fld>
+            <a:endParaRPr lang="en-US"/>
+          </a:p>
+        </p:txBody>
+      </p:sp>
+    </p:spTree>
+    <p:extLst>
+      <p:ext uri="{BB962C8B-B14F-4D97-AF65-F5344CB8AC3E}">
+        <p14:creationId xmlns:p14="http://schemas.microsoft.com/office/powerpoint/2010/main" val="77354163"/>
+      </p:ext>
+    </p:extLst>
+  </p:cSld>
+  <p:clrMapOvr>
+    <a:masterClrMapping/>
+  </p:clrMapOvr>
+</p:notes>
+</file>
+
+<file path=ppt/notesSlides/notesSlide15.xml><?xml version="1.0" encoding="utf-8"?>
+<p:notes xmlns:a="http://schemas.openxmlformats.org/drawingml/2006/main" xmlns:r="http://schemas.openxmlformats.org/officeDocument/2006/relationships" xmlns:p="http://schemas.openxmlformats.org/presentationml/2006/main">
+  <p:cSld>
+    <p:spTree>
+      <p:nvGrpSpPr>
+        <p:cNvPr id="1" name=""/>
+        <p:cNvGrpSpPr/>
+        <p:nvPr/>
+      </p:nvGrpSpPr>
+      <p:grpSpPr>
+        <a:xfrm>
+          <a:off x="0" y="0"/>
+          <a:ext cx="0" cy="0"/>
+          <a:chOff x="0" y="0"/>
+          <a:chExt cx="0" cy="0"/>
+        </a:xfrm>
+      </p:grpSpPr>
+      <p:sp>
+        <p:nvSpPr>
+          <p:cNvPr id="2" name="Slide Image Placeholder 1"/>
+          <p:cNvSpPr>
+            <a:spLocks noGrp="1" noRot="1" noChangeAspect="1"/>
+          </p:cNvSpPr>
+          <p:nvPr>
+            <p:ph type="sldImg"/>
+          </p:nvPr>
+        </p:nvSpPr>
+        <p:spPr/>
+      </p:sp>
+      <p:sp>
+        <p:nvSpPr>
+          <p:cNvPr id="3" name="Notes Placeholder 2"/>
+          <p:cNvSpPr>
+            <a:spLocks noGrp="1"/>
+          </p:cNvSpPr>
+          <p:nvPr>
+            <p:ph type="body" idx="1"/>
+          </p:nvPr>
+        </p:nvSpPr>
+        <p:spPr/>
+        <p:txBody>
+          <a:bodyPr/>
+          <a:lstStyle/>
+          <a:p>
+            <a:endParaRPr lang="en-US"/>
+          </a:p>
+        </p:txBody>
+      </p:sp>
+      <p:sp>
+        <p:nvSpPr>
+          <p:cNvPr id="4" name="Slide Number Placeholder 3"/>
+          <p:cNvSpPr>
+            <a:spLocks noGrp="1"/>
+          </p:cNvSpPr>
+          <p:nvPr>
+            <p:ph type="sldNum" sz="quarter" idx="5"/>
+          </p:nvPr>
+        </p:nvSpPr>
+        <p:spPr/>
+        <p:txBody>
+          <a:bodyPr/>
+          <a:lstStyle/>
+          <a:p>
+            <a:fld id="{5468D072-FE6D-EE42-975B-12BD4489EE73}" type="slidenum">
+              <a:rPr lang="en-US" smtClean="0"/>
+              <a:t>17</a:t>
+            </a:fld>
+            <a:endParaRPr lang="en-US"/>
+          </a:p>
+        </p:txBody>
+      </p:sp>
+    </p:spTree>
+    <p:extLst>
+      <p:ext uri="{BB962C8B-B14F-4D97-AF65-F5344CB8AC3E}">
+        <p14:creationId xmlns:p14="http://schemas.microsoft.com/office/powerpoint/2010/main" val="4328009"/>
+      </p:ext>
+    </p:extLst>
+  </p:cSld>
+  <p:clrMapOvr>
+    <a:masterClrMapping/>
+  </p:clrMapOvr>
+</p:notes>
+</file>
+
+<file path=ppt/notesSlides/notesSlide16.xml><?xml version="1.0" encoding="utf-8"?>
+<p:notes xmlns:a="http://schemas.openxmlformats.org/drawingml/2006/main" xmlns:r="http://schemas.openxmlformats.org/officeDocument/2006/relationships" xmlns:p="http://schemas.openxmlformats.org/presentationml/2006/main">
+  <p:cSld>
+    <p:spTree>
+      <p:nvGrpSpPr>
+        <p:cNvPr id="1" name=""/>
+        <p:cNvGrpSpPr/>
+        <p:nvPr/>
+      </p:nvGrpSpPr>
+      <p:grpSpPr>
+        <a:xfrm>
+          <a:off x="0" y="0"/>
+          <a:ext cx="0" cy="0"/>
+          <a:chOff x="0" y="0"/>
+          <a:chExt cx="0" cy="0"/>
+        </a:xfrm>
+      </p:grpSpPr>
+      <p:sp>
+        <p:nvSpPr>
+          <p:cNvPr id="2" name="Slide Image Placeholder 1"/>
+          <p:cNvSpPr>
+            <a:spLocks noGrp="1" noRot="1" noChangeAspect="1"/>
+          </p:cNvSpPr>
+          <p:nvPr>
+            <p:ph type="sldImg"/>
+          </p:nvPr>
+        </p:nvSpPr>
+        <p:spPr/>
+      </p:sp>
+      <p:sp>
+        <p:nvSpPr>
+          <p:cNvPr id="3" name="Notes Placeholder 2"/>
+          <p:cNvSpPr>
+            <a:spLocks noGrp="1"/>
+          </p:cNvSpPr>
+          <p:nvPr>
+            <p:ph type="body" idx="1"/>
+          </p:nvPr>
+        </p:nvSpPr>
+        <p:spPr/>
+        <p:txBody>
+          <a:bodyPr/>
+          <a:lstStyle/>
+          <a:p>
+            <a:endParaRPr lang="en-US"/>
+          </a:p>
+        </p:txBody>
+      </p:sp>
+      <p:sp>
+        <p:nvSpPr>
+          <p:cNvPr id="4" name="Slide Number Placeholder 3"/>
+          <p:cNvSpPr>
+            <a:spLocks noGrp="1"/>
+          </p:cNvSpPr>
+          <p:nvPr>
+            <p:ph type="sldNum" sz="quarter" idx="5"/>
+          </p:nvPr>
+        </p:nvSpPr>
+        <p:spPr/>
+        <p:txBody>
+          <a:bodyPr/>
+          <a:lstStyle/>
+          <a:p>
+            <a:fld id="{5468D072-FE6D-EE42-975B-12BD4489EE73}" type="slidenum">
+              <a:rPr lang="en-US" smtClean="0"/>
+              <a:t>18</a:t>
+            </a:fld>
+            <a:endParaRPr lang="en-US"/>
+          </a:p>
+        </p:txBody>
+      </p:sp>
+    </p:spTree>
+    <p:extLst>
+      <p:ext uri="{BB962C8B-B14F-4D97-AF65-F5344CB8AC3E}">
+        <p14:creationId xmlns:p14="http://schemas.microsoft.com/office/powerpoint/2010/main" val="741131742"/>
+      </p:ext>
+    </p:extLst>
+  </p:cSld>
+  <p:clrMapOvr>
+    <a:masterClrMapping/>
+  </p:clrMapOvr>
+</p:notes>
+</file>
+
+<file path=ppt/notesSlides/notesSlide17.xml><?xml version="1.0" encoding="utf-8"?>
+<p:notes xmlns:a="http://schemas.openxmlformats.org/drawingml/2006/main" xmlns:r="http://schemas.openxmlformats.org/officeDocument/2006/relationships" xmlns:p="http://schemas.openxmlformats.org/presentationml/2006/main">
+  <p:cSld>
+    <p:spTree>
+      <p:nvGrpSpPr>
+        <p:cNvPr id="1" name=""/>
+        <p:cNvGrpSpPr/>
+        <p:nvPr/>
+      </p:nvGrpSpPr>
+      <p:grpSpPr>
+        <a:xfrm>
+          <a:off x="0" y="0"/>
+          <a:ext cx="0" cy="0"/>
+          <a:chOff x="0" y="0"/>
+          <a:chExt cx="0" cy="0"/>
+        </a:xfrm>
+      </p:grpSpPr>
+      <p:sp>
+        <p:nvSpPr>
+          <p:cNvPr id="2" name="Slide Image Placeholder 1"/>
+          <p:cNvSpPr>
+            <a:spLocks noGrp="1" noRot="1" noChangeAspect="1"/>
+          </p:cNvSpPr>
+          <p:nvPr>
+            <p:ph type="sldImg"/>
+          </p:nvPr>
+        </p:nvSpPr>
+        <p:spPr/>
+      </p:sp>
+      <p:sp>
+        <p:nvSpPr>
+          <p:cNvPr id="3" name="Notes Placeholder 2"/>
+          <p:cNvSpPr>
+            <a:spLocks noGrp="1"/>
+          </p:cNvSpPr>
+          <p:nvPr>
+            <p:ph type="body" idx="1"/>
+          </p:nvPr>
+        </p:nvSpPr>
+        <p:spPr/>
+        <p:txBody>
+          <a:bodyPr/>
+          <a:lstStyle/>
+          <a:p>
+            <a:endParaRPr lang="en-US"/>
+          </a:p>
+        </p:txBody>
+      </p:sp>
+      <p:sp>
+        <p:nvSpPr>
+          <p:cNvPr id="4" name="Slide Number Placeholder 3"/>
+          <p:cNvSpPr>
+            <a:spLocks noGrp="1"/>
+          </p:cNvSpPr>
+          <p:nvPr>
+            <p:ph type="sldNum" sz="quarter" idx="5"/>
+          </p:nvPr>
+        </p:nvSpPr>
+        <p:spPr/>
+        <p:txBody>
+          <a:bodyPr/>
+          <a:lstStyle/>
+          <a:p>
+            <a:fld id="{5468D072-FE6D-EE42-975B-12BD4489EE73}" type="slidenum">
+              <a:rPr lang="en-US" smtClean="0"/>
+              <a:t>19</a:t>
+            </a:fld>
+            <a:endParaRPr lang="en-US"/>
+          </a:p>
+        </p:txBody>
+      </p:sp>
+    </p:spTree>
+    <p:extLst>
+      <p:ext uri="{BB962C8B-B14F-4D97-AF65-F5344CB8AC3E}">
+        <p14:creationId xmlns:p14="http://schemas.microsoft.com/office/powerpoint/2010/main" val="3377721140"/>
+      </p:ext>
+    </p:extLst>
+  </p:cSld>
+  <p:clrMapOvr>
+    <a:masterClrMapping/>
+  </p:clrMapOvr>
+</p:notes>
+</file>
+
+<file path=ppt/notesSlides/notesSlide18.xml><?xml version="1.0" encoding="utf-8"?>
+<p:notes xmlns:a="http://schemas.openxmlformats.org/drawingml/2006/main" xmlns:r="http://schemas.openxmlformats.org/officeDocument/2006/relationships" xmlns:p="http://schemas.openxmlformats.org/presentationml/2006/main">
+  <p:cSld>
+    <p:spTree>
+      <p:nvGrpSpPr>
+        <p:cNvPr id="1" name=""/>
+        <p:cNvGrpSpPr/>
+        <p:nvPr/>
+      </p:nvGrpSpPr>
+      <p:grpSpPr>
+        <a:xfrm>
+          <a:off x="0" y="0"/>
+          <a:ext cx="0" cy="0"/>
+          <a:chOff x="0" y="0"/>
+          <a:chExt cx="0" cy="0"/>
+        </a:xfrm>
+      </p:grpSpPr>
+      <p:sp>
+        <p:nvSpPr>
+          <p:cNvPr id="2" name="Slide Image Placeholder 1"/>
+          <p:cNvSpPr>
+            <a:spLocks noGrp="1" noRot="1" noChangeAspect="1"/>
+          </p:cNvSpPr>
+          <p:nvPr>
+            <p:ph type="sldImg"/>
+          </p:nvPr>
+        </p:nvSpPr>
+        <p:spPr/>
+      </p:sp>
+      <p:sp>
+        <p:nvSpPr>
+          <p:cNvPr id="3" name="Notes Placeholder 2"/>
+          <p:cNvSpPr>
+            <a:spLocks noGrp="1"/>
+          </p:cNvSpPr>
+          <p:nvPr>
+            <p:ph type="body" idx="1"/>
+          </p:nvPr>
+        </p:nvSpPr>
+        <p:spPr/>
+        <p:txBody>
+          <a:bodyPr/>
+          <a:lstStyle/>
+          <a:p>
+            <a:endParaRPr lang="en-US"/>
+          </a:p>
+        </p:txBody>
+      </p:sp>
+      <p:sp>
+        <p:nvSpPr>
+          <p:cNvPr id="4" name="Slide Number Placeholder 3"/>
+          <p:cNvSpPr>
+            <a:spLocks noGrp="1"/>
+          </p:cNvSpPr>
+          <p:nvPr>
+            <p:ph type="sldNum" sz="quarter" idx="5"/>
+          </p:nvPr>
+        </p:nvSpPr>
+        <p:spPr/>
+        <p:txBody>
+          <a:bodyPr/>
+          <a:lstStyle/>
+          <a:p>
+            <a:fld id="{5468D072-FE6D-EE42-975B-12BD4489EE73}" type="slidenum">
+              <a:rPr lang="en-US" smtClean="0"/>
+              <a:t>20</a:t>
+            </a:fld>
+            <a:endParaRPr lang="en-US"/>
+          </a:p>
+        </p:txBody>
+      </p:sp>
+    </p:spTree>
+    <p:extLst>
+      <p:ext uri="{BB962C8B-B14F-4D97-AF65-F5344CB8AC3E}">
+        <p14:creationId xmlns:p14="http://schemas.microsoft.com/office/powerpoint/2010/main" val="2295630609"/>
+      </p:ext>
+    </p:extLst>
+  </p:cSld>
+  <p:clrMapOvr>
+    <a:masterClrMapping/>
+  </p:clrMapOvr>
+</p:notes>
+</file>
+
+<file path=ppt/notesSlides/notesSlide19.xml><?xml version="1.0" encoding="utf-8"?>
+<p:notes xmlns:a="http://schemas.openxmlformats.org/drawingml/2006/main" xmlns:r="http://schemas.openxmlformats.org/officeDocument/2006/relationships" xmlns:p="http://schemas.openxmlformats.org/presentationml/2006/main">
+  <p:cSld>
+    <p:spTree>
+      <p:nvGrpSpPr>
+        <p:cNvPr id="1" name=""/>
+        <p:cNvGrpSpPr/>
+        <p:nvPr/>
+      </p:nvGrpSpPr>
+      <p:grpSpPr>
+        <a:xfrm>
+          <a:off x="0" y="0"/>
+          <a:ext cx="0" cy="0"/>
+          <a:chOff x="0" y="0"/>
+          <a:chExt cx="0" cy="0"/>
+        </a:xfrm>
+      </p:grpSpPr>
+      <p:sp>
+        <p:nvSpPr>
+          <p:cNvPr id="2" name="Slide Image Placeholder 1"/>
+          <p:cNvSpPr>
+            <a:spLocks noGrp="1" noRot="1" noChangeAspect="1"/>
+          </p:cNvSpPr>
+          <p:nvPr>
+            <p:ph type="sldImg"/>
+          </p:nvPr>
+        </p:nvSpPr>
+        <p:spPr/>
+      </p:sp>
+      <p:sp>
+        <p:nvSpPr>
+          <p:cNvPr id="3" name="Notes Placeholder 2"/>
+          <p:cNvSpPr>
+            <a:spLocks noGrp="1"/>
+          </p:cNvSpPr>
+          <p:nvPr>
+            <p:ph type="body" idx="1"/>
+          </p:nvPr>
+        </p:nvSpPr>
+        <p:spPr/>
+        <p:txBody>
+          <a:bodyPr/>
+          <a:lstStyle/>
+          <a:p>
+            <a:endParaRPr lang="en-US"/>
+          </a:p>
+        </p:txBody>
+      </p:sp>
+      <p:sp>
+        <p:nvSpPr>
+          <p:cNvPr id="4" name="Slide Number Placeholder 3"/>
+          <p:cNvSpPr>
+            <a:spLocks noGrp="1"/>
+          </p:cNvSpPr>
+          <p:nvPr>
+            <p:ph type="sldNum" sz="quarter" idx="5"/>
+          </p:nvPr>
+        </p:nvSpPr>
+        <p:spPr/>
+        <p:txBody>
+          <a:bodyPr/>
+          <a:lstStyle/>
+          <a:p>
+            <a:fld id="{5468D072-FE6D-EE42-975B-12BD4489EE73}" type="slidenum">
+              <a:rPr lang="en-US" smtClean="0"/>
+              <a:t>21</a:t>
+            </a:fld>
+            <a:endParaRPr lang="en-US"/>
+          </a:p>
+        </p:txBody>
+      </p:sp>
+    </p:spTree>
+    <p:extLst>
+      <p:ext uri="{BB962C8B-B14F-4D97-AF65-F5344CB8AC3E}">
+        <p14:creationId xmlns:p14="http://schemas.microsoft.com/office/powerpoint/2010/main" val="3960102282"/>
+      </p:ext>
+    </p:extLst>
+  </p:cSld>
+  <p:clrMapOvr>
+    <a:masterClrMapping/>
+  </p:clrMapOvr>
+</p:notes>
+</file>
+
+<file path=ppt/notesSlides/notesSlide2.xml><?xml version="1.0" encoding="utf-8"?>
+<p:notes xmlns:a="http://schemas.openxmlformats.org/drawingml/2006/main" xmlns:r="http://schemas.openxmlformats.org/officeDocument/2006/relationships" xmlns:p="http://schemas.openxmlformats.org/presentationml/2006/main">
+  <p:cSld>
+    <p:spTree>
+      <p:nvGrpSpPr>
+        <p:cNvPr id="1" name=""/>
+        <p:cNvGrpSpPr/>
+        <p:nvPr/>
+      </p:nvGrpSpPr>
+      <p:grpSpPr>
+        <a:xfrm>
+          <a:off x="0" y="0"/>
+          <a:ext cx="0" cy="0"/>
+          <a:chOff x="0" y="0"/>
+          <a:chExt cx="0" cy="0"/>
+        </a:xfrm>
+      </p:grpSpPr>
+      <p:sp>
+        <p:nvSpPr>
+          <p:cNvPr id="2" name="Slide Image Placeholder 1"/>
+          <p:cNvSpPr>
+            <a:spLocks noGrp="1" noRot="1" noChangeAspect="1"/>
+          </p:cNvSpPr>
+          <p:nvPr>
+            <p:ph type="sldImg"/>
+          </p:nvPr>
+        </p:nvSpPr>
+        <p:spPr/>
+      </p:sp>
+      <p:sp>
+        <p:nvSpPr>
+          <p:cNvPr id="3" name="Notes Placeholder 2"/>
+          <p:cNvSpPr>
+            <a:spLocks noGrp="1"/>
+          </p:cNvSpPr>
+          <p:nvPr>
+            <p:ph type="body" idx="1"/>
+          </p:nvPr>
+        </p:nvSpPr>
+        <p:spPr/>
+        <p:txBody>
+          <a:bodyPr/>
+          <a:lstStyle/>
+          <a:p>
+            <a:endParaRPr lang="en-US"/>
+          </a:p>
+        </p:txBody>
+      </p:sp>
+      <p:sp>
+        <p:nvSpPr>
+          <p:cNvPr id="4" name="Slide Number Placeholder 3"/>
+          <p:cNvSpPr>
+            <a:spLocks noGrp="1"/>
+          </p:cNvSpPr>
+          <p:nvPr>
+            <p:ph type="sldNum" sz="quarter" idx="5"/>
+          </p:nvPr>
+        </p:nvSpPr>
+        <p:spPr/>
+        <p:txBody>
+          <a:bodyPr/>
+          <a:lstStyle/>
+          <a:p>
+            <a:fld id="{5468D072-FE6D-EE42-975B-12BD4489EE73}" type="slidenum">
+              <a:rPr lang="en-US" smtClean="0"/>
+              <a:t>3</a:t>
+            </a:fld>
+            <a:endParaRPr lang="en-US"/>
+          </a:p>
+        </p:txBody>
+      </p:sp>
+    </p:spTree>
+    <p:extLst>
+      <p:ext uri="{BB962C8B-B14F-4D97-AF65-F5344CB8AC3E}">
+        <p14:creationId xmlns:p14="http://schemas.microsoft.com/office/powerpoint/2010/main" val="1316193777"/>
+      </p:ext>
+    </p:extLst>
+  </p:cSld>
+  <p:clrMapOvr>
+    <a:masterClrMapping/>
+  </p:clrMapOvr>
+</p:notes>
+</file>
+
+<file path=ppt/notesSlides/notesSlide20.xml><?xml version="1.0" encoding="utf-8"?>
+<p:notes xmlns:a="http://schemas.openxmlformats.org/drawingml/2006/main" xmlns:r="http://schemas.openxmlformats.org/officeDocument/2006/relationships" xmlns:p="http://schemas.openxmlformats.org/presentationml/2006/main">
+  <p:cSld>
+    <p:spTree>
+      <p:nvGrpSpPr>
+        <p:cNvPr id="1" name=""/>
+        <p:cNvGrpSpPr/>
+        <p:nvPr/>
+      </p:nvGrpSpPr>
+      <p:grpSpPr>
+        <a:xfrm>
+          <a:off x="0" y="0"/>
+          <a:ext cx="0" cy="0"/>
+          <a:chOff x="0" y="0"/>
+          <a:chExt cx="0" cy="0"/>
+        </a:xfrm>
+      </p:grpSpPr>
+      <p:sp>
+        <p:nvSpPr>
+          <p:cNvPr id="2" name="Slide Image Placeholder 1"/>
+          <p:cNvSpPr>
+            <a:spLocks noGrp="1" noRot="1" noChangeAspect="1"/>
+          </p:cNvSpPr>
+          <p:nvPr>
+            <p:ph type="sldImg"/>
+          </p:nvPr>
+        </p:nvSpPr>
+        <p:spPr/>
+      </p:sp>
+      <p:sp>
+        <p:nvSpPr>
+          <p:cNvPr id="3" name="Notes Placeholder 2"/>
+          <p:cNvSpPr>
+            <a:spLocks noGrp="1"/>
+          </p:cNvSpPr>
+          <p:nvPr>
+            <p:ph type="body" idx="1"/>
+          </p:nvPr>
+        </p:nvSpPr>
+        <p:spPr/>
+        <p:txBody>
+          <a:bodyPr/>
+          <a:lstStyle/>
+          <a:p>
+            <a:endParaRPr lang="en-US"/>
+          </a:p>
+        </p:txBody>
+      </p:sp>
+      <p:sp>
+        <p:nvSpPr>
+          <p:cNvPr id="4" name="Slide Number Placeholder 3"/>
+          <p:cNvSpPr>
+            <a:spLocks noGrp="1"/>
+          </p:cNvSpPr>
+          <p:nvPr>
+            <p:ph type="sldNum" sz="quarter" idx="5"/>
+          </p:nvPr>
+        </p:nvSpPr>
+        <p:spPr/>
+        <p:txBody>
+          <a:bodyPr/>
+          <a:lstStyle/>
+          <a:p>
+            <a:fld id="{5468D072-FE6D-EE42-975B-12BD4489EE73}" type="slidenum">
+              <a:rPr lang="en-US" smtClean="0"/>
+              <a:t>22</a:t>
+            </a:fld>
+            <a:endParaRPr lang="en-US"/>
+          </a:p>
+        </p:txBody>
+      </p:sp>
+    </p:spTree>
+    <p:extLst>
+      <p:ext uri="{BB962C8B-B14F-4D97-AF65-F5344CB8AC3E}">
+        <p14:creationId xmlns:p14="http://schemas.microsoft.com/office/powerpoint/2010/main" val="3435444917"/>
+      </p:ext>
+    </p:extLst>
+  </p:cSld>
+  <p:clrMapOvr>
+    <a:masterClrMapping/>
+  </p:clrMapOvr>
+</p:notes>
+</file>
+
+<file path=ppt/notesSlides/notesSlide3.xml><?xml version="1.0" encoding="utf-8"?>
+<p:notes xmlns:a="http://schemas.openxmlformats.org/drawingml/2006/main" xmlns:r="http://schemas.openxmlformats.org/officeDocument/2006/relationships" xmlns:p="http://schemas.openxmlformats.org/presentationml/2006/main">
+  <p:cSld>
+    <p:spTree>
+      <p:nvGrpSpPr>
+        <p:cNvPr id="1" name=""/>
+        <p:cNvGrpSpPr/>
+        <p:nvPr/>
+      </p:nvGrpSpPr>
+      <p:grpSpPr>
+        <a:xfrm>
+          <a:off x="0" y="0"/>
+          <a:ext cx="0" cy="0"/>
+          <a:chOff x="0" y="0"/>
+          <a:chExt cx="0" cy="0"/>
+        </a:xfrm>
+      </p:grpSpPr>
+      <p:sp>
+        <p:nvSpPr>
+          <p:cNvPr id="2" name="Slide Image Placeholder 1"/>
+          <p:cNvSpPr>
+            <a:spLocks noGrp="1" noRot="1" noChangeAspect="1"/>
+          </p:cNvSpPr>
+          <p:nvPr>
+            <p:ph type="sldImg"/>
+          </p:nvPr>
+        </p:nvSpPr>
+        <p:spPr/>
+      </p:sp>
+      <p:sp>
+        <p:nvSpPr>
+          <p:cNvPr id="3" name="Notes Placeholder 2"/>
+          <p:cNvSpPr>
+            <a:spLocks noGrp="1"/>
+          </p:cNvSpPr>
+          <p:nvPr>
+            <p:ph type="body" idx="1"/>
+          </p:nvPr>
+        </p:nvSpPr>
+        <p:spPr/>
+        <p:txBody>
+          <a:bodyPr/>
+          <a:lstStyle/>
+          <a:p>
+            <a:endParaRPr lang="en-US"/>
+          </a:p>
+        </p:txBody>
+      </p:sp>
+      <p:sp>
+        <p:nvSpPr>
+          <p:cNvPr id="4" name="Slide Number Placeholder 3"/>
+          <p:cNvSpPr>
+            <a:spLocks noGrp="1"/>
+          </p:cNvSpPr>
+          <p:nvPr>
+            <p:ph type="sldNum" sz="quarter" idx="5"/>
+          </p:nvPr>
+        </p:nvSpPr>
+        <p:spPr/>
+        <p:txBody>
+          <a:bodyPr/>
+          <a:lstStyle/>
+          <a:p>
+            <a:fld id="{5468D072-FE6D-EE42-975B-12BD4489EE73}" type="slidenum">
+              <a:rPr lang="en-US" smtClean="0"/>
+              <a:t>5</a:t>
+            </a:fld>
+            <a:endParaRPr lang="en-US"/>
+          </a:p>
+        </p:txBody>
+      </p:sp>
+    </p:spTree>
+    <p:extLst>
+      <p:ext uri="{BB962C8B-B14F-4D97-AF65-F5344CB8AC3E}">
+        <p14:creationId xmlns:p14="http://schemas.microsoft.com/office/powerpoint/2010/main" val="3430968122"/>
+      </p:ext>
+    </p:extLst>
+  </p:cSld>
+  <p:clrMapOvr>
+    <a:masterClrMapping/>
+  </p:clrMapOvr>
+</p:notes>
+</file>
+
+<file path=ppt/notesSlides/notesSlide4.xml><?xml version="1.0" encoding="utf-8"?>
+<p:notes xmlns:a="http://schemas.openxmlformats.org/drawingml/2006/main" xmlns:r="http://schemas.openxmlformats.org/officeDocument/2006/relationships" xmlns:p="http://schemas.openxmlformats.org/presentationml/2006/main">
+  <p:cSld>
+    <p:spTree>
+      <p:nvGrpSpPr>
+        <p:cNvPr id="1" name=""/>
+        <p:cNvGrpSpPr/>
+        <p:nvPr/>
+      </p:nvGrpSpPr>
+      <p:grpSpPr>
+        <a:xfrm>
+          <a:off x="0" y="0"/>
+          <a:ext cx="0" cy="0"/>
+          <a:chOff x="0" y="0"/>
+          <a:chExt cx="0" cy="0"/>
+        </a:xfrm>
+      </p:grpSpPr>
+      <p:sp>
+        <p:nvSpPr>
+          <p:cNvPr id="2" name="Slide Image Placeholder 1"/>
+          <p:cNvSpPr>
+            <a:spLocks noGrp="1" noRot="1" noChangeAspect="1"/>
+          </p:cNvSpPr>
+          <p:nvPr>
+            <p:ph type="sldImg"/>
+          </p:nvPr>
+        </p:nvSpPr>
+        <p:spPr/>
+      </p:sp>
+      <p:sp>
+        <p:nvSpPr>
+          <p:cNvPr id="3" name="Notes Placeholder 2"/>
+          <p:cNvSpPr>
+            <a:spLocks noGrp="1"/>
+          </p:cNvSpPr>
+          <p:nvPr>
+            <p:ph type="body" idx="1"/>
+          </p:nvPr>
+        </p:nvSpPr>
+        <p:spPr/>
+        <p:txBody>
+          <a:bodyPr/>
+          <a:lstStyle/>
+          <a:p>
+            <a:endParaRPr lang="en-US"/>
+          </a:p>
+        </p:txBody>
+      </p:sp>
+      <p:sp>
+        <p:nvSpPr>
+          <p:cNvPr id="4" name="Slide Number Placeholder 3"/>
+          <p:cNvSpPr>
+            <a:spLocks noGrp="1"/>
+          </p:cNvSpPr>
+          <p:nvPr>
+            <p:ph type="sldNum" sz="quarter" idx="5"/>
+          </p:nvPr>
+        </p:nvSpPr>
+        <p:spPr/>
+        <p:txBody>
+          <a:bodyPr/>
+          <a:lstStyle/>
+          <a:p>
+            <a:fld id="{5468D072-FE6D-EE42-975B-12BD4489EE73}" type="slidenum">
+              <a:rPr lang="en-US" smtClean="0"/>
+              <a:t>6</a:t>
+            </a:fld>
+            <a:endParaRPr lang="en-US"/>
+          </a:p>
+        </p:txBody>
+      </p:sp>
+    </p:spTree>
+    <p:extLst>
+      <p:ext uri="{BB962C8B-B14F-4D97-AF65-F5344CB8AC3E}">
+        <p14:creationId xmlns:p14="http://schemas.microsoft.com/office/powerpoint/2010/main" val="2425738451"/>
+      </p:ext>
+    </p:extLst>
+  </p:cSld>
+  <p:clrMapOvr>
+    <a:masterClrMapping/>
+  </p:clrMapOvr>
+</p:notes>
+</file>
+
+<file path=ppt/notesSlides/notesSlide5.xml><?xml version="1.0" encoding="utf-8"?>
+<p:notes xmlns:a="http://schemas.openxmlformats.org/drawingml/2006/main" xmlns:r="http://schemas.openxmlformats.org/officeDocument/2006/relationships" xmlns:p="http://schemas.openxmlformats.org/presentationml/2006/main">
+  <p:cSld>
+    <p:spTree>
+      <p:nvGrpSpPr>
+        <p:cNvPr id="1" name=""/>
+        <p:cNvGrpSpPr/>
+        <p:nvPr/>
+      </p:nvGrpSpPr>
+      <p:grpSpPr>
+        <a:xfrm>
+          <a:off x="0" y="0"/>
+          <a:ext cx="0" cy="0"/>
+          <a:chOff x="0" y="0"/>
+          <a:chExt cx="0" cy="0"/>
+        </a:xfrm>
+      </p:grpSpPr>
+      <p:sp>
+        <p:nvSpPr>
+          <p:cNvPr id="2" name="Slide Image Placeholder 1"/>
+          <p:cNvSpPr>
+            <a:spLocks noGrp="1" noRot="1" noChangeAspect="1"/>
+          </p:cNvSpPr>
+          <p:nvPr>
+            <p:ph type="sldImg"/>
+          </p:nvPr>
+        </p:nvSpPr>
+        <p:spPr/>
+      </p:sp>
+      <p:sp>
+        <p:nvSpPr>
+          <p:cNvPr id="3" name="Notes Placeholder 2"/>
+          <p:cNvSpPr>
+            <a:spLocks noGrp="1"/>
+          </p:cNvSpPr>
+          <p:nvPr>
+            <p:ph type="body" idx="1"/>
+          </p:nvPr>
+        </p:nvSpPr>
+        <p:spPr/>
+        <p:txBody>
+          <a:bodyPr/>
+          <a:lstStyle/>
+          <a:p>
+            <a:endParaRPr lang="en-US"/>
+          </a:p>
+        </p:txBody>
+      </p:sp>
+      <p:sp>
+        <p:nvSpPr>
+          <p:cNvPr id="4" name="Slide Number Placeholder 3"/>
+          <p:cNvSpPr>
+            <a:spLocks noGrp="1"/>
+          </p:cNvSpPr>
+          <p:nvPr>
+            <p:ph type="sldNum" sz="quarter" idx="5"/>
+          </p:nvPr>
+        </p:nvSpPr>
+        <p:spPr/>
+        <p:txBody>
+          <a:bodyPr/>
+          <a:lstStyle/>
+          <a:p>
+            <a:fld id="{5468D072-FE6D-EE42-975B-12BD4489EE73}" type="slidenum">
+              <a:rPr lang="en-US" smtClean="0"/>
+              <a:t>7</a:t>
+            </a:fld>
+            <a:endParaRPr lang="en-US"/>
+          </a:p>
+        </p:txBody>
+      </p:sp>
+    </p:spTree>
+    <p:extLst>
+      <p:ext uri="{BB962C8B-B14F-4D97-AF65-F5344CB8AC3E}">
+        <p14:creationId xmlns:p14="http://schemas.microsoft.com/office/powerpoint/2010/main" val="704400750"/>
+      </p:ext>
+    </p:extLst>
+  </p:cSld>
+  <p:clrMapOvr>
+    <a:masterClrMapping/>
+  </p:clrMapOvr>
+</p:notes>
+</file>
+
+<file path=ppt/notesSlides/notesSlide6.xml><?xml version="1.0" encoding="utf-8"?>
+<p:notes xmlns:a="http://schemas.openxmlformats.org/drawingml/2006/main" xmlns:r="http://schemas.openxmlformats.org/officeDocument/2006/relationships" xmlns:p="http://schemas.openxmlformats.org/presentationml/2006/main">
+  <p:cSld>
+    <p:spTree>
+      <p:nvGrpSpPr>
+        <p:cNvPr id="1" name=""/>
+        <p:cNvGrpSpPr/>
+        <p:nvPr/>
+      </p:nvGrpSpPr>
+      <p:grpSpPr>
+        <a:xfrm>
+          <a:off x="0" y="0"/>
+          <a:ext cx="0" cy="0"/>
+          <a:chOff x="0" y="0"/>
+          <a:chExt cx="0" cy="0"/>
+        </a:xfrm>
+      </p:grpSpPr>
+      <p:sp>
+        <p:nvSpPr>
+          <p:cNvPr id="2" name="Slide Image Placeholder 1"/>
+          <p:cNvSpPr>
+            <a:spLocks noGrp="1" noRot="1" noChangeAspect="1"/>
+          </p:cNvSpPr>
+          <p:nvPr>
+            <p:ph type="sldImg"/>
+          </p:nvPr>
+        </p:nvSpPr>
+        <p:spPr/>
+      </p:sp>
+      <p:sp>
+        <p:nvSpPr>
+          <p:cNvPr id="3" name="Notes Placeholder 2"/>
+          <p:cNvSpPr>
+            <a:spLocks noGrp="1"/>
+          </p:cNvSpPr>
+          <p:nvPr>
+            <p:ph type="body" idx="1"/>
+          </p:nvPr>
+        </p:nvSpPr>
+        <p:spPr/>
+        <p:txBody>
+          <a:bodyPr/>
+          <a:lstStyle/>
+          <a:p>
+            <a:endParaRPr lang="en-US"/>
+          </a:p>
+        </p:txBody>
+      </p:sp>
+      <p:sp>
+        <p:nvSpPr>
+          <p:cNvPr id="4" name="Slide Number Placeholder 3"/>
+          <p:cNvSpPr>
+            <a:spLocks noGrp="1"/>
+          </p:cNvSpPr>
+          <p:nvPr>
+            <p:ph type="sldNum" sz="quarter" idx="5"/>
+          </p:nvPr>
+        </p:nvSpPr>
+        <p:spPr/>
+        <p:txBody>
+          <a:bodyPr/>
+          <a:lstStyle/>
+          <a:p>
+            <a:fld id="{5468D072-FE6D-EE42-975B-12BD4489EE73}" type="slidenum">
+              <a:rPr lang="en-US" smtClean="0"/>
+              <a:t>8</a:t>
+            </a:fld>
+            <a:endParaRPr lang="en-US"/>
+          </a:p>
+        </p:txBody>
+      </p:sp>
+    </p:spTree>
+    <p:extLst>
+      <p:ext uri="{BB962C8B-B14F-4D97-AF65-F5344CB8AC3E}">
+        <p14:creationId xmlns:p14="http://schemas.microsoft.com/office/powerpoint/2010/main" val="3070042512"/>
+      </p:ext>
+    </p:extLst>
+  </p:cSld>
+  <p:clrMapOvr>
+    <a:masterClrMapping/>
+  </p:clrMapOvr>
+</p:notes>
+</file>
+
+<file path=ppt/notesSlides/notesSlide7.xml><?xml version="1.0" encoding="utf-8"?>
+<p:notes xmlns:a="http://schemas.openxmlformats.org/drawingml/2006/main" xmlns:r="http://schemas.openxmlformats.org/officeDocument/2006/relationships" xmlns:p="http://schemas.openxmlformats.org/presentationml/2006/main">
+  <p:cSld>
+    <p:spTree>
+      <p:nvGrpSpPr>
+        <p:cNvPr id="1" name=""/>
+        <p:cNvGrpSpPr/>
+        <p:nvPr/>
+      </p:nvGrpSpPr>
+      <p:grpSpPr>
+        <a:xfrm>
+          <a:off x="0" y="0"/>
+          <a:ext cx="0" cy="0"/>
+          <a:chOff x="0" y="0"/>
+          <a:chExt cx="0" cy="0"/>
+        </a:xfrm>
+      </p:grpSpPr>
+      <p:sp>
+        <p:nvSpPr>
+          <p:cNvPr id="2" name="Slide Image Placeholder 1"/>
+          <p:cNvSpPr>
+            <a:spLocks noGrp="1" noRot="1" noChangeAspect="1"/>
+          </p:cNvSpPr>
+          <p:nvPr>
+            <p:ph type="sldImg"/>
+          </p:nvPr>
+        </p:nvSpPr>
+        <p:spPr/>
+      </p:sp>
+      <p:sp>
+        <p:nvSpPr>
+          <p:cNvPr id="3" name="Notes Placeholder 2"/>
+          <p:cNvSpPr>
+            <a:spLocks noGrp="1"/>
+          </p:cNvSpPr>
+          <p:nvPr>
+            <p:ph type="body" idx="1"/>
+          </p:nvPr>
+        </p:nvSpPr>
+        <p:spPr/>
+        <p:txBody>
+          <a:bodyPr/>
+          <a:lstStyle/>
+          <a:p>
+            <a:endParaRPr lang="en-US"/>
+          </a:p>
+        </p:txBody>
+      </p:sp>
+      <p:sp>
+        <p:nvSpPr>
+          <p:cNvPr id="4" name="Slide Number Placeholder 3"/>
+          <p:cNvSpPr>
+            <a:spLocks noGrp="1"/>
+          </p:cNvSpPr>
+          <p:nvPr>
+            <p:ph type="sldNum" sz="quarter" idx="5"/>
+          </p:nvPr>
+        </p:nvSpPr>
+        <p:spPr/>
+        <p:txBody>
+          <a:bodyPr/>
+          <a:lstStyle/>
+          <a:p>
+            <a:fld id="{5468D072-FE6D-EE42-975B-12BD4489EE73}" type="slidenum">
+              <a:rPr lang="en-US" smtClean="0"/>
+              <a:t>9</a:t>
+            </a:fld>
+            <a:endParaRPr lang="en-US"/>
+          </a:p>
+        </p:txBody>
+      </p:sp>
+    </p:spTree>
+    <p:extLst>
+      <p:ext uri="{BB962C8B-B14F-4D97-AF65-F5344CB8AC3E}">
+        <p14:creationId xmlns:p14="http://schemas.microsoft.com/office/powerpoint/2010/main" val="1793626167"/>
+      </p:ext>
+    </p:extLst>
+  </p:cSld>
+  <p:clrMapOvr>
+    <a:masterClrMapping/>
+  </p:clrMapOvr>
+</p:notes>
+</file>
+
+<file path=ppt/notesSlides/notesSlide8.xml><?xml version="1.0" encoding="utf-8"?>
+<p:notes xmlns:a="http://schemas.openxmlformats.org/drawingml/2006/main" xmlns:r="http://schemas.openxmlformats.org/officeDocument/2006/relationships" xmlns:p="http://schemas.openxmlformats.org/presentationml/2006/main">
+  <p:cSld>
+    <p:spTree>
+      <p:nvGrpSpPr>
+        <p:cNvPr id="1" name=""/>
+        <p:cNvGrpSpPr/>
+        <p:nvPr/>
+      </p:nvGrpSpPr>
+      <p:grpSpPr>
+        <a:xfrm>
+          <a:off x="0" y="0"/>
+          <a:ext cx="0" cy="0"/>
+          <a:chOff x="0" y="0"/>
+          <a:chExt cx="0" cy="0"/>
+        </a:xfrm>
+      </p:grpSpPr>
+      <p:sp>
+        <p:nvSpPr>
+          <p:cNvPr id="2" name="Slide Image Placeholder 1"/>
+          <p:cNvSpPr>
+            <a:spLocks noGrp="1" noRot="1" noChangeAspect="1"/>
+          </p:cNvSpPr>
+          <p:nvPr>
+            <p:ph type="sldImg"/>
+          </p:nvPr>
+        </p:nvSpPr>
+        <p:spPr/>
+      </p:sp>
+      <p:sp>
+        <p:nvSpPr>
+          <p:cNvPr id="3" name="Notes Placeholder 2"/>
+          <p:cNvSpPr>
+            <a:spLocks noGrp="1"/>
+          </p:cNvSpPr>
+          <p:nvPr>
+            <p:ph type="body" idx="1"/>
+          </p:nvPr>
+        </p:nvSpPr>
+        <p:spPr/>
+        <p:txBody>
+          <a:bodyPr/>
+          <a:lstStyle/>
+          <a:p>
+            <a:endParaRPr lang="en-US"/>
+          </a:p>
+        </p:txBody>
+      </p:sp>
+      <p:sp>
+        <p:nvSpPr>
+          <p:cNvPr id="4" name="Slide Number Placeholder 3"/>
+          <p:cNvSpPr>
+            <a:spLocks noGrp="1"/>
+          </p:cNvSpPr>
+          <p:nvPr>
+            <p:ph type="sldNum" sz="quarter" idx="5"/>
+          </p:nvPr>
+        </p:nvSpPr>
+        <p:spPr/>
+        <p:txBody>
+          <a:bodyPr/>
+          <a:lstStyle/>
+          <a:p>
+            <a:fld id="{5468D072-FE6D-EE42-975B-12BD4489EE73}" type="slidenum">
+              <a:rPr lang="en-US" smtClean="0"/>
+              <a:t>10</a:t>
+            </a:fld>
+            <a:endParaRPr lang="en-US"/>
+          </a:p>
+        </p:txBody>
+      </p:sp>
+    </p:spTree>
+    <p:extLst>
+      <p:ext uri="{BB962C8B-B14F-4D97-AF65-F5344CB8AC3E}">
+        <p14:creationId xmlns:p14="http://schemas.microsoft.com/office/powerpoint/2010/main" val="1518644934"/>
+      </p:ext>
+    </p:extLst>
+  </p:cSld>
+  <p:clrMapOvr>
+    <a:masterClrMapping/>
+  </p:clrMapOvr>
+</p:notes>
+</file>
+
+<file path=ppt/notesSlides/notesSlide9.xml><?xml version="1.0" encoding="utf-8"?>
+<p:notes xmlns:a="http://schemas.openxmlformats.org/drawingml/2006/main" xmlns:r="http://schemas.openxmlformats.org/officeDocument/2006/relationships" xmlns:p="http://schemas.openxmlformats.org/presentationml/2006/main">
+  <p:cSld>
+    <p:spTree>
+      <p:nvGrpSpPr>
+        <p:cNvPr id="1" name=""/>
+        <p:cNvGrpSpPr/>
+        <p:nvPr/>
+      </p:nvGrpSpPr>
+      <p:grpSpPr>
+        <a:xfrm>
+          <a:off x="0" y="0"/>
+          <a:ext cx="0" cy="0"/>
+          <a:chOff x="0" y="0"/>
+          <a:chExt cx="0" cy="0"/>
+        </a:xfrm>
+      </p:grpSpPr>
+      <p:sp>
+        <p:nvSpPr>
+          <p:cNvPr id="2" name="Slide Image Placeholder 1"/>
+          <p:cNvSpPr>
+            <a:spLocks noGrp="1" noRot="1" noChangeAspect="1"/>
+          </p:cNvSpPr>
+          <p:nvPr>
+            <p:ph type="sldImg"/>
+          </p:nvPr>
+        </p:nvSpPr>
+        <p:spPr/>
+      </p:sp>
+      <p:sp>
+        <p:nvSpPr>
+          <p:cNvPr id="3" name="Notes Placeholder 2"/>
+          <p:cNvSpPr>
+            <a:spLocks noGrp="1"/>
+          </p:cNvSpPr>
+          <p:nvPr>
+            <p:ph type="body" idx="1"/>
+          </p:nvPr>
+        </p:nvSpPr>
+        <p:spPr/>
+        <p:txBody>
+          <a:bodyPr/>
+          <a:lstStyle/>
+          <a:p>
+            <a:endParaRPr lang="en-US"/>
+          </a:p>
+        </p:txBody>
+      </p:sp>
+      <p:sp>
+        <p:nvSpPr>
+          <p:cNvPr id="4" name="Slide Number Placeholder 3"/>
+          <p:cNvSpPr>
+            <a:spLocks noGrp="1"/>
+          </p:cNvSpPr>
+          <p:nvPr>
+            <p:ph type="sldNum" sz="quarter" idx="5"/>
+          </p:nvPr>
+        </p:nvSpPr>
+        <p:spPr/>
+        <p:txBody>
+          <a:bodyPr/>
+          <a:lstStyle/>
+          <a:p>
+            <a:fld id="{5468D072-FE6D-EE42-975B-12BD4489EE73}" type="slidenum">
+              <a:rPr lang="en-US" smtClean="0"/>
+              <a:t>11</a:t>
+            </a:fld>
+            <a:endParaRPr lang="en-US"/>
+          </a:p>
+        </p:txBody>
+      </p:sp>
+    </p:spTree>
+    <p:extLst>
+      <p:ext uri="{BB962C8B-B14F-4D97-AF65-F5344CB8AC3E}">
+        <p14:creationId xmlns:p14="http://schemas.microsoft.com/office/powerpoint/2010/main" val="1140949462"/>
+      </p:ext>
+    </p:extLst>
+  </p:cSld>
+  <p:clrMapOvr>
+    <a:masterClrMapping/>
+  </p:clrMapOvr>
+</p:notes>
+</file>
+
 <file path=ppt/slideLayouts/slideLayout1.xml><?xml version="1.0" encoding="utf-8"?>
 <p:sldLayout xmlns:a="http://schemas.openxmlformats.org/drawingml/2006/main" xmlns:r="http://schemas.openxmlformats.org/officeDocument/2006/relationships" xmlns:p="http://schemas.openxmlformats.org/presentationml/2006/main" type="title" preserve="1">
   <p:cSld name="Title Slide">
@@ -281,7 +2313,7 @@
           <a:p>
             <a:fld id="{32EB3049-8953-754B-8147-D8DE64575211}" type="datetimeFigureOut">
               <a:rPr lang="en-US" smtClean="0"/>
-              <a:t>3/11/20</a:t>
+              <a:t>3/13/20</a:t>
             </a:fld>
             <a:endParaRPr lang="en-US"/>
           </a:p>
@@ -479,7 +2511,7 @@
           <a:p>
             <a:fld id="{32EB3049-8953-754B-8147-D8DE64575211}" type="datetimeFigureOut">
               <a:rPr lang="en-US" smtClean="0"/>
-              <a:t>3/11/20</a:t>
+              <a:t>3/13/20</a:t>
             </a:fld>
             <a:endParaRPr lang="en-US"/>
           </a:p>
@@ -687,7 +2719,7 @@
           <a:p>
             <a:fld id="{32EB3049-8953-754B-8147-D8DE64575211}" type="datetimeFigureOut">
               <a:rPr lang="en-US" smtClean="0"/>
-              <a:t>3/11/20</a:t>
+              <a:t>3/13/20</a:t>
             </a:fld>
             <a:endParaRPr lang="en-US"/>
           </a:p>
@@ -885,7 +2917,7 @@
           <a:p>
             <a:fld id="{32EB3049-8953-754B-8147-D8DE64575211}" type="datetimeFigureOut">
               <a:rPr lang="en-US" smtClean="0"/>
-              <a:t>3/11/20</a:t>
+              <a:t>3/13/20</a:t>
             </a:fld>
             <a:endParaRPr lang="en-US"/>
           </a:p>
@@ -1160,7 +3192,7 @@
           <a:p>
             <a:fld id="{32EB3049-8953-754B-8147-D8DE64575211}" type="datetimeFigureOut">
               <a:rPr lang="en-US" smtClean="0"/>
-              <a:t>3/11/20</a:t>
+              <a:t>3/13/20</a:t>
             </a:fld>
             <a:endParaRPr lang="en-US"/>
           </a:p>
@@ -1425,7 +3457,7 @@
           <a:p>
             <a:fld id="{32EB3049-8953-754B-8147-D8DE64575211}" type="datetimeFigureOut">
               <a:rPr lang="en-US" smtClean="0"/>
-              <a:t>3/11/20</a:t>
+              <a:t>3/13/20</a:t>
             </a:fld>
             <a:endParaRPr lang="en-US"/>
           </a:p>
@@ -1837,7 +3869,7 @@
           <a:p>
             <a:fld id="{32EB3049-8953-754B-8147-D8DE64575211}" type="datetimeFigureOut">
               <a:rPr lang="en-US" smtClean="0"/>
-              <a:t>3/11/20</a:t>
+              <a:t>3/13/20</a:t>
             </a:fld>
             <a:endParaRPr lang="en-US"/>
           </a:p>
@@ -1978,7 +4010,7 @@
           <a:p>
             <a:fld id="{32EB3049-8953-754B-8147-D8DE64575211}" type="datetimeFigureOut">
               <a:rPr lang="en-US" smtClean="0"/>
-              <a:t>3/11/20</a:t>
+              <a:t>3/13/20</a:t>
             </a:fld>
             <a:endParaRPr lang="en-US"/>
           </a:p>
@@ -2091,7 +4123,7 @@
           <a:p>
             <a:fld id="{32EB3049-8953-754B-8147-D8DE64575211}" type="datetimeFigureOut">
               <a:rPr lang="en-US" smtClean="0"/>
-              <a:t>3/11/20</a:t>
+              <a:t>3/13/20</a:t>
             </a:fld>
             <a:endParaRPr lang="en-US"/>
           </a:p>
@@ -2402,7 +4434,7 @@
           <a:p>
             <a:fld id="{32EB3049-8953-754B-8147-D8DE64575211}" type="datetimeFigureOut">
               <a:rPr lang="en-US" smtClean="0"/>
-              <a:t>3/11/20</a:t>
+              <a:t>3/13/20</a:t>
             </a:fld>
             <a:endParaRPr lang="en-US"/>
           </a:p>
@@ -2690,7 +4722,7 @@
           <a:p>
             <a:fld id="{32EB3049-8953-754B-8147-D8DE64575211}" type="datetimeFigureOut">
               <a:rPr lang="en-US" smtClean="0"/>
-              <a:t>3/11/20</a:t>
+              <a:t>3/13/20</a:t>
             </a:fld>
             <a:endParaRPr lang="en-US"/>
           </a:p>
@@ -2931,7 +4963,7 @@
           <a:p>
             <a:fld id="{32EB3049-8953-754B-8147-D8DE64575211}" type="datetimeFigureOut">
               <a:rPr lang="en-US" smtClean="0"/>
-              <a:t>3/11/20</a:t>
+              <a:t>3/13/20</a:t>
             </a:fld>
             <a:endParaRPr lang="en-US"/>
           </a:p>
@@ -3456,111 +5488,6 @@
           <p:nvPr/>
         </p:nvPicPr>
         <p:blipFill>
-          <a:blip r:embed="rId2"/>
-          <a:stretch>
-            <a:fillRect/>
-          </a:stretch>
-        </p:blipFill>
-        <p:spPr>
-          <a:xfrm>
-            <a:off x="266843" y="1326544"/>
-            <a:ext cx="3740551" cy="2507180"/>
-          </a:xfrm>
-          <a:prstGeom prst="rect">
-            <a:avLst/>
-          </a:prstGeom>
-        </p:spPr>
-      </p:pic>
-      <p:sp>
-        <p:nvSpPr>
-          <p:cNvPr id="6" name="TextBox 5">
-            <a:extLst>
-              <a:ext uri="{FF2B5EF4-FFF2-40B4-BE49-F238E27FC236}">
-                <a16:creationId xmlns:a16="http://schemas.microsoft.com/office/drawing/2014/main" id="{6D5CAE88-033E-D14A-8680-5E4C4E238530}"/>
-              </a:ext>
-            </a:extLst>
-          </p:cNvPr>
-          <p:cNvSpPr txBox="1"/>
-          <p:nvPr/>
-        </p:nvSpPr>
-        <p:spPr>
-          <a:xfrm>
-            <a:off x="1755670" y="663272"/>
-            <a:ext cx="988925" cy="369332"/>
-          </a:xfrm>
-          <a:prstGeom prst="rect">
-            <a:avLst/>
-          </a:prstGeom>
-          <a:noFill/>
-        </p:spPr>
-        <p:txBody>
-          <a:bodyPr wrap="none" rtlCol="0">
-            <a:spAutoFit/>
-          </a:bodyPr>
-          <a:lstStyle/>
-          <a:p>
-            <a:r>
-              <a:rPr lang="en-US" dirty="0"/>
-              <a:t>Memory</a:t>
-            </a:r>
-          </a:p>
-        </p:txBody>
-      </p:sp>
-      <p:sp>
-        <p:nvSpPr>
-          <p:cNvPr id="3" name="TextBox 2">
-            <a:extLst>
-              <a:ext uri="{FF2B5EF4-FFF2-40B4-BE49-F238E27FC236}">
-                <a16:creationId xmlns:a16="http://schemas.microsoft.com/office/drawing/2014/main" id="{C363D9A0-9968-1B44-BDD3-6DEEABD873A0}"/>
-              </a:ext>
-            </a:extLst>
-          </p:cNvPr>
-          <p:cNvSpPr txBox="1"/>
-          <p:nvPr/>
-        </p:nvSpPr>
-        <p:spPr>
-          <a:xfrm>
-            <a:off x="5609691" y="146970"/>
-            <a:ext cx="1545936" cy="369332"/>
-          </a:xfrm>
-          <a:prstGeom prst="rect">
-            <a:avLst/>
-          </a:prstGeom>
-          <a:noFill/>
-        </p:spPr>
-        <p:txBody>
-          <a:bodyPr wrap="none" rtlCol="0">
-            <a:spAutoFit/>
-          </a:bodyPr>
-          <a:lstStyle/>
-          <a:p>
-            <a:r>
-              <a:rPr lang="en-US" dirty="0"/>
-              <a:t>Mixed </a:t>
-            </a:r>
-            <a:r>
-              <a:rPr lang="en-US" dirty="0" err="1"/>
-              <a:t>AllGlass</a:t>
-            </a:r>
-            <a:endParaRPr lang="en-US" dirty="0"/>
-          </a:p>
-        </p:txBody>
-      </p:sp>
-      <p:pic>
-        <p:nvPicPr>
-          <p:cNvPr id="7" name="Picture 6">
-            <a:extLst>
-              <a:ext uri="{FF2B5EF4-FFF2-40B4-BE49-F238E27FC236}">
-                <a16:creationId xmlns:a16="http://schemas.microsoft.com/office/drawing/2014/main" id="{1C309021-E008-EE42-A97D-9E5816CE852C}"/>
-              </a:ext>
-            </a:extLst>
-          </p:cNvPr>
-          <p:cNvPicPr>
-            <a:picLocks noChangeAspect="1"/>
-          </p:cNvPicPr>
-          <p:nvPr/>
-        </p:nvPicPr>
-        <p:blipFill>
           <a:blip r:embed="rId3"/>
           <a:stretch>
             <a:fillRect/>
@@ -3568,8 +5495,8 @@
         </p:blipFill>
         <p:spPr>
           <a:xfrm>
-            <a:off x="4494271" y="721981"/>
-            <a:ext cx="3670053" cy="2459927"/>
+            <a:off x="266843" y="1326544"/>
+            <a:ext cx="3740551" cy="2507180"/>
           </a:xfrm>
           <a:prstGeom prst="rect">
             <a:avLst/>
@@ -3578,10 +5505,10 @@
       </p:pic>
       <p:sp>
         <p:nvSpPr>
-          <p:cNvPr id="4" name="TextBox 3">
-            <a:extLst>
-              <a:ext uri="{FF2B5EF4-FFF2-40B4-BE49-F238E27FC236}">
-                <a16:creationId xmlns:a16="http://schemas.microsoft.com/office/drawing/2014/main" id="{88468357-EA44-E146-AF10-FF46D522616E}"/>
+          <p:cNvPr id="6" name="TextBox 5">
+            <a:extLst>
+              <a:ext uri="{FF2B5EF4-FFF2-40B4-BE49-F238E27FC236}">
+                <a16:creationId xmlns:a16="http://schemas.microsoft.com/office/drawing/2014/main" id="{6D5CAE88-033E-D14A-8680-5E4C4E238530}"/>
               </a:ext>
             </a:extLst>
           </p:cNvPr>
@@ -3590,8 +5517,8 @@
         </p:nvSpPr>
         <p:spPr>
           <a:xfrm>
-            <a:off x="5141893" y="3387587"/>
-            <a:ext cx="1920526" cy="369332"/>
+            <a:off x="1755670" y="663272"/>
+            <a:ext cx="988925" cy="369332"/>
           </a:xfrm>
           <a:prstGeom prst="rect">
             <a:avLst/>
@@ -3606,11 +5533,46 @@
           <a:p>
             <a:r>
               <a:rPr lang="en-US" dirty="0"/>
+              <a:t>Memory</a:t>
+            </a:r>
+          </a:p>
+        </p:txBody>
+      </p:sp>
+      <p:sp>
+        <p:nvSpPr>
+          <p:cNvPr id="3" name="TextBox 2">
+            <a:extLst>
+              <a:ext uri="{FF2B5EF4-FFF2-40B4-BE49-F238E27FC236}">
+                <a16:creationId xmlns:a16="http://schemas.microsoft.com/office/drawing/2014/main" id="{C363D9A0-9968-1B44-BDD3-6DEEABD873A0}"/>
+              </a:ext>
+            </a:extLst>
+          </p:cNvPr>
+          <p:cNvSpPr txBox="1"/>
+          <p:nvPr/>
+        </p:nvSpPr>
+        <p:spPr>
+          <a:xfrm>
+            <a:off x="5609691" y="146970"/>
+            <a:ext cx="1545936" cy="369332"/>
+          </a:xfrm>
+          <a:prstGeom prst="rect">
+            <a:avLst/>
+          </a:prstGeom>
+          <a:noFill/>
+        </p:spPr>
+        <p:txBody>
+          <a:bodyPr wrap="none" rtlCol="0">
+            <a:spAutoFit/>
+          </a:bodyPr>
+          <a:lstStyle/>
+          <a:p>
+            <a:r>
+              <a:rPr lang="en-US" dirty="0"/>
               <a:t>Mixed </a:t>
             </a:r>
             <a:r>
               <a:rPr lang="en-US" dirty="0" err="1"/>
-              <a:t>AllSemantic</a:t>
+              <a:t>AllGlass</a:t>
             </a:r>
             <a:endParaRPr lang="en-US" dirty="0"/>
           </a:p>
@@ -3618,10 +5580,10 @@
       </p:sp>
       <p:pic>
         <p:nvPicPr>
-          <p:cNvPr id="9" name="Picture 8">
-            <a:extLst>
-              <a:ext uri="{FF2B5EF4-FFF2-40B4-BE49-F238E27FC236}">
-                <a16:creationId xmlns:a16="http://schemas.microsoft.com/office/drawing/2014/main" id="{E8068D75-1277-1C4C-98F0-3557A56804A9}"/>
+          <p:cNvPr id="7" name="Picture 6">
+            <a:extLst>
+              <a:ext uri="{FF2B5EF4-FFF2-40B4-BE49-F238E27FC236}">
+                <a16:creationId xmlns:a16="http://schemas.microsoft.com/office/drawing/2014/main" id="{1C309021-E008-EE42-A97D-9E5816CE852C}"/>
               </a:ext>
             </a:extLst>
           </p:cNvPr>
@@ -3638,8 +5600,8 @@
         </p:blipFill>
         <p:spPr>
           <a:xfrm>
-            <a:off x="4025664" y="3962598"/>
-            <a:ext cx="4152984" cy="2783622"/>
+            <a:off x="4494271" y="721981"/>
+            <a:ext cx="3670053" cy="2459927"/>
           </a:xfrm>
           <a:prstGeom prst="rect">
             <a:avLst/>
@@ -3648,10 +5610,10 @@
       </p:pic>
       <p:sp>
         <p:nvSpPr>
-          <p:cNvPr id="8" name="TextBox 7">
-            <a:extLst>
-              <a:ext uri="{FF2B5EF4-FFF2-40B4-BE49-F238E27FC236}">
-                <a16:creationId xmlns:a16="http://schemas.microsoft.com/office/drawing/2014/main" id="{68535CE0-F0B0-2947-84EB-15CC8E27B9C0}"/>
+          <p:cNvPr id="4" name="TextBox 3">
+            <a:extLst>
+              <a:ext uri="{FF2B5EF4-FFF2-40B4-BE49-F238E27FC236}">
+                <a16:creationId xmlns:a16="http://schemas.microsoft.com/office/drawing/2014/main" id="{88468357-EA44-E146-AF10-FF46D522616E}"/>
               </a:ext>
             </a:extLst>
           </p:cNvPr>
@@ -3660,8 +5622,8 @@
         </p:nvSpPr>
         <p:spPr>
           <a:xfrm>
-            <a:off x="9709079" y="957212"/>
-            <a:ext cx="780342" cy="369332"/>
+            <a:off x="5141893" y="3387587"/>
+            <a:ext cx="1920526" cy="369332"/>
           </a:xfrm>
           <a:prstGeom prst="rect">
             <a:avLst/>
@@ -3676,17 +5638,22 @@
           <a:p>
             <a:r>
               <a:rPr lang="en-US" dirty="0"/>
-              <a:t>Motor</a:t>
-            </a:r>
+              <a:t>Mixed </a:t>
+            </a:r>
+            <a:r>
+              <a:rPr lang="en-US" dirty="0" err="1"/>
+              <a:t>AllSemantic</a:t>
+            </a:r>
+            <a:endParaRPr lang="en-US" dirty="0"/>
           </a:p>
         </p:txBody>
       </p:sp>
       <p:pic>
         <p:nvPicPr>
-          <p:cNvPr id="11" name="Picture 10">
-            <a:extLst>
-              <a:ext uri="{FF2B5EF4-FFF2-40B4-BE49-F238E27FC236}">
-                <a16:creationId xmlns:a16="http://schemas.microsoft.com/office/drawing/2014/main" id="{2AE08751-9BF7-3146-814A-12162A7621FB}"/>
+          <p:cNvPr id="9" name="Picture 8">
+            <a:extLst>
+              <a:ext uri="{FF2B5EF4-FFF2-40B4-BE49-F238E27FC236}">
+                <a16:creationId xmlns:a16="http://schemas.microsoft.com/office/drawing/2014/main" id="{E8068D75-1277-1C4C-98F0-3557A56804A9}"/>
               </a:ext>
             </a:extLst>
           </p:cNvPr>
@@ -3697,6 +5664,71 @@
         </p:nvPicPr>
         <p:blipFill>
           <a:blip r:embed="rId5"/>
+          <a:stretch>
+            <a:fillRect/>
+          </a:stretch>
+        </p:blipFill>
+        <p:spPr>
+          <a:xfrm>
+            <a:off x="4025664" y="3962598"/>
+            <a:ext cx="4152984" cy="2783622"/>
+          </a:xfrm>
+          <a:prstGeom prst="rect">
+            <a:avLst/>
+          </a:prstGeom>
+        </p:spPr>
+      </p:pic>
+      <p:sp>
+        <p:nvSpPr>
+          <p:cNvPr id="8" name="TextBox 7">
+            <a:extLst>
+              <a:ext uri="{FF2B5EF4-FFF2-40B4-BE49-F238E27FC236}">
+                <a16:creationId xmlns:a16="http://schemas.microsoft.com/office/drawing/2014/main" id="{68535CE0-F0B0-2947-84EB-15CC8E27B9C0}"/>
+              </a:ext>
+            </a:extLst>
+          </p:cNvPr>
+          <p:cNvSpPr txBox="1"/>
+          <p:nvPr/>
+        </p:nvSpPr>
+        <p:spPr>
+          <a:xfrm>
+            <a:off x="9709079" y="957212"/>
+            <a:ext cx="780342" cy="369332"/>
+          </a:xfrm>
+          <a:prstGeom prst="rect">
+            <a:avLst/>
+          </a:prstGeom>
+          <a:noFill/>
+        </p:spPr>
+        <p:txBody>
+          <a:bodyPr wrap="none" rtlCol="0">
+            <a:spAutoFit/>
+          </a:bodyPr>
+          <a:lstStyle/>
+          <a:p>
+            <a:r>
+              <a:rPr lang="en-US" dirty="0"/>
+              <a:t>Motor</a:t>
+            </a:r>
+          </a:p>
+        </p:txBody>
+      </p:sp>
+      <p:pic>
+        <p:nvPicPr>
+          <p:cNvPr id="11" name="Picture 10">
+            <a:extLst>
+              <a:ext uri="{FF2B5EF4-FFF2-40B4-BE49-F238E27FC236}">
+                <a16:creationId xmlns:a16="http://schemas.microsoft.com/office/drawing/2014/main" id="{2AE08751-9BF7-3146-814A-12162A7621FB}"/>
+              </a:ext>
+            </a:extLst>
+          </p:cNvPr>
+          <p:cNvPicPr>
+            <a:picLocks noChangeAspect="1"/>
+          </p:cNvPicPr>
+          <p:nvPr/>
+        </p:nvPicPr>
+        <p:blipFill>
+          <a:blip r:embed="rId6"/>
           <a:stretch>
             <a:fillRect/>
           </a:stretch>
@@ -3861,36 +5893,6 @@
           <p:nvPr/>
         </p:nvPicPr>
         <p:blipFill>
-          <a:blip r:embed="rId2"/>
-          <a:stretch>
-            <a:fillRect/>
-          </a:stretch>
-        </p:blipFill>
-        <p:spPr>
-          <a:xfrm>
-            <a:off x="138986" y="3340100"/>
-            <a:ext cx="4927600" cy="3517900"/>
-          </a:xfrm>
-          <a:prstGeom prst="rect">
-            <a:avLst/>
-          </a:prstGeom>
-        </p:spPr>
-      </p:pic>
-      <p:pic>
-        <p:nvPicPr>
-          <p:cNvPr id="14" name="Picture 13">
-            <a:extLst>
-              <a:ext uri="{FF2B5EF4-FFF2-40B4-BE49-F238E27FC236}">
-                <a16:creationId xmlns:a16="http://schemas.microsoft.com/office/drawing/2014/main" id="{E6329E0A-2633-AA45-A28B-E33555439725}"/>
-              </a:ext>
-            </a:extLst>
-          </p:cNvPr>
-          <p:cNvPicPr>
-            <a:picLocks noChangeAspect="1"/>
-          </p:cNvPicPr>
-          <p:nvPr/>
-        </p:nvPicPr>
-        <p:blipFill>
           <a:blip r:embed="rId3"/>
           <a:stretch>
             <a:fillRect/>
@@ -3898,7 +5900,7 @@
         </p:blipFill>
         <p:spPr>
           <a:xfrm>
-            <a:off x="7156236" y="3262544"/>
+            <a:off x="138986" y="3340100"/>
             <a:ext cx="4927600" cy="3517900"/>
           </a:xfrm>
           <a:prstGeom prst="rect">
@@ -3906,47 +5908,12 @@
           </a:prstGeom>
         </p:spPr>
       </p:pic>
-      <p:sp>
-        <p:nvSpPr>
-          <p:cNvPr id="15" name="TextBox 14">
-            <a:extLst>
-              <a:ext uri="{FF2B5EF4-FFF2-40B4-BE49-F238E27FC236}">
-                <a16:creationId xmlns:a16="http://schemas.microsoft.com/office/drawing/2014/main" id="{87ADA883-126B-7045-A340-0271CDCD23FF}"/>
-              </a:ext>
-            </a:extLst>
-          </p:cNvPr>
-          <p:cNvSpPr txBox="1"/>
-          <p:nvPr/>
-        </p:nvSpPr>
-        <p:spPr>
-          <a:xfrm>
-            <a:off x="4849403" y="13137"/>
-            <a:ext cx="2928134" cy="369332"/>
-          </a:xfrm>
-          <a:prstGeom prst="rect">
-            <a:avLst/>
-          </a:prstGeom>
-          <a:noFill/>
-        </p:spPr>
-        <p:txBody>
-          <a:bodyPr wrap="square" rtlCol="0">
-            <a:spAutoFit/>
-          </a:bodyPr>
-          <a:lstStyle/>
-          <a:p>
-            <a:r>
-              <a:rPr lang="en-US" dirty="0"/>
-              <a:t>Average accuracy of all folds</a:t>
-            </a:r>
-          </a:p>
-        </p:txBody>
-      </p:sp>
       <p:pic>
         <p:nvPicPr>
-          <p:cNvPr id="16" name="Picture 15">
-            <a:extLst>
-              <a:ext uri="{FF2B5EF4-FFF2-40B4-BE49-F238E27FC236}">
-                <a16:creationId xmlns:a16="http://schemas.microsoft.com/office/drawing/2014/main" id="{C12750CF-C5CB-4947-ABB1-EEBEBF731144}"/>
+          <p:cNvPr id="14" name="Picture 13">
+            <a:extLst>
+              <a:ext uri="{FF2B5EF4-FFF2-40B4-BE49-F238E27FC236}">
+                <a16:creationId xmlns:a16="http://schemas.microsoft.com/office/drawing/2014/main" id="{E6329E0A-2633-AA45-A28B-E33555439725}"/>
               </a:ext>
             </a:extLst>
           </p:cNvPr>
@@ -3957,6 +5924,71 @@
         </p:nvPicPr>
         <p:blipFill>
           <a:blip r:embed="rId4"/>
+          <a:stretch>
+            <a:fillRect/>
+          </a:stretch>
+        </p:blipFill>
+        <p:spPr>
+          <a:xfrm>
+            <a:off x="7156236" y="3262544"/>
+            <a:ext cx="4927600" cy="3517900"/>
+          </a:xfrm>
+          <a:prstGeom prst="rect">
+            <a:avLst/>
+          </a:prstGeom>
+        </p:spPr>
+      </p:pic>
+      <p:sp>
+        <p:nvSpPr>
+          <p:cNvPr id="15" name="TextBox 14">
+            <a:extLst>
+              <a:ext uri="{FF2B5EF4-FFF2-40B4-BE49-F238E27FC236}">
+                <a16:creationId xmlns:a16="http://schemas.microsoft.com/office/drawing/2014/main" id="{87ADA883-126B-7045-A340-0271CDCD23FF}"/>
+              </a:ext>
+            </a:extLst>
+          </p:cNvPr>
+          <p:cNvSpPr txBox="1"/>
+          <p:nvPr/>
+        </p:nvSpPr>
+        <p:spPr>
+          <a:xfrm>
+            <a:off x="4849403" y="13137"/>
+            <a:ext cx="2928134" cy="369332"/>
+          </a:xfrm>
+          <a:prstGeom prst="rect">
+            <a:avLst/>
+          </a:prstGeom>
+          <a:noFill/>
+        </p:spPr>
+        <p:txBody>
+          <a:bodyPr wrap="square" rtlCol="0">
+            <a:spAutoFit/>
+          </a:bodyPr>
+          <a:lstStyle/>
+          <a:p>
+            <a:r>
+              <a:rPr lang="en-US" dirty="0"/>
+              <a:t>Average accuracy of all folds</a:t>
+            </a:r>
+          </a:p>
+        </p:txBody>
+      </p:sp>
+      <p:pic>
+        <p:nvPicPr>
+          <p:cNvPr id="16" name="Picture 15">
+            <a:extLst>
+              <a:ext uri="{FF2B5EF4-FFF2-40B4-BE49-F238E27FC236}">
+                <a16:creationId xmlns:a16="http://schemas.microsoft.com/office/drawing/2014/main" id="{C12750CF-C5CB-4947-ABB1-EEBEBF731144}"/>
+              </a:ext>
+            </a:extLst>
+          </p:cNvPr>
+          <p:cNvPicPr>
+            <a:picLocks noChangeAspect="1"/>
+          </p:cNvPicPr>
+          <p:nvPr/>
+        </p:nvPicPr>
+        <p:blipFill>
+          <a:blip r:embed="rId5"/>
           <a:stretch>
             <a:fillRect/>
           </a:stretch>
@@ -4121,36 +6153,6 @@
           <p:nvPr/>
         </p:nvPicPr>
         <p:blipFill>
-          <a:blip r:embed="rId2"/>
-          <a:stretch>
-            <a:fillRect/>
-          </a:stretch>
-        </p:blipFill>
-        <p:spPr>
-          <a:xfrm>
-            <a:off x="0" y="3340100"/>
-            <a:ext cx="4927600" cy="3517900"/>
-          </a:xfrm>
-          <a:prstGeom prst="rect">
-            <a:avLst/>
-          </a:prstGeom>
-        </p:spPr>
-      </p:pic>
-      <p:pic>
-        <p:nvPicPr>
-          <p:cNvPr id="12" name="Picture 11">
-            <a:extLst>
-              <a:ext uri="{FF2B5EF4-FFF2-40B4-BE49-F238E27FC236}">
-                <a16:creationId xmlns:a16="http://schemas.microsoft.com/office/drawing/2014/main" id="{4823226E-A01F-984B-BC64-CB0386060298}"/>
-              </a:ext>
-            </a:extLst>
-          </p:cNvPr>
-          <p:cNvPicPr>
-            <a:picLocks noChangeAspect="1"/>
-          </p:cNvPicPr>
-          <p:nvPr/>
-        </p:nvPicPr>
-        <p:blipFill>
           <a:blip r:embed="rId3"/>
           <a:stretch>
             <a:fillRect/>
@@ -4158,7 +6160,7 @@
         </p:blipFill>
         <p:spPr>
           <a:xfrm>
-            <a:off x="7264400" y="3340100"/>
+            <a:off x="0" y="3340100"/>
             <a:ext cx="4927600" cy="3517900"/>
           </a:xfrm>
           <a:prstGeom prst="rect">
@@ -4168,10 +6170,10 @@
       </p:pic>
       <p:pic>
         <p:nvPicPr>
-          <p:cNvPr id="13" name="Picture 12">
-            <a:extLst>
-              <a:ext uri="{FF2B5EF4-FFF2-40B4-BE49-F238E27FC236}">
-                <a16:creationId xmlns:a16="http://schemas.microsoft.com/office/drawing/2014/main" id="{F46B4B37-AD0E-D24F-8059-56B6290240B6}"/>
+          <p:cNvPr id="12" name="Picture 11">
+            <a:extLst>
+              <a:ext uri="{FF2B5EF4-FFF2-40B4-BE49-F238E27FC236}">
+                <a16:creationId xmlns:a16="http://schemas.microsoft.com/office/drawing/2014/main" id="{4823226E-A01F-984B-BC64-CB0386060298}"/>
               </a:ext>
             </a:extLst>
           </p:cNvPr>
@@ -4182,6 +6184,36 @@
         </p:nvPicPr>
         <p:blipFill>
           <a:blip r:embed="rId4"/>
+          <a:stretch>
+            <a:fillRect/>
+          </a:stretch>
+        </p:blipFill>
+        <p:spPr>
+          <a:xfrm>
+            <a:off x="7264400" y="3340100"/>
+            <a:ext cx="4927600" cy="3517900"/>
+          </a:xfrm>
+          <a:prstGeom prst="rect">
+            <a:avLst/>
+          </a:prstGeom>
+        </p:spPr>
+      </p:pic>
+      <p:pic>
+        <p:nvPicPr>
+          <p:cNvPr id="13" name="Picture 12">
+            <a:extLst>
+              <a:ext uri="{FF2B5EF4-FFF2-40B4-BE49-F238E27FC236}">
+                <a16:creationId xmlns:a16="http://schemas.microsoft.com/office/drawing/2014/main" id="{F46B4B37-AD0E-D24F-8059-56B6290240B6}"/>
+              </a:ext>
+            </a:extLst>
+          </p:cNvPr>
+          <p:cNvPicPr>
+            <a:picLocks noChangeAspect="1"/>
+          </p:cNvPicPr>
+          <p:nvPr/>
+        </p:nvPicPr>
+        <p:blipFill>
+          <a:blip r:embed="rId5"/>
           <a:stretch>
             <a:fillRect/>
           </a:stretch>
@@ -4311,106 +6343,6 @@
           <p:nvPr/>
         </p:nvPicPr>
         <p:blipFill>
-          <a:blip r:embed="rId2"/>
-          <a:stretch>
-            <a:fillRect/>
-          </a:stretch>
-        </p:blipFill>
-        <p:spPr>
-          <a:xfrm>
-            <a:off x="0" y="3340100"/>
-            <a:ext cx="4927600" cy="3517900"/>
-          </a:xfrm>
-          <a:prstGeom prst="rect">
-            <a:avLst/>
-          </a:prstGeom>
-        </p:spPr>
-      </p:pic>
-      <p:sp>
-        <p:nvSpPr>
-          <p:cNvPr id="5" name="TextBox 4">
-            <a:extLst>
-              <a:ext uri="{FF2B5EF4-FFF2-40B4-BE49-F238E27FC236}">
-                <a16:creationId xmlns:a16="http://schemas.microsoft.com/office/drawing/2014/main" id="{E0B0B19E-BEBA-FA4F-8F88-557598943356}"/>
-              </a:ext>
-            </a:extLst>
-          </p:cNvPr>
-          <p:cNvSpPr txBox="1"/>
-          <p:nvPr/>
-        </p:nvSpPr>
-        <p:spPr>
-          <a:xfrm>
-            <a:off x="1530849" y="2970768"/>
-            <a:ext cx="3113069" cy="369332"/>
-          </a:xfrm>
-          <a:prstGeom prst="rect">
-            <a:avLst/>
-          </a:prstGeom>
-          <a:noFill/>
-        </p:spPr>
-        <p:txBody>
-          <a:bodyPr wrap="square" rtlCol="0">
-            <a:spAutoFit/>
-          </a:bodyPr>
-          <a:lstStyle/>
-          <a:p>
-            <a:r>
-              <a:rPr lang="en-US" dirty="0"/>
-              <a:t>Motor is the test fold</a:t>
-            </a:r>
-          </a:p>
-        </p:txBody>
-      </p:sp>
-      <p:sp>
-        <p:nvSpPr>
-          <p:cNvPr id="6" name="TextBox 5">
-            <a:extLst>
-              <a:ext uri="{FF2B5EF4-FFF2-40B4-BE49-F238E27FC236}">
-                <a16:creationId xmlns:a16="http://schemas.microsoft.com/office/drawing/2014/main" id="{F3F56D0E-9A8E-D345-8B4F-1AC50EC001E9}"/>
-              </a:ext>
-            </a:extLst>
-          </p:cNvPr>
-          <p:cNvSpPr txBox="1"/>
-          <p:nvPr/>
-        </p:nvSpPr>
-        <p:spPr>
-          <a:xfrm>
-            <a:off x="8917969" y="2970768"/>
-            <a:ext cx="2640458" cy="369332"/>
-          </a:xfrm>
-          <a:prstGeom prst="rect">
-            <a:avLst/>
-          </a:prstGeom>
-          <a:noFill/>
-        </p:spPr>
-        <p:txBody>
-          <a:bodyPr wrap="square" rtlCol="0">
-            <a:spAutoFit/>
-          </a:bodyPr>
-          <a:lstStyle/>
-          <a:p>
-            <a:r>
-              <a:rPr lang="en-US" dirty="0"/>
-              <a:t>Rest is the test fold</a:t>
-            </a:r>
-          </a:p>
-        </p:txBody>
-      </p:sp>
-      <p:pic>
-        <p:nvPicPr>
-          <p:cNvPr id="8" name="Picture 7">
-            <a:extLst>
-              <a:ext uri="{FF2B5EF4-FFF2-40B4-BE49-F238E27FC236}">
-                <a16:creationId xmlns:a16="http://schemas.microsoft.com/office/drawing/2014/main" id="{A8768726-323E-984A-8ED1-82B849E7DAB4}"/>
-              </a:ext>
-            </a:extLst>
-          </p:cNvPr>
-          <p:cNvPicPr>
-            <a:picLocks noChangeAspect="1"/>
-          </p:cNvPicPr>
-          <p:nvPr/>
-        </p:nvPicPr>
-        <p:blipFill>
           <a:blip r:embed="rId3"/>
           <a:stretch>
             <a:fillRect/>
@@ -4418,7 +6350,7 @@
         </p:blipFill>
         <p:spPr>
           <a:xfrm>
-            <a:off x="7264400" y="3306709"/>
+            <a:off x="0" y="3340100"/>
             <a:ext cx="4927600" cy="3517900"/>
           </a:xfrm>
           <a:prstGeom prst="rect">
@@ -4428,10 +6360,10 @@
       </p:pic>
       <p:sp>
         <p:nvSpPr>
-          <p:cNvPr id="9" name="TextBox 8">
-            <a:extLst>
-              <a:ext uri="{FF2B5EF4-FFF2-40B4-BE49-F238E27FC236}">
-                <a16:creationId xmlns:a16="http://schemas.microsoft.com/office/drawing/2014/main" id="{7D1DD47E-5669-5F48-B477-6A5210673A07}"/>
+          <p:cNvPr id="5" name="TextBox 4">
+            <a:extLst>
+              <a:ext uri="{FF2B5EF4-FFF2-40B4-BE49-F238E27FC236}">
+                <a16:creationId xmlns:a16="http://schemas.microsoft.com/office/drawing/2014/main" id="{E0B0B19E-BEBA-FA4F-8F88-557598943356}"/>
               </a:ext>
             </a:extLst>
           </p:cNvPr>
@@ -4440,8 +6372,8 @@
         </p:nvSpPr>
         <p:spPr>
           <a:xfrm>
-            <a:off x="5161908" y="0"/>
-            <a:ext cx="3256908" cy="369332"/>
+            <a:off x="1530849" y="2970768"/>
+            <a:ext cx="3113069" cy="369332"/>
           </a:xfrm>
           <a:prstGeom prst="rect">
             <a:avLst/>
@@ -4456,17 +6388,52 @@
           <a:p>
             <a:r>
               <a:rPr lang="en-US" dirty="0"/>
-              <a:t>Average accuracy of all folds</a:t>
+              <a:t>Motor is the test fold</a:t>
+            </a:r>
+          </a:p>
+        </p:txBody>
+      </p:sp>
+      <p:sp>
+        <p:nvSpPr>
+          <p:cNvPr id="6" name="TextBox 5">
+            <a:extLst>
+              <a:ext uri="{FF2B5EF4-FFF2-40B4-BE49-F238E27FC236}">
+                <a16:creationId xmlns:a16="http://schemas.microsoft.com/office/drawing/2014/main" id="{F3F56D0E-9A8E-D345-8B4F-1AC50EC001E9}"/>
+              </a:ext>
+            </a:extLst>
+          </p:cNvPr>
+          <p:cNvSpPr txBox="1"/>
+          <p:nvPr/>
+        </p:nvSpPr>
+        <p:spPr>
+          <a:xfrm>
+            <a:off x="8917969" y="2970768"/>
+            <a:ext cx="2640458" cy="369332"/>
+          </a:xfrm>
+          <a:prstGeom prst="rect">
+            <a:avLst/>
+          </a:prstGeom>
+          <a:noFill/>
+        </p:spPr>
+        <p:txBody>
+          <a:bodyPr wrap="square" rtlCol="0">
+            <a:spAutoFit/>
+          </a:bodyPr>
+          <a:lstStyle/>
+          <a:p>
+            <a:r>
+              <a:rPr lang="en-US" dirty="0"/>
+              <a:t>Rest is the test fold</a:t>
             </a:r>
           </a:p>
         </p:txBody>
       </p:sp>
       <p:pic>
         <p:nvPicPr>
-          <p:cNvPr id="10" name="Picture 9">
-            <a:extLst>
-              <a:ext uri="{FF2B5EF4-FFF2-40B4-BE49-F238E27FC236}">
-                <a16:creationId xmlns:a16="http://schemas.microsoft.com/office/drawing/2014/main" id="{62C78F09-BDC8-A740-8A5A-A62F2401004A}"/>
+          <p:cNvPr id="8" name="Picture 7">
+            <a:extLst>
+              <a:ext uri="{FF2B5EF4-FFF2-40B4-BE49-F238E27FC236}">
+                <a16:creationId xmlns:a16="http://schemas.microsoft.com/office/drawing/2014/main" id="{A8768726-323E-984A-8ED1-82B849E7DAB4}"/>
               </a:ext>
             </a:extLst>
           </p:cNvPr>
@@ -4477,6 +6444,71 @@
         </p:nvPicPr>
         <p:blipFill>
           <a:blip r:embed="rId4"/>
+          <a:stretch>
+            <a:fillRect/>
+          </a:stretch>
+        </p:blipFill>
+        <p:spPr>
+          <a:xfrm>
+            <a:off x="7264400" y="3306709"/>
+            <a:ext cx="4927600" cy="3517900"/>
+          </a:xfrm>
+          <a:prstGeom prst="rect">
+            <a:avLst/>
+          </a:prstGeom>
+        </p:spPr>
+      </p:pic>
+      <p:sp>
+        <p:nvSpPr>
+          <p:cNvPr id="9" name="TextBox 8">
+            <a:extLst>
+              <a:ext uri="{FF2B5EF4-FFF2-40B4-BE49-F238E27FC236}">
+                <a16:creationId xmlns:a16="http://schemas.microsoft.com/office/drawing/2014/main" id="{7D1DD47E-5669-5F48-B477-6A5210673A07}"/>
+              </a:ext>
+            </a:extLst>
+          </p:cNvPr>
+          <p:cNvSpPr txBox="1"/>
+          <p:nvPr/>
+        </p:nvSpPr>
+        <p:spPr>
+          <a:xfrm>
+            <a:off x="5161908" y="0"/>
+            <a:ext cx="3256908" cy="369332"/>
+          </a:xfrm>
+          <a:prstGeom prst="rect">
+            <a:avLst/>
+          </a:prstGeom>
+          <a:noFill/>
+        </p:spPr>
+        <p:txBody>
+          <a:bodyPr wrap="square" rtlCol="0">
+            <a:spAutoFit/>
+          </a:bodyPr>
+          <a:lstStyle/>
+          <a:p>
+            <a:r>
+              <a:rPr lang="en-US" dirty="0"/>
+              <a:t>Average accuracy of all folds</a:t>
+            </a:r>
+          </a:p>
+        </p:txBody>
+      </p:sp>
+      <p:pic>
+        <p:nvPicPr>
+          <p:cNvPr id="10" name="Picture 9">
+            <a:extLst>
+              <a:ext uri="{FF2B5EF4-FFF2-40B4-BE49-F238E27FC236}">
+                <a16:creationId xmlns:a16="http://schemas.microsoft.com/office/drawing/2014/main" id="{62C78F09-BDC8-A740-8A5A-A62F2401004A}"/>
+              </a:ext>
+            </a:extLst>
+          </p:cNvPr>
+          <p:cNvPicPr>
+            <a:picLocks noChangeAspect="1"/>
+          </p:cNvPicPr>
+          <p:nvPr/>
+        </p:nvPicPr>
+        <p:blipFill>
+          <a:blip r:embed="rId5"/>
           <a:stretch>
             <a:fillRect/>
           </a:stretch>
@@ -4569,71 +6601,6 @@
           <p:nvPr/>
         </p:nvPicPr>
         <p:blipFill>
-          <a:blip r:embed="rId2"/>
-          <a:stretch>
-            <a:fillRect/>
-          </a:stretch>
-        </p:blipFill>
-        <p:spPr>
-          <a:xfrm>
-            <a:off x="466378" y="2552674"/>
-            <a:ext cx="3386431" cy="2380816"/>
-          </a:xfrm>
-          <a:prstGeom prst="rect">
-            <a:avLst/>
-          </a:prstGeom>
-        </p:spPr>
-      </p:pic>
-      <p:sp>
-        <p:nvSpPr>
-          <p:cNvPr id="6" name="TextBox 5">
-            <a:extLst>
-              <a:ext uri="{FF2B5EF4-FFF2-40B4-BE49-F238E27FC236}">
-                <a16:creationId xmlns:a16="http://schemas.microsoft.com/office/drawing/2014/main" id="{7765F3F0-6EF1-ED41-86F5-ACC3084AF30F}"/>
-              </a:ext>
-            </a:extLst>
-          </p:cNvPr>
-          <p:cNvSpPr txBox="1"/>
-          <p:nvPr/>
-        </p:nvSpPr>
-        <p:spPr>
-          <a:xfrm>
-            <a:off x="1466087" y="2074987"/>
-            <a:ext cx="1387011" cy="369332"/>
-          </a:xfrm>
-          <a:prstGeom prst="rect">
-            <a:avLst/>
-          </a:prstGeom>
-          <a:noFill/>
-        </p:spPr>
-        <p:txBody>
-          <a:bodyPr wrap="square" rtlCol="0">
-            <a:spAutoFit/>
-          </a:bodyPr>
-          <a:lstStyle/>
-          <a:p>
-            <a:r>
-              <a:rPr lang="en-US" dirty="0"/>
-              <a:t>Memory</a:t>
-            </a:r>
-          </a:p>
-        </p:txBody>
-      </p:sp>
-      <p:pic>
-        <p:nvPicPr>
-          <p:cNvPr id="8" name="Picture 7">
-            <a:extLst>
-              <a:ext uri="{FF2B5EF4-FFF2-40B4-BE49-F238E27FC236}">
-                <a16:creationId xmlns:a16="http://schemas.microsoft.com/office/drawing/2014/main" id="{9EA6F198-72B6-1D48-8D85-7CFBB223C32E}"/>
-              </a:ext>
-            </a:extLst>
-          </p:cNvPr>
-          <p:cNvPicPr>
-            <a:picLocks noChangeAspect="1"/>
-          </p:cNvPicPr>
-          <p:nvPr/>
-        </p:nvPicPr>
-        <p:blipFill>
           <a:blip r:embed="rId3"/>
           <a:stretch>
             <a:fillRect/>
@@ -4641,8 +6608,8 @@
         </p:blipFill>
         <p:spPr>
           <a:xfrm>
-            <a:off x="4411924" y="2494527"/>
-            <a:ext cx="3551845" cy="2497109"/>
+            <a:off x="466378" y="2552674"/>
+            <a:ext cx="3386431" cy="2380816"/>
           </a:xfrm>
           <a:prstGeom prst="rect">
             <a:avLst/>
@@ -4651,10 +6618,10 @@
       </p:pic>
       <p:sp>
         <p:nvSpPr>
-          <p:cNvPr id="9" name="TextBox 8">
-            <a:extLst>
-              <a:ext uri="{FF2B5EF4-FFF2-40B4-BE49-F238E27FC236}">
-                <a16:creationId xmlns:a16="http://schemas.microsoft.com/office/drawing/2014/main" id="{8DFB6ABD-71F2-D247-94B6-796EACF25D75}"/>
+          <p:cNvPr id="6" name="TextBox 5">
+            <a:extLst>
+              <a:ext uri="{FF2B5EF4-FFF2-40B4-BE49-F238E27FC236}">
+                <a16:creationId xmlns:a16="http://schemas.microsoft.com/office/drawing/2014/main" id="{7765F3F0-6EF1-ED41-86F5-ACC3084AF30F}"/>
               </a:ext>
             </a:extLst>
           </p:cNvPr>
@@ -4663,8 +6630,8 @@
         </p:nvSpPr>
         <p:spPr>
           <a:xfrm>
-            <a:off x="5774075" y="2105417"/>
-            <a:ext cx="1510301" cy="369332"/>
+            <a:off x="1466087" y="2074987"/>
+            <a:ext cx="1387011" cy="369332"/>
           </a:xfrm>
           <a:prstGeom prst="rect">
             <a:avLst/>
@@ -4679,17 +6646,17 @@
           <a:p>
             <a:r>
               <a:rPr lang="en-US" dirty="0"/>
-              <a:t>Motor</a:t>
+              <a:t>Memory</a:t>
             </a:r>
           </a:p>
         </p:txBody>
       </p:sp>
       <p:pic>
         <p:nvPicPr>
-          <p:cNvPr id="11" name="Picture 10">
-            <a:extLst>
-              <a:ext uri="{FF2B5EF4-FFF2-40B4-BE49-F238E27FC236}">
-                <a16:creationId xmlns:a16="http://schemas.microsoft.com/office/drawing/2014/main" id="{F8F82E2B-DE42-C843-BE02-A139BFA7F6AF}"/>
+          <p:cNvPr id="8" name="Picture 7">
+            <a:extLst>
+              <a:ext uri="{FF2B5EF4-FFF2-40B4-BE49-F238E27FC236}">
+                <a16:creationId xmlns:a16="http://schemas.microsoft.com/office/drawing/2014/main" id="{9EA6F198-72B6-1D48-8D85-7CFBB223C32E}"/>
               </a:ext>
             </a:extLst>
           </p:cNvPr>
@@ -4700,6 +6667,71 @@
         </p:nvPicPr>
         <p:blipFill>
           <a:blip r:embed="rId4"/>
+          <a:stretch>
+            <a:fillRect/>
+          </a:stretch>
+        </p:blipFill>
+        <p:spPr>
+          <a:xfrm>
+            <a:off x="4411924" y="2494527"/>
+            <a:ext cx="3551845" cy="2497109"/>
+          </a:xfrm>
+          <a:prstGeom prst="rect">
+            <a:avLst/>
+          </a:prstGeom>
+        </p:spPr>
+      </p:pic>
+      <p:sp>
+        <p:nvSpPr>
+          <p:cNvPr id="9" name="TextBox 8">
+            <a:extLst>
+              <a:ext uri="{FF2B5EF4-FFF2-40B4-BE49-F238E27FC236}">
+                <a16:creationId xmlns:a16="http://schemas.microsoft.com/office/drawing/2014/main" id="{8DFB6ABD-71F2-D247-94B6-796EACF25D75}"/>
+              </a:ext>
+            </a:extLst>
+          </p:cNvPr>
+          <p:cNvSpPr txBox="1"/>
+          <p:nvPr/>
+        </p:nvSpPr>
+        <p:spPr>
+          <a:xfrm>
+            <a:off x="5774075" y="2105417"/>
+            <a:ext cx="1510301" cy="369332"/>
+          </a:xfrm>
+          <a:prstGeom prst="rect">
+            <a:avLst/>
+          </a:prstGeom>
+          <a:noFill/>
+        </p:spPr>
+        <p:txBody>
+          <a:bodyPr wrap="square" rtlCol="0">
+            <a:spAutoFit/>
+          </a:bodyPr>
+          <a:lstStyle/>
+          <a:p>
+            <a:r>
+              <a:rPr lang="en-US" dirty="0"/>
+              <a:t>Motor</a:t>
+            </a:r>
+          </a:p>
+        </p:txBody>
+      </p:sp>
+      <p:pic>
+        <p:nvPicPr>
+          <p:cNvPr id="11" name="Picture 10">
+            <a:extLst>
+              <a:ext uri="{FF2B5EF4-FFF2-40B4-BE49-F238E27FC236}">
+                <a16:creationId xmlns:a16="http://schemas.microsoft.com/office/drawing/2014/main" id="{F8F82E2B-DE42-C843-BE02-A139BFA7F6AF}"/>
+              </a:ext>
+            </a:extLst>
+          </p:cNvPr>
+          <p:cNvPicPr>
+            <a:picLocks noChangeAspect="1"/>
+          </p:cNvPicPr>
+          <p:nvPr/>
+        </p:nvPicPr>
+        <p:blipFill>
+          <a:blip r:embed="rId5"/>
           <a:stretch>
             <a:fillRect/>
           </a:stretch>
@@ -4834,106 +6866,6 @@
           <p:nvPr/>
         </p:nvPicPr>
         <p:blipFill>
-          <a:blip r:embed="rId2"/>
-          <a:stretch>
-            <a:fillRect/>
-          </a:stretch>
-        </p:blipFill>
-        <p:spPr>
-          <a:xfrm>
-            <a:off x="184721" y="3503488"/>
-            <a:ext cx="4610100" cy="3200400"/>
-          </a:xfrm>
-          <a:prstGeom prst="rect">
-            <a:avLst/>
-          </a:prstGeom>
-        </p:spPr>
-      </p:pic>
-      <p:sp>
-        <p:nvSpPr>
-          <p:cNvPr id="6" name="TextBox 5">
-            <a:extLst>
-              <a:ext uri="{FF2B5EF4-FFF2-40B4-BE49-F238E27FC236}">
-                <a16:creationId xmlns:a16="http://schemas.microsoft.com/office/drawing/2014/main" id="{3908C4CF-0CB3-BB4E-B784-32929AF8C34B}"/>
-              </a:ext>
-            </a:extLst>
-          </p:cNvPr>
-          <p:cNvSpPr txBox="1"/>
-          <p:nvPr/>
-        </p:nvSpPr>
-        <p:spPr>
-          <a:xfrm>
-            <a:off x="1952090" y="3134156"/>
-            <a:ext cx="760288" cy="369332"/>
-          </a:xfrm>
-          <a:prstGeom prst="rect">
-            <a:avLst/>
-          </a:prstGeom>
-          <a:noFill/>
-        </p:spPr>
-        <p:txBody>
-          <a:bodyPr wrap="square" rtlCol="0">
-            <a:spAutoFit/>
-          </a:bodyPr>
-          <a:lstStyle/>
-          <a:p>
-            <a:r>
-              <a:rPr lang="en-US" dirty="0"/>
-              <a:t>Mem</a:t>
-            </a:r>
-          </a:p>
-        </p:txBody>
-      </p:sp>
-      <p:sp>
-        <p:nvSpPr>
-          <p:cNvPr id="7" name="TextBox 6">
-            <a:extLst>
-              <a:ext uri="{FF2B5EF4-FFF2-40B4-BE49-F238E27FC236}">
-                <a16:creationId xmlns:a16="http://schemas.microsoft.com/office/drawing/2014/main" id="{3FA80971-A4EC-B647-99C1-645FFC28BDB6}"/>
-              </a:ext>
-            </a:extLst>
-          </p:cNvPr>
-          <p:cNvSpPr txBox="1"/>
-          <p:nvPr/>
-        </p:nvSpPr>
-        <p:spPr>
-          <a:xfrm>
-            <a:off x="8558373" y="2948683"/>
-            <a:ext cx="842481" cy="370139"/>
-          </a:xfrm>
-          <a:prstGeom prst="rect">
-            <a:avLst/>
-          </a:prstGeom>
-          <a:noFill/>
-        </p:spPr>
-        <p:txBody>
-          <a:bodyPr wrap="square" rtlCol="0">
-            <a:spAutoFit/>
-          </a:bodyPr>
-          <a:lstStyle/>
-          <a:p>
-            <a:r>
-              <a:rPr lang="en-US" dirty="0"/>
-              <a:t>Rest</a:t>
-            </a:r>
-          </a:p>
-        </p:txBody>
-      </p:sp>
-      <p:pic>
-        <p:nvPicPr>
-          <p:cNvPr id="9" name="Picture 8">
-            <a:extLst>
-              <a:ext uri="{FF2B5EF4-FFF2-40B4-BE49-F238E27FC236}">
-                <a16:creationId xmlns:a16="http://schemas.microsoft.com/office/drawing/2014/main" id="{31DA64F6-2E53-2249-815F-537A57C46B2A}"/>
-              </a:ext>
-            </a:extLst>
-          </p:cNvPr>
-          <p:cNvPicPr>
-            <a:picLocks noChangeAspect="1"/>
-          </p:cNvPicPr>
-          <p:nvPr/>
-        </p:nvPicPr>
-        <p:blipFill>
           <a:blip r:embed="rId3"/>
           <a:stretch>
             <a:fillRect/>
@@ -4941,20 +6873,90 @@
         </p:blipFill>
         <p:spPr>
           <a:xfrm>
-            <a:off x="6674563" y="3503488"/>
-            <a:ext cx="4610100" cy="3149600"/>
+            <a:off x="184721" y="3503488"/>
+            <a:ext cx="4610100" cy="3200400"/>
           </a:xfrm>
           <a:prstGeom prst="rect">
             <a:avLst/>
           </a:prstGeom>
         </p:spPr>
       </p:pic>
+      <p:sp>
+        <p:nvSpPr>
+          <p:cNvPr id="6" name="TextBox 5">
+            <a:extLst>
+              <a:ext uri="{FF2B5EF4-FFF2-40B4-BE49-F238E27FC236}">
+                <a16:creationId xmlns:a16="http://schemas.microsoft.com/office/drawing/2014/main" id="{3908C4CF-0CB3-BB4E-B784-32929AF8C34B}"/>
+              </a:ext>
+            </a:extLst>
+          </p:cNvPr>
+          <p:cNvSpPr txBox="1"/>
+          <p:nvPr/>
+        </p:nvSpPr>
+        <p:spPr>
+          <a:xfrm>
+            <a:off x="1952090" y="3134156"/>
+            <a:ext cx="760288" cy="369332"/>
+          </a:xfrm>
+          <a:prstGeom prst="rect">
+            <a:avLst/>
+          </a:prstGeom>
+          <a:noFill/>
+        </p:spPr>
+        <p:txBody>
+          <a:bodyPr wrap="square" rtlCol="0">
+            <a:spAutoFit/>
+          </a:bodyPr>
+          <a:lstStyle/>
+          <a:p>
+            <a:r>
+              <a:rPr lang="en-US" dirty="0"/>
+              <a:t>Mem</a:t>
+            </a:r>
+          </a:p>
+        </p:txBody>
+      </p:sp>
+      <p:sp>
+        <p:nvSpPr>
+          <p:cNvPr id="7" name="TextBox 6">
+            <a:extLst>
+              <a:ext uri="{FF2B5EF4-FFF2-40B4-BE49-F238E27FC236}">
+                <a16:creationId xmlns:a16="http://schemas.microsoft.com/office/drawing/2014/main" id="{3FA80971-A4EC-B647-99C1-645FFC28BDB6}"/>
+              </a:ext>
+            </a:extLst>
+          </p:cNvPr>
+          <p:cNvSpPr txBox="1"/>
+          <p:nvPr/>
+        </p:nvSpPr>
+        <p:spPr>
+          <a:xfrm>
+            <a:off x="8558373" y="2948683"/>
+            <a:ext cx="842481" cy="370139"/>
+          </a:xfrm>
+          <a:prstGeom prst="rect">
+            <a:avLst/>
+          </a:prstGeom>
+          <a:noFill/>
+        </p:spPr>
+        <p:txBody>
+          <a:bodyPr wrap="square" rtlCol="0">
+            <a:spAutoFit/>
+          </a:bodyPr>
+          <a:lstStyle/>
+          <a:p>
+            <a:r>
+              <a:rPr lang="en-US" dirty="0"/>
+              <a:t>Rest</a:t>
+            </a:r>
+          </a:p>
+        </p:txBody>
+      </p:sp>
       <p:pic>
         <p:nvPicPr>
-          <p:cNvPr id="10" name="Picture 9">
-            <a:extLst>
-              <a:ext uri="{FF2B5EF4-FFF2-40B4-BE49-F238E27FC236}">
-                <a16:creationId xmlns:a16="http://schemas.microsoft.com/office/drawing/2014/main" id="{4941FCA4-CCF2-D742-9A7A-173650032C24}"/>
+          <p:cNvPr id="9" name="Picture 8">
+            <a:extLst>
+              <a:ext uri="{FF2B5EF4-FFF2-40B4-BE49-F238E27FC236}">
+                <a16:creationId xmlns:a16="http://schemas.microsoft.com/office/drawing/2014/main" id="{31DA64F6-2E53-2249-815F-537A57C46B2A}"/>
               </a:ext>
             </a:extLst>
           </p:cNvPr>
@@ -4965,6 +6967,36 @@
         </p:nvPicPr>
         <p:blipFill>
           <a:blip r:embed="rId4"/>
+          <a:stretch>
+            <a:fillRect/>
+          </a:stretch>
+        </p:blipFill>
+        <p:spPr>
+          <a:xfrm>
+            <a:off x="6674563" y="3503488"/>
+            <a:ext cx="4610100" cy="3149600"/>
+          </a:xfrm>
+          <a:prstGeom prst="rect">
+            <a:avLst/>
+          </a:prstGeom>
+        </p:spPr>
+      </p:pic>
+      <p:pic>
+        <p:nvPicPr>
+          <p:cNvPr id="10" name="Picture 9">
+            <a:extLst>
+              <a:ext uri="{FF2B5EF4-FFF2-40B4-BE49-F238E27FC236}">
+                <a16:creationId xmlns:a16="http://schemas.microsoft.com/office/drawing/2014/main" id="{4941FCA4-CCF2-D742-9A7A-173650032C24}"/>
+              </a:ext>
+            </a:extLst>
+          </p:cNvPr>
+          <p:cNvPicPr>
+            <a:picLocks noChangeAspect="1"/>
+          </p:cNvPicPr>
+          <p:nvPr/>
+        </p:nvPicPr>
+        <p:blipFill>
+          <a:blip r:embed="rId5"/>
           <a:stretch>
             <a:fillRect/>
           </a:stretch>
@@ -5114,141 +7146,6 @@
           <p:nvPr/>
         </p:nvPicPr>
         <p:blipFill>
-          <a:blip r:embed="rId2"/>
-          <a:stretch>
-            <a:fillRect/>
-          </a:stretch>
-        </p:blipFill>
-        <p:spPr>
-          <a:xfrm>
-            <a:off x="0" y="3708400"/>
-            <a:ext cx="4699000" cy="3149600"/>
-          </a:xfrm>
-          <a:prstGeom prst="rect">
-            <a:avLst/>
-          </a:prstGeom>
-        </p:spPr>
-      </p:pic>
-      <p:sp>
-        <p:nvSpPr>
-          <p:cNvPr id="7" name="TextBox 6">
-            <a:extLst>
-              <a:ext uri="{FF2B5EF4-FFF2-40B4-BE49-F238E27FC236}">
-                <a16:creationId xmlns:a16="http://schemas.microsoft.com/office/drawing/2014/main" id="{BEFFFB24-D829-3B4D-91DF-10F479637136}"/>
-              </a:ext>
-            </a:extLst>
-          </p:cNvPr>
-          <p:cNvSpPr txBox="1"/>
-          <p:nvPr/>
-        </p:nvSpPr>
-        <p:spPr>
-          <a:xfrm>
-            <a:off x="1787703" y="3339068"/>
-            <a:ext cx="832207" cy="369332"/>
-          </a:xfrm>
-          <a:prstGeom prst="rect">
-            <a:avLst/>
-          </a:prstGeom>
-          <a:noFill/>
-        </p:spPr>
-        <p:txBody>
-          <a:bodyPr wrap="square" rtlCol="0">
-            <a:spAutoFit/>
-          </a:bodyPr>
-          <a:lstStyle/>
-          <a:p>
-            <a:r>
-              <a:rPr lang="en-US" dirty="0"/>
-              <a:t>Motor</a:t>
-            </a:r>
-          </a:p>
-        </p:txBody>
-      </p:sp>
-      <p:sp>
-        <p:nvSpPr>
-          <p:cNvPr id="8" name="TextBox 7">
-            <a:extLst>
-              <a:ext uri="{FF2B5EF4-FFF2-40B4-BE49-F238E27FC236}">
-                <a16:creationId xmlns:a16="http://schemas.microsoft.com/office/drawing/2014/main" id="{5CCA94C8-FD25-DE41-A25F-1DDB949DA271}"/>
-              </a:ext>
-            </a:extLst>
-          </p:cNvPr>
-          <p:cNvSpPr txBox="1"/>
-          <p:nvPr/>
-        </p:nvSpPr>
-        <p:spPr>
-          <a:xfrm>
-            <a:off x="5414481" y="241442"/>
-            <a:ext cx="1260082" cy="369332"/>
-          </a:xfrm>
-          <a:prstGeom prst="rect">
-            <a:avLst/>
-          </a:prstGeom>
-          <a:noFill/>
-        </p:spPr>
-        <p:txBody>
-          <a:bodyPr wrap="square" rtlCol="0">
-            <a:spAutoFit/>
-          </a:bodyPr>
-          <a:lstStyle/>
-          <a:p>
-            <a:r>
-              <a:rPr lang="en-US" dirty="0"/>
-              <a:t>All average</a:t>
-            </a:r>
-          </a:p>
-        </p:txBody>
-      </p:sp>
-      <p:sp>
-        <p:nvSpPr>
-          <p:cNvPr id="9" name="TextBox 8">
-            <a:extLst>
-              <a:ext uri="{FF2B5EF4-FFF2-40B4-BE49-F238E27FC236}">
-                <a16:creationId xmlns:a16="http://schemas.microsoft.com/office/drawing/2014/main" id="{ED7247B2-6899-ED47-814A-B803403FD20D}"/>
-              </a:ext>
-            </a:extLst>
-          </p:cNvPr>
-          <p:cNvSpPr txBox="1"/>
-          <p:nvPr/>
-        </p:nvSpPr>
-        <p:spPr>
-          <a:xfrm>
-            <a:off x="8558373" y="2948683"/>
-            <a:ext cx="842481" cy="370139"/>
-          </a:xfrm>
-          <a:prstGeom prst="rect">
-            <a:avLst/>
-          </a:prstGeom>
-          <a:noFill/>
-        </p:spPr>
-        <p:txBody>
-          <a:bodyPr wrap="square" rtlCol="0">
-            <a:spAutoFit/>
-          </a:bodyPr>
-          <a:lstStyle/>
-          <a:p>
-            <a:r>
-              <a:rPr lang="en-US" dirty="0"/>
-              <a:t>Rest</a:t>
-            </a:r>
-          </a:p>
-        </p:txBody>
-      </p:sp>
-      <p:pic>
-        <p:nvPicPr>
-          <p:cNvPr id="11" name="Picture 10">
-            <a:extLst>
-              <a:ext uri="{FF2B5EF4-FFF2-40B4-BE49-F238E27FC236}">
-                <a16:creationId xmlns:a16="http://schemas.microsoft.com/office/drawing/2014/main" id="{15C84B94-E336-F946-AC8E-7BAEFC100996}"/>
-              </a:ext>
-            </a:extLst>
-          </p:cNvPr>
-          <p:cNvPicPr>
-            <a:picLocks noChangeAspect="1"/>
-          </p:cNvPicPr>
-          <p:nvPr/>
-        </p:nvPicPr>
-        <p:blipFill>
           <a:blip r:embed="rId3"/>
           <a:stretch>
             <a:fillRect/>
@@ -5256,20 +7153,125 @@
         </p:blipFill>
         <p:spPr>
           <a:xfrm>
-            <a:off x="6650375" y="3523734"/>
-            <a:ext cx="4610100" cy="3200400"/>
+            <a:off x="0" y="3708400"/>
+            <a:ext cx="4699000" cy="3149600"/>
           </a:xfrm>
           <a:prstGeom prst="rect">
             <a:avLst/>
           </a:prstGeom>
         </p:spPr>
       </p:pic>
+      <p:sp>
+        <p:nvSpPr>
+          <p:cNvPr id="7" name="TextBox 6">
+            <a:extLst>
+              <a:ext uri="{FF2B5EF4-FFF2-40B4-BE49-F238E27FC236}">
+                <a16:creationId xmlns:a16="http://schemas.microsoft.com/office/drawing/2014/main" id="{BEFFFB24-D829-3B4D-91DF-10F479637136}"/>
+              </a:ext>
+            </a:extLst>
+          </p:cNvPr>
+          <p:cNvSpPr txBox="1"/>
+          <p:nvPr/>
+        </p:nvSpPr>
+        <p:spPr>
+          <a:xfrm>
+            <a:off x="1787703" y="3339068"/>
+            <a:ext cx="832207" cy="369332"/>
+          </a:xfrm>
+          <a:prstGeom prst="rect">
+            <a:avLst/>
+          </a:prstGeom>
+          <a:noFill/>
+        </p:spPr>
+        <p:txBody>
+          <a:bodyPr wrap="square" rtlCol="0">
+            <a:spAutoFit/>
+          </a:bodyPr>
+          <a:lstStyle/>
+          <a:p>
+            <a:r>
+              <a:rPr lang="en-US" dirty="0"/>
+              <a:t>Motor</a:t>
+            </a:r>
+          </a:p>
+        </p:txBody>
+      </p:sp>
+      <p:sp>
+        <p:nvSpPr>
+          <p:cNvPr id="8" name="TextBox 7">
+            <a:extLst>
+              <a:ext uri="{FF2B5EF4-FFF2-40B4-BE49-F238E27FC236}">
+                <a16:creationId xmlns:a16="http://schemas.microsoft.com/office/drawing/2014/main" id="{5CCA94C8-FD25-DE41-A25F-1DDB949DA271}"/>
+              </a:ext>
+            </a:extLst>
+          </p:cNvPr>
+          <p:cNvSpPr txBox="1"/>
+          <p:nvPr/>
+        </p:nvSpPr>
+        <p:spPr>
+          <a:xfrm>
+            <a:off x="5414481" y="241442"/>
+            <a:ext cx="1260082" cy="369332"/>
+          </a:xfrm>
+          <a:prstGeom prst="rect">
+            <a:avLst/>
+          </a:prstGeom>
+          <a:noFill/>
+        </p:spPr>
+        <p:txBody>
+          <a:bodyPr wrap="square" rtlCol="0">
+            <a:spAutoFit/>
+          </a:bodyPr>
+          <a:lstStyle/>
+          <a:p>
+            <a:r>
+              <a:rPr lang="en-US" dirty="0"/>
+              <a:t>All average</a:t>
+            </a:r>
+          </a:p>
+        </p:txBody>
+      </p:sp>
+      <p:sp>
+        <p:nvSpPr>
+          <p:cNvPr id="9" name="TextBox 8">
+            <a:extLst>
+              <a:ext uri="{FF2B5EF4-FFF2-40B4-BE49-F238E27FC236}">
+                <a16:creationId xmlns:a16="http://schemas.microsoft.com/office/drawing/2014/main" id="{ED7247B2-6899-ED47-814A-B803403FD20D}"/>
+              </a:ext>
+            </a:extLst>
+          </p:cNvPr>
+          <p:cNvSpPr txBox="1"/>
+          <p:nvPr/>
+        </p:nvSpPr>
+        <p:spPr>
+          <a:xfrm>
+            <a:off x="8558373" y="2948683"/>
+            <a:ext cx="842481" cy="370139"/>
+          </a:xfrm>
+          <a:prstGeom prst="rect">
+            <a:avLst/>
+          </a:prstGeom>
+          <a:noFill/>
+        </p:spPr>
+        <p:txBody>
+          <a:bodyPr wrap="square" rtlCol="0">
+            <a:spAutoFit/>
+          </a:bodyPr>
+          <a:lstStyle/>
+          <a:p>
+            <a:r>
+              <a:rPr lang="en-US" dirty="0"/>
+              <a:t>Rest</a:t>
+            </a:r>
+          </a:p>
+        </p:txBody>
+      </p:sp>
       <p:pic>
         <p:nvPicPr>
-          <p:cNvPr id="12" name="Picture 11">
-            <a:extLst>
-              <a:ext uri="{FF2B5EF4-FFF2-40B4-BE49-F238E27FC236}">
-                <a16:creationId xmlns:a16="http://schemas.microsoft.com/office/drawing/2014/main" id="{A29C6081-7FE7-B844-AD10-F7A0E94843F7}"/>
+          <p:cNvPr id="11" name="Picture 10">
+            <a:extLst>
+              <a:ext uri="{FF2B5EF4-FFF2-40B4-BE49-F238E27FC236}">
+                <a16:creationId xmlns:a16="http://schemas.microsoft.com/office/drawing/2014/main" id="{15C84B94-E336-F946-AC8E-7BAEFC100996}"/>
               </a:ext>
             </a:extLst>
           </p:cNvPr>
@@ -5280,6 +7282,36 @@
         </p:nvPicPr>
         <p:blipFill>
           <a:blip r:embed="rId4"/>
+          <a:stretch>
+            <a:fillRect/>
+          </a:stretch>
+        </p:blipFill>
+        <p:spPr>
+          <a:xfrm>
+            <a:off x="6650375" y="3523734"/>
+            <a:ext cx="4610100" cy="3200400"/>
+          </a:xfrm>
+          <a:prstGeom prst="rect">
+            <a:avLst/>
+          </a:prstGeom>
+        </p:spPr>
+      </p:pic>
+      <p:pic>
+        <p:nvPicPr>
+          <p:cNvPr id="12" name="Picture 11">
+            <a:extLst>
+              <a:ext uri="{FF2B5EF4-FFF2-40B4-BE49-F238E27FC236}">
+                <a16:creationId xmlns:a16="http://schemas.microsoft.com/office/drawing/2014/main" id="{A29C6081-7FE7-B844-AD10-F7A0E94843F7}"/>
+              </a:ext>
+            </a:extLst>
+          </p:cNvPr>
+          <p:cNvPicPr>
+            <a:picLocks noChangeAspect="1"/>
+          </p:cNvPicPr>
+          <p:nvPr/>
+        </p:nvPicPr>
+        <p:blipFill>
+          <a:blip r:embed="rId5"/>
           <a:stretch>
             <a:fillRect/>
           </a:stretch>
@@ -5500,36 +7532,6 @@
           <p:nvPr/>
         </p:nvPicPr>
         <p:blipFill>
-          <a:blip r:embed="rId2"/>
-          <a:stretch>
-            <a:fillRect/>
-          </a:stretch>
-        </p:blipFill>
-        <p:spPr>
-          <a:xfrm>
-            <a:off x="4209495" y="610774"/>
-            <a:ext cx="3670053" cy="2459927"/>
-          </a:xfrm>
-          <a:prstGeom prst="rect">
-            <a:avLst/>
-          </a:prstGeom>
-        </p:spPr>
-      </p:pic>
-      <p:pic>
-        <p:nvPicPr>
-          <p:cNvPr id="8" name="Picture 7">
-            <a:extLst>
-              <a:ext uri="{FF2B5EF4-FFF2-40B4-BE49-F238E27FC236}">
-                <a16:creationId xmlns:a16="http://schemas.microsoft.com/office/drawing/2014/main" id="{35E979E7-6F7F-B046-8A84-9353079FFE5B}"/>
-              </a:ext>
-            </a:extLst>
-          </p:cNvPr>
-          <p:cNvPicPr>
-            <a:picLocks noChangeAspect="1"/>
-          </p:cNvPicPr>
-          <p:nvPr/>
-        </p:nvPicPr>
-        <p:blipFill>
           <a:blip r:embed="rId3"/>
           <a:stretch>
             <a:fillRect/>
@@ -5537,8 +7539,8 @@
         </p:blipFill>
         <p:spPr>
           <a:xfrm>
-            <a:off x="0" y="3585077"/>
-            <a:ext cx="4699000" cy="3149600"/>
+            <a:off x="4209495" y="610774"/>
+            <a:ext cx="3670053" cy="2459927"/>
           </a:xfrm>
           <a:prstGeom prst="rect">
             <a:avLst/>
@@ -5547,10 +7549,10 @@
       </p:pic>
       <p:pic>
         <p:nvPicPr>
-          <p:cNvPr id="10" name="Picture 9">
-            <a:extLst>
-              <a:ext uri="{FF2B5EF4-FFF2-40B4-BE49-F238E27FC236}">
-                <a16:creationId xmlns:a16="http://schemas.microsoft.com/office/drawing/2014/main" id="{F7AD80C2-1546-5544-902E-289BFFCD2B33}"/>
+          <p:cNvPr id="8" name="Picture 7">
+            <a:extLst>
+              <a:ext uri="{FF2B5EF4-FFF2-40B4-BE49-F238E27FC236}">
+                <a16:creationId xmlns:a16="http://schemas.microsoft.com/office/drawing/2014/main" id="{35E979E7-6F7F-B046-8A84-9353079FFE5B}"/>
               </a:ext>
             </a:extLst>
           </p:cNvPr>
@@ -5561,6 +7563,36 @@
         </p:nvPicPr>
         <p:blipFill>
           <a:blip r:embed="rId4"/>
+          <a:stretch>
+            <a:fillRect/>
+          </a:stretch>
+        </p:blipFill>
+        <p:spPr>
+          <a:xfrm>
+            <a:off x="0" y="3585077"/>
+            <a:ext cx="4699000" cy="3149600"/>
+          </a:xfrm>
+          <a:prstGeom prst="rect">
+            <a:avLst/>
+          </a:prstGeom>
+        </p:spPr>
+      </p:pic>
+      <p:pic>
+        <p:nvPicPr>
+          <p:cNvPr id="10" name="Picture 9">
+            <a:extLst>
+              <a:ext uri="{FF2B5EF4-FFF2-40B4-BE49-F238E27FC236}">
+                <a16:creationId xmlns:a16="http://schemas.microsoft.com/office/drawing/2014/main" id="{F7AD80C2-1546-5544-902E-289BFFCD2B33}"/>
+              </a:ext>
+            </a:extLst>
+          </p:cNvPr>
+          <p:cNvPicPr>
+            <a:picLocks noChangeAspect="1"/>
+          </p:cNvPicPr>
+          <p:nvPr/>
+        </p:nvPicPr>
+        <p:blipFill>
+          <a:blip r:embed="rId5"/>
           <a:stretch>
             <a:fillRect/>
           </a:stretch>
@@ -5781,36 +7813,6 @@
           <p:nvPr/>
         </p:nvPicPr>
         <p:blipFill>
-          <a:blip r:embed="rId2"/>
-          <a:stretch>
-            <a:fillRect/>
-          </a:stretch>
-        </p:blipFill>
-        <p:spPr>
-          <a:xfrm>
-            <a:off x="3968030" y="610774"/>
-            <a:ext cx="4152984" cy="2783622"/>
-          </a:xfrm>
-          <a:prstGeom prst="rect">
-            <a:avLst/>
-          </a:prstGeom>
-        </p:spPr>
-      </p:pic>
-      <p:pic>
-        <p:nvPicPr>
-          <p:cNvPr id="8" name="Picture 7">
-            <a:extLst>
-              <a:ext uri="{FF2B5EF4-FFF2-40B4-BE49-F238E27FC236}">
-                <a16:creationId xmlns:a16="http://schemas.microsoft.com/office/drawing/2014/main" id="{0D91EED2-DCD8-C741-A287-9F4CD4C52ACF}"/>
-              </a:ext>
-            </a:extLst>
-          </p:cNvPr>
-          <p:cNvPicPr>
-            <a:picLocks noChangeAspect="1"/>
-          </p:cNvPicPr>
-          <p:nvPr/>
-        </p:nvPicPr>
-        <p:blipFill>
           <a:blip r:embed="rId3"/>
           <a:stretch>
             <a:fillRect/>
@@ -5818,8 +7820,8 @@
         </p:blipFill>
         <p:spPr>
           <a:xfrm>
-            <a:off x="0" y="3579062"/>
-            <a:ext cx="4699000" cy="3149600"/>
+            <a:off x="3968030" y="610774"/>
+            <a:ext cx="4152984" cy="2783622"/>
           </a:xfrm>
           <a:prstGeom prst="rect">
             <a:avLst/>
@@ -5828,10 +7830,10 @@
       </p:pic>
       <p:pic>
         <p:nvPicPr>
-          <p:cNvPr id="10" name="Picture 9">
-            <a:extLst>
-              <a:ext uri="{FF2B5EF4-FFF2-40B4-BE49-F238E27FC236}">
-                <a16:creationId xmlns:a16="http://schemas.microsoft.com/office/drawing/2014/main" id="{70ACEAFF-290E-4146-B644-0A3344917BF3}"/>
+          <p:cNvPr id="8" name="Picture 7">
+            <a:extLst>
+              <a:ext uri="{FF2B5EF4-FFF2-40B4-BE49-F238E27FC236}">
+                <a16:creationId xmlns:a16="http://schemas.microsoft.com/office/drawing/2014/main" id="{0D91EED2-DCD8-C741-A287-9F4CD4C52ACF}"/>
               </a:ext>
             </a:extLst>
           </p:cNvPr>
@@ -5842,6 +7844,36 @@
         </p:nvPicPr>
         <p:blipFill>
           <a:blip r:embed="rId4"/>
+          <a:stretch>
+            <a:fillRect/>
+          </a:stretch>
+        </p:blipFill>
+        <p:spPr>
+          <a:xfrm>
+            <a:off x="0" y="3579062"/>
+            <a:ext cx="4699000" cy="3149600"/>
+          </a:xfrm>
+          <a:prstGeom prst="rect">
+            <a:avLst/>
+          </a:prstGeom>
+        </p:spPr>
+      </p:pic>
+      <p:pic>
+        <p:nvPicPr>
+          <p:cNvPr id="10" name="Picture 9">
+            <a:extLst>
+              <a:ext uri="{FF2B5EF4-FFF2-40B4-BE49-F238E27FC236}">
+                <a16:creationId xmlns:a16="http://schemas.microsoft.com/office/drawing/2014/main" id="{70ACEAFF-290E-4146-B644-0A3344917BF3}"/>
+              </a:ext>
+            </a:extLst>
+          </p:cNvPr>
+          <p:cNvPicPr>
+            <a:picLocks noChangeAspect="1"/>
+          </p:cNvPicPr>
+          <p:nvPr/>
+        </p:nvPicPr>
+        <p:blipFill>
+          <a:blip r:embed="rId5"/>
           <a:stretch>
             <a:fillRect/>
           </a:stretch>
@@ -5935,141 +7967,6 @@
           <p:nvPr/>
         </p:nvPicPr>
         <p:blipFill>
-          <a:blip r:embed="rId2"/>
-          <a:stretch>
-            <a:fillRect/>
-          </a:stretch>
-        </p:blipFill>
-        <p:spPr>
-          <a:xfrm>
-            <a:off x="4355244" y="1582221"/>
-            <a:ext cx="3793380" cy="2628408"/>
-          </a:xfrm>
-          <a:prstGeom prst="rect">
-            <a:avLst/>
-          </a:prstGeom>
-        </p:spPr>
-      </p:pic>
-      <p:sp>
-        <p:nvSpPr>
-          <p:cNvPr id="3" name="TextBox 2">
-            <a:extLst>
-              <a:ext uri="{FF2B5EF4-FFF2-40B4-BE49-F238E27FC236}">
-                <a16:creationId xmlns:a16="http://schemas.microsoft.com/office/drawing/2014/main" id="{C9CC1C12-F534-F94E-8E01-E6889A266D0F}"/>
-              </a:ext>
-            </a:extLst>
-          </p:cNvPr>
-          <p:cNvSpPr txBox="1"/>
-          <p:nvPr/>
-        </p:nvSpPr>
-        <p:spPr>
-          <a:xfrm>
-            <a:off x="6020656" y="1212351"/>
-            <a:ext cx="891462" cy="369332"/>
-          </a:xfrm>
-          <a:prstGeom prst="rect">
-            <a:avLst/>
-          </a:prstGeom>
-          <a:noFill/>
-        </p:spPr>
-        <p:txBody>
-          <a:bodyPr wrap="none" rtlCol="0">
-            <a:spAutoFit/>
-          </a:bodyPr>
-          <a:lstStyle/>
-          <a:p>
-            <a:r>
-              <a:rPr lang="en-US" dirty="0"/>
-              <a:t>All data</a:t>
-            </a:r>
-          </a:p>
-        </p:txBody>
-      </p:sp>
-      <p:sp>
-        <p:nvSpPr>
-          <p:cNvPr id="4" name="TextBox 3">
-            <a:extLst>
-              <a:ext uri="{FF2B5EF4-FFF2-40B4-BE49-F238E27FC236}">
-                <a16:creationId xmlns:a16="http://schemas.microsoft.com/office/drawing/2014/main" id="{4CD72D38-EC47-A14E-9A1B-DE0ACEC18C97}"/>
-              </a:ext>
-            </a:extLst>
-          </p:cNvPr>
-          <p:cNvSpPr txBox="1"/>
-          <p:nvPr/>
-        </p:nvSpPr>
-        <p:spPr>
-          <a:xfrm>
-            <a:off x="1853667" y="3300472"/>
-            <a:ext cx="965771" cy="369332"/>
-          </a:xfrm>
-          <a:prstGeom prst="rect">
-            <a:avLst/>
-          </a:prstGeom>
-          <a:noFill/>
-        </p:spPr>
-        <p:txBody>
-          <a:bodyPr wrap="square" rtlCol="0">
-            <a:spAutoFit/>
-          </a:bodyPr>
-          <a:lstStyle/>
-          <a:p>
-            <a:r>
-              <a:rPr lang="en-US" dirty="0"/>
-              <a:t>Task</a:t>
-            </a:r>
-          </a:p>
-        </p:txBody>
-      </p:sp>
-      <p:sp>
-        <p:nvSpPr>
-          <p:cNvPr id="6" name="TextBox 5">
-            <a:extLst>
-              <a:ext uri="{FF2B5EF4-FFF2-40B4-BE49-F238E27FC236}">
-                <a16:creationId xmlns:a16="http://schemas.microsoft.com/office/drawing/2014/main" id="{A37F6959-5893-2E41-AB12-53F92F4DF2A5}"/>
-              </a:ext>
-            </a:extLst>
-          </p:cNvPr>
-          <p:cNvSpPr txBox="1"/>
-          <p:nvPr/>
-        </p:nvSpPr>
-        <p:spPr>
-          <a:xfrm>
-            <a:off x="10233062" y="3300472"/>
-            <a:ext cx="585225" cy="369332"/>
-          </a:xfrm>
-          <a:prstGeom prst="rect">
-            <a:avLst/>
-          </a:prstGeom>
-          <a:noFill/>
-        </p:spPr>
-        <p:txBody>
-          <a:bodyPr wrap="none" rtlCol="0">
-            <a:spAutoFit/>
-          </a:bodyPr>
-          <a:lstStyle/>
-          <a:p>
-            <a:r>
-              <a:rPr lang="en-US" dirty="0"/>
-              <a:t>Rest</a:t>
-            </a:r>
-          </a:p>
-        </p:txBody>
-      </p:sp>
-      <p:pic>
-        <p:nvPicPr>
-          <p:cNvPr id="8" name="Picture 7">
-            <a:extLst>
-              <a:ext uri="{FF2B5EF4-FFF2-40B4-BE49-F238E27FC236}">
-                <a16:creationId xmlns:a16="http://schemas.microsoft.com/office/drawing/2014/main" id="{DF4212B5-FBD4-684B-B81E-1715D5502DC3}"/>
-              </a:ext>
-            </a:extLst>
-          </p:cNvPr>
-          <p:cNvPicPr>
-            <a:picLocks noChangeAspect="1"/>
-          </p:cNvPicPr>
-          <p:nvPr/>
-        </p:nvPicPr>
-        <p:blipFill>
           <a:blip r:embed="rId3"/>
           <a:stretch>
             <a:fillRect/>
@@ -6077,20 +7974,125 @@
         </p:blipFill>
         <p:spPr>
           <a:xfrm>
-            <a:off x="293045" y="3669804"/>
-            <a:ext cx="3791138" cy="2665343"/>
+            <a:off x="4355244" y="1582221"/>
+            <a:ext cx="3793380" cy="2628408"/>
           </a:xfrm>
           <a:prstGeom prst="rect">
             <a:avLst/>
           </a:prstGeom>
         </p:spPr>
       </p:pic>
+      <p:sp>
+        <p:nvSpPr>
+          <p:cNvPr id="3" name="TextBox 2">
+            <a:extLst>
+              <a:ext uri="{FF2B5EF4-FFF2-40B4-BE49-F238E27FC236}">
+                <a16:creationId xmlns:a16="http://schemas.microsoft.com/office/drawing/2014/main" id="{C9CC1C12-F534-F94E-8E01-E6889A266D0F}"/>
+              </a:ext>
+            </a:extLst>
+          </p:cNvPr>
+          <p:cNvSpPr txBox="1"/>
+          <p:nvPr/>
+        </p:nvSpPr>
+        <p:spPr>
+          <a:xfrm>
+            <a:off x="6020656" y="1212351"/>
+            <a:ext cx="891462" cy="369332"/>
+          </a:xfrm>
+          <a:prstGeom prst="rect">
+            <a:avLst/>
+          </a:prstGeom>
+          <a:noFill/>
+        </p:spPr>
+        <p:txBody>
+          <a:bodyPr wrap="none" rtlCol="0">
+            <a:spAutoFit/>
+          </a:bodyPr>
+          <a:lstStyle/>
+          <a:p>
+            <a:r>
+              <a:rPr lang="en-US" dirty="0"/>
+              <a:t>All data</a:t>
+            </a:r>
+          </a:p>
+        </p:txBody>
+      </p:sp>
+      <p:sp>
+        <p:nvSpPr>
+          <p:cNvPr id="4" name="TextBox 3">
+            <a:extLst>
+              <a:ext uri="{FF2B5EF4-FFF2-40B4-BE49-F238E27FC236}">
+                <a16:creationId xmlns:a16="http://schemas.microsoft.com/office/drawing/2014/main" id="{4CD72D38-EC47-A14E-9A1B-DE0ACEC18C97}"/>
+              </a:ext>
+            </a:extLst>
+          </p:cNvPr>
+          <p:cNvSpPr txBox="1"/>
+          <p:nvPr/>
+        </p:nvSpPr>
+        <p:spPr>
+          <a:xfrm>
+            <a:off x="1853667" y="3300472"/>
+            <a:ext cx="965771" cy="369332"/>
+          </a:xfrm>
+          <a:prstGeom prst="rect">
+            <a:avLst/>
+          </a:prstGeom>
+          <a:noFill/>
+        </p:spPr>
+        <p:txBody>
+          <a:bodyPr wrap="square" rtlCol="0">
+            <a:spAutoFit/>
+          </a:bodyPr>
+          <a:lstStyle/>
+          <a:p>
+            <a:r>
+              <a:rPr lang="en-US" dirty="0"/>
+              <a:t>Task</a:t>
+            </a:r>
+          </a:p>
+        </p:txBody>
+      </p:sp>
+      <p:sp>
+        <p:nvSpPr>
+          <p:cNvPr id="6" name="TextBox 5">
+            <a:extLst>
+              <a:ext uri="{FF2B5EF4-FFF2-40B4-BE49-F238E27FC236}">
+                <a16:creationId xmlns:a16="http://schemas.microsoft.com/office/drawing/2014/main" id="{A37F6959-5893-2E41-AB12-53F92F4DF2A5}"/>
+              </a:ext>
+            </a:extLst>
+          </p:cNvPr>
+          <p:cNvSpPr txBox="1"/>
+          <p:nvPr/>
+        </p:nvSpPr>
+        <p:spPr>
+          <a:xfrm>
+            <a:off x="10233062" y="3300472"/>
+            <a:ext cx="585225" cy="369332"/>
+          </a:xfrm>
+          <a:prstGeom prst="rect">
+            <a:avLst/>
+          </a:prstGeom>
+          <a:noFill/>
+        </p:spPr>
+        <p:txBody>
+          <a:bodyPr wrap="none" rtlCol="0">
+            <a:spAutoFit/>
+          </a:bodyPr>
+          <a:lstStyle/>
+          <a:p>
+            <a:r>
+              <a:rPr lang="en-US" dirty="0"/>
+              <a:t>Rest</a:t>
+            </a:r>
+          </a:p>
+        </p:txBody>
+      </p:sp>
       <p:pic>
         <p:nvPicPr>
-          <p:cNvPr id="10" name="Picture 9">
-            <a:extLst>
-              <a:ext uri="{FF2B5EF4-FFF2-40B4-BE49-F238E27FC236}">
-                <a16:creationId xmlns:a16="http://schemas.microsoft.com/office/drawing/2014/main" id="{F6B40404-48B0-6F4E-95B8-2E8A3E77F7C2}"/>
+          <p:cNvPr id="8" name="Picture 7">
+            <a:extLst>
+              <a:ext uri="{FF2B5EF4-FFF2-40B4-BE49-F238E27FC236}">
+                <a16:creationId xmlns:a16="http://schemas.microsoft.com/office/drawing/2014/main" id="{DF4212B5-FBD4-684B-B81E-1715D5502DC3}"/>
               </a:ext>
             </a:extLst>
           </p:cNvPr>
@@ -6101,6 +8103,36 @@
         </p:nvPicPr>
         <p:blipFill>
           <a:blip r:embed="rId4"/>
+          <a:stretch>
+            <a:fillRect/>
+          </a:stretch>
+        </p:blipFill>
+        <p:spPr>
+          <a:xfrm>
+            <a:off x="293045" y="3669804"/>
+            <a:ext cx="3791138" cy="2665343"/>
+          </a:xfrm>
+          <a:prstGeom prst="rect">
+            <a:avLst/>
+          </a:prstGeom>
+        </p:spPr>
+      </p:pic>
+      <p:pic>
+        <p:nvPicPr>
+          <p:cNvPr id="10" name="Picture 9">
+            <a:extLst>
+              <a:ext uri="{FF2B5EF4-FFF2-40B4-BE49-F238E27FC236}">
+                <a16:creationId xmlns:a16="http://schemas.microsoft.com/office/drawing/2014/main" id="{F6B40404-48B0-6F4E-95B8-2E8A3E77F7C2}"/>
+              </a:ext>
+            </a:extLst>
+          </p:cNvPr>
+          <p:cNvPicPr>
+            <a:picLocks noChangeAspect="1"/>
+          </p:cNvPicPr>
+          <p:nvPr/>
+        </p:nvPicPr>
+        <p:blipFill>
+          <a:blip r:embed="rId5"/>
           <a:stretch>
             <a:fillRect/>
           </a:stretch>
@@ -6218,7 +8250,7 @@
           <p:nvPr/>
         </p:nvPicPr>
         <p:blipFill>
-          <a:blip r:embed="rId2"/>
+          <a:blip r:embed="rId3"/>
           <a:stretch>
             <a:fillRect/>
           </a:stretch>
@@ -6311,36 +8343,6 @@
           <p:nvPr/>
         </p:nvPicPr>
         <p:blipFill>
-          <a:blip r:embed="rId2"/>
-          <a:stretch>
-            <a:fillRect/>
-          </a:stretch>
-        </p:blipFill>
-        <p:spPr>
-          <a:xfrm>
-            <a:off x="4022916" y="1752337"/>
-            <a:ext cx="3817193" cy="2558551"/>
-          </a:xfrm>
-          <a:prstGeom prst="rect">
-            <a:avLst/>
-          </a:prstGeom>
-        </p:spPr>
-      </p:pic>
-      <p:pic>
-        <p:nvPicPr>
-          <p:cNvPr id="7" name="Picture 6">
-            <a:extLst>
-              <a:ext uri="{FF2B5EF4-FFF2-40B4-BE49-F238E27FC236}">
-                <a16:creationId xmlns:a16="http://schemas.microsoft.com/office/drawing/2014/main" id="{A9FA149F-D717-0644-B2A2-979BEEF1638B}"/>
-              </a:ext>
-            </a:extLst>
-          </p:cNvPr>
-          <p:cNvPicPr>
-            <a:picLocks noChangeAspect="1"/>
-          </p:cNvPicPr>
-          <p:nvPr/>
-        </p:nvPicPr>
-        <p:blipFill>
           <a:blip r:embed="rId3"/>
           <a:stretch>
             <a:fillRect/>
@@ -6348,8 +8350,8 @@
         </p:blipFill>
         <p:spPr>
           <a:xfrm>
-            <a:off x="365543" y="4139885"/>
-            <a:ext cx="3361868" cy="2333859"/>
+            <a:off x="4022916" y="1752337"/>
+            <a:ext cx="3817193" cy="2558551"/>
           </a:xfrm>
           <a:prstGeom prst="rect">
             <a:avLst/>
@@ -6358,10 +8360,10 @@
       </p:pic>
       <p:pic>
         <p:nvPicPr>
-          <p:cNvPr id="9" name="Picture 8">
-            <a:extLst>
-              <a:ext uri="{FF2B5EF4-FFF2-40B4-BE49-F238E27FC236}">
-                <a16:creationId xmlns:a16="http://schemas.microsoft.com/office/drawing/2014/main" id="{3CDE3F15-A491-704A-91DB-DB14932961A3}"/>
+          <p:cNvPr id="7" name="Picture 6">
+            <a:extLst>
+              <a:ext uri="{FF2B5EF4-FFF2-40B4-BE49-F238E27FC236}">
+                <a16:creationId xmlns:a16="http://schemas.microsoft.com/office/drawing/2014/main" id="{A9FA149F-D717-0644-B2A2-979BEEF1638B}"/>
               </a:ext>
             </a:extLst>
           </p:cNvPr>
@@ -6372,6 +8374,36 @@
         </p:nvPicPr>
         <p:blipFill>
           <a:blip r:embed="rId4"/>
+          <a:stretch>
+            <a:fillRect/>
+          </a:stretch>
+        </p:blipFill>
+        <p:spPr>
+          <a:xfrm>
+            <a:off x="365543" y="4139885"/>
+            <a:ext cx="3361868" cy="2333859"/>
+          </a:xfrm>
+          <a:prstGeom prst="rect">
+            <a:avLst/>
+          </a:prstGeom>
+        </p:spPr>
+      </p:pic>
+      <p:pic>
+        <p:nvPicPr>
+          <p:cNvPr id="9" name="Picture 8">
+            <a:extLst>
+              <a:ext uri="{FF2B5EF4-FFF2-40B4-BE49-F238E27FC236}">
+                <a16:creationId xmlns:a16="http://schemas.microsoft.com/office/drawing/2014/main" id="{3CDE3F15-A491-704A-91DB-DB14932961A3}"/>
+              </a:ext>
+            </a:extLst>
+          </p:cNvPr>
+          <p:cNvPicPr>
+            <a:picLocks noChangeAspect="1"/>
+          </p:cNvPicPr>
+          <p:nvPr/>
+        </p:nvPicPr>
+        <p:blipFill>
+          <a:blip r:embed="rId5"/>
           <a:stretch>
             <a:fillRect/>
           </a:stretch>
@@ -6680,7 +8712,7 @@
           <p:nvPr/>
         </p:nvPicPr>
         <p:blipFill rotWithShape="1">
-          <a:blip r:embed="rId2"/>
+          <a:blip r:embed="rId3"/>
           <a:srcRect l="21945" t="2652" r="21389" b="1894"/>
           <a:stretch/>
         </p:blipFill>
@@ -6709,7 +8741,7 @@
           <p:nvPr/>
         </p:nvPicPr>
         <p:blipFill rotWithShape="1">
-          <a:blip r:embed="rId3"/>
+          <a:blip r:embed="rId4"/>
           <a:srcRect l="21111" t="2903" r="21805" b="2400"/>
           <a:stretch/>
         </p:blipFill>
@@ -6892,7 +8924,7 @@
           <p:nvPr/>
         </p:nvPicPr>
         <p:blipFill rotWithShape="1">
-          <a:blip r:embed="rId2"/>
+          <a:blip r:embed="rId3"/>
           <a:srcRect l="21944" t="4924" r="20972" b="1642"/>
           <a:stretch/>
         </p:blipFill>
@@ -6921,7 +8953,7 @@
           <p:nvPr/>
         </p:nvPicPr>
         <p:blipFill rotWithShape="1">
-          <a:blip r:embed="rId3"/>
+          <a:blip r:embed="rId4"/>
           <a:srcRect l="23056" t="3157" r="21945" b="1389"/>
           <a:stretch/>
         </p:blipFill>
@@ -7508,7 +9540,7 @@
           <p:nvPr/>
         </p:nvPicPr>
         <p:blipFill>
-          <a:blip r:embed="rId2"/>
+          <a:blip r:embed="rId3"/>
           <a:stretch>
             <a:fillRect/>
           </a:stretch>
@@ -7637,7 +9669,7 @@
           <p:nvPr/>
         </p:nvPicPr>
         <p:blipFill>
-          <a:blip r:embed="rId2"/>
+          <a:blip r:embed="rId3"/>
           <a:stretch>
             <a:fillRect/>
           </a:stretch>
@@ -7766,7 +9798,7 @@
           <p:nvPr/>
         </p:nvPicPr>
         <p:blipFill>
-          <a:blip r:embed="rId2"/>
+          <a:blip r:embed="rId3"/>
           <a:stretch>
             <a:fillRect/>
           </a:stretch>
@@ -7854,7 +9886,7 @@
           <p:nvPr/>
         </p:nvPicPr>
         <p:blipFill>
-          <a:blip r:embed="rId2"/>
+          <a:blip r:embed="rId3"/>
           <a:stretch>
             <a:fillRect/>
           </a:stretch>
@@ -8021,36 +10053,6 @@
           <p:nvPr/>
         </p:nvPicPr>
         <p:blipFill>
-          <a:blip r:embed="rId2"/>
-          <a:stretch>
-            <a:fillRect/>
-          </a:stretch>
-        </p:blipFill>
-        <p:spPr>
-          <a:xfrm>
-            <a:off x="7510247" y="771728"/>
-            <a:ext cx="4499054" cy="3102796"/>
-          </a:xfrm>
-          <a:prstGeom prst="rect">
-            <a:avLst/>
-          </a:prstGeom>
-        </p:spPr>
-      </p:pic>
-      <p:pic>
-        <p:nvPicPr>
-          <p:cNvPr id="13" name="Picture 12">
-            <a:extLst>
-              <a:ext uri="{FF2B5EF4-FFF2-40B4-BE49-F238E27FC236}">
-                <a16:creationId xmlns:a16="http://schemas.microsoft.com/office/drawing/2014/main" id="{700306ED-32E1-024F-A23B-654748004B1C}"/>
-              </a:ext>
-            </a:extLst>
-          </p:cNvPr>
-          <p:cNvPicPr>
-            <a:picLocks noChangeAspect="1"/>
-          </p:cNvPicPr>
-          <p:nvPr/>
-        </p:nvPicPr>
-        <p:blipFill>
           <a:blip r:embed="rId3"/>
           <a:stretch>
             <a:fillRect/>
@@ -8058,8 +10060,8 @@
         </p:blipFill>
         <p:spPr>
           <a:xfrm>
-            <a:off x="3469313" y="3688421"/>
-            <a:ext cx="4298549" cy="3020603"/>
+            <a:off x="7510247" y="771728"/>
+            <a:ext cx="4499054" cy="3102796"/>
           </a:xfrm>
           <a:prstGeom prst="rect">
             <a:avLst/>
@@ -8068,10 +10070,10 @@
       </p:pic>
       <p:pic>
         <p:nvPicPr>
-          <p:cNvPr id="14" name="Picture 13">
-            <a:extLst>
-              <a:ext uri="{FF2B5EF4-FFF2-40B4-BE49-F238E27FC236}">
-                <a16:creationId xmlns:a16="http://schemas.microsoft.com/office/drawing/2014/main" id="{44134B4B-B9C6-0048-AF69-5C7999B53CB4}"/>
+          <p:cNvPr id="13" name="Picture 12">
+            <a:extLst>
+              <a:ext uri="{FF2B5EF4-FFF2-40B4-BE49-F238E27FC236}">
+                <a16:creationId xmlns:a16="http://schemas.microsoft.com/office/drawing/2014/main" id="{700306ED-32E1-024F-A23B-654748004B1C}"/>
               </a:ext>
             </a:extLst>
           </p:cNvPr>
@@ -8082,6 +10084,36 @@
         </p:nvPicPr>
         <p:blipFill>
           <a:blip r:embed="rId4"/>
+          <a:stretch>
+            <a:fillRect/>
+          </a:stretch>
+        </p:blipFill>
+        <p:spPr>
+          <a:xfrm>
+            <a:off x="3469313" y="3688421"/>
+            <a:ext cx="4298549" cy="3020603"/>
+          </a:xfrm>
+          <a:prstGeom prst="rect">
+            <a:avLst/>
+          </a:prstGeom>
+        </p:spPr>
+      </p:pic>
+      <p:pic>
+        <p:nvPicPr>
+          <p:cNvPr id="14" name="Picture 13">
+            <a:extLst>
+              <a:ext uri="{FF2B5EF4-FFF2-40B4-BE49-F238E27FC236}">
+                <a16:creationId xmlns:a16="http://schemas.microsoft.com/office/drawing/2014/main" id="{44134B4B-B9C6-0048-AF69-5C7999B53CB4}"/>
+              </a:ext>
+            </a:extLst>
+          </p:cNvPr>
+          <p:cNvPicPr>
+            <a:picLocks noChangeAspect="1"/>
+          </p:cNvPicPr>
+          <p:nvPr/>
+        </p:nvPicPr>
+        <p:blipFill>
+          <a:blip r:embed="rId5"/>
           <a:stretch>
             <a:fillRect/>
           </a:stretch>
@@ -8437,4 +10469,299 @@
     </a:ext>
   </a:extLst>
 </a:theme>
+</file>
+
+<file path=ppt/theme/theme2.xml><?xml version="1.0" encoding="utf-8"?>
+<a:theme xmlns:a="http://schemas.openxmlformats.org/drawingml/2006/main" name="Office Theme">
+  <a:themeElements>
+    <a:clrScheme name="Office">
+      <a:dk1>
+        <a:sysClr val="windowText" lastClr="000000"/>
+      </a:dk1>
+      <a:lt1>
+        <a:sysClr val="window" lastClr="FFFFFF"/>
+      </a:lt1>
+      <a:dk2>
+        <a:srgbClr val="44546A"/>
+      </a:dk2>
+      <a:lt2>
+        <a:srgbClr val="E7E6E6"/>
+      </a:lt2>
+      <a:accent1>
+        <a:srgbClr val="4472C4"/>
+      </a:accent1>
+      <a:accent2>
+        <a:srgbClr val="ED7D31"/>
+      </a:accent2>
+      <a:accent3>
+        <a:srgbClr val="A5A5A5"/>
+      </a:accent3>
+      <a:accent4>
+        <a:srgbClr val="FFC000"/>
+      </a:accent4>
+      <a:accent5>
+        <a:srgbClr val="5B9BD5"/>
+      </a:accent5>
+      <a:accent6>
+        <a:srgbClr val="70AD47"/>
+      </a:accent6>
+      <a:hlink>
+        <a:srgbClr val="0563C1"/>
+      </a:hlink>
+      <a:folHlink>
+        <a:srgbClr val="954F72"/>
+      </a:folHlink>
+    </a:clrScheme>
+    <a:fontScheme name="Office">
+      <a:majorFont>
+        <a:latin typeface="Calibri Light" panose="020F0302020204030204"/>
+        <a:ea typeface=""/>
+        <a:cs typeface=""/>
+        <a:font script="Jpan" typeface="游ゴシック Light"/>
+        <a:font script="Hang" typeface="맑은 고딕"/>
+        <a:font script="Hans" typeface="等线 Light"/>
+        <a:font script="Hant" typeface="新細明體"/>
+        <a:font script="Arab" typeface="Times New Roman"/>
+        <a:font script="Hebr" typeface="Times New Roman"/>
+        <a:font script="Thai" typeface="Angsana New"/>
+        <a:font script="Ethi" typeface="Nyala"/>
+        <a:font script="Beng" typeface="Vrinda"/>
+        <a:font script="Gujr" typeface="Shruti"/>
+        <a:font script="Khmr" typeface="MoolBoran"/>
+        <a:font script="Knda" typeface="Tunga"/>
+        <a:font script="Guru" typeface="Raavi"/>
+        <a:font script="Cans" typeface="Euphemia"/>
+        <a:font script="Cher" typeface="Plantagenet Cherokee"/>
+        <a:font script="Yiii" typeface="Microsoft Yi Baiti"/>
+        <a:font script="Tibt" typeface="Microsoft Himalaya"/>
+        <a:font script="Thaa" typeface="MV Boli"/>
+        <a:font script="Deva" typeface="Mangal"/>
+        <a:font script="Telu" typeface="Gautami"/>
+        <a:font script="Taml" typeface="Latha"/>
+        <a:font script="Syrc" typeface="Estrangelo Edessa"/>
+        <a:font script="Orya" typeface="Kalinga"/>
+        <a:font script="Mlym" typeface="Kartika"/>
+        <a:font script="Laoo" typeface="DokChampa"/>
+        <a:font script="Sinh" typeface="Iskoola Pota"/>
+        <a:font script="Mong" typeface="Mongolian Baiti"/>
+        <a:font script="Viet" typeface="Times New Roman"/>
+        <a:font script="Uigh" typeface="Microsoft Uighur"/>
+        <a:font script="Geor" typeface="Sylfaen"/>
+        <a:font script="Armn" typeface="Arial"/>
+        <a:font script="Bugi" typeface="Leelawadee UI"/>
+        <a:font script="Bopo" typeface="Microsoft JhengHei"/>
+        <a:font script="Java" typeface="Javanese Text"/>
+        <a:font script="Lisu" typeface="Segoe UI"/>
+        <a:font script="Mymr" typeface="Myanmar Text"/>
+        <a:font script="Nkoo" typeface="Ebrima"/>
+        <a:font script="Olck" typeface="Nirmala UI"/>
+        <a:font script="Osma" typeface="Ebrima"/>
+        <a:font script="Phag" typeface="Phagspa"/>
+        <a:font script="Syrn" typeface="Estrangelo Edessa"/>
+        <a:font script="Syrj" typeface="Estrangelo Edessa"/>
+        <a:font script="Syre" typeface="Estrangelo Edessa"/>
+        <a:font script="Sora" typeface="Nirmala UI"/>
+        <a:font script="Tale" typeface="Microsoft Tai Le"/>
+        <a:font script="Talu" typeface="Microsoft New Tai Lue"/>
+        <a:font script="Tfng" typeface="Ebrima"/>
+      </a:majorFont>
+      <a:minorFont>
+        <a:latin typeface="Calibri" panose="020F0502020204030204"/>
+        <a:ea typeface=""/>
+        <a:cs typeface=""/>
+        <a:font script="Jpan" typeface="游ゴシック"/>
+        <a:font script="Hang" typeface="맑은 고딕"/>
+        <a:font script="Hans" typeface="等线"/>
+        <a:font script="Hant" typeface="新細明體"/>
+        <a:font script="Arab" typeface="Arial"/>
+        <a:font script="Hebr" typeface="Arial"/>
+        <a:font script="Thai" typeface="Cordia New"/>
+        <a:font script="Ethi" typeface="Nyala"/>
+        <a:font script="Beng" typeface="Vrinda"/>
+        <a:font script="Gujr" typeface="Shruti"/>
+        <a:font script="Khmr" typeface="DaunPenh"/>
+        <a:font script="Knda" typeface="Tunga"/>
+        <a:font script="Guru" typeface="Raavi"/>
+        <a:font script="Cans" typeface="Euphemia"/>
+        <a:font script="Cher" typeface="Plantagenet Cherokee"/>
+        <a:font script="Yiii" typeface="Microsoft Yi Baiti"/>
+        <a:font script="Tibt" typeface="Microsoft Himalaya"/>
+        <a:font script="Thaa" typeface="MV Boli"/>
+        <a:font script="Deva" typeface="Mangal"/>
+        <a:font script="Telu" typeface="Gautami"/>
+        <a:font script="Taml" typeface="Latha"/>
+        <a:font script="Syrc" typeface="Estrangelo Edessa"/>
+        <a:font script="Orya" typeface="Kalinga"/>
+        <a:font script="Mlym" typeface="Kartika"/>
+        <a:font script="Laoo" typeface="DokChampa"/>
+        <a:font script="Sinh" typeface="Iskoola Pota"/>
+        <a:font script="Mong" typeface="Mongolian Baiti"/>
+        <a:font script="Viet" typeface="Arial"/>
+        <a:font script="Uigh" typeface="Microsoft Uighur"/>
+        <a:font script="Geor" typeface="Sylfaen"/>
+        <a:font script="Armn" typeface="Arial"/>
+        <a:font script="Bugi" typeface="Leelawadee UI"/>
+        <a:font script="Bopo" typeface="Microsoft JhengHei"/>
+        <a:font script="Java" typeface="Javanese Text"/>
+        <a:font script="Lisu" typeface="Segoe UI"/>
+        <a:font script="Mymr" typeface="Myanmar Text"/>
+        <a:font script="Nkoo" typeface="Ebrima"/>
+        <a:font script="Olck" typeface="Nirmala UI"/>
+        <a:font script="Osma" typeface="Ebrima"/>
+        <a:font script="Phag" typeface="Phagspa"/>
+        <a:font script="Syrn" typeface="Estrangelo Edessa"/>
+        <a:font script="Syrj" typeface="Estrangelo Edessa"/>
+        <a:font script="Syre" typeface="Estrangelo Edessa"/>
+        <a:font script="Sora" typeface="Nirmala UI"/>
+        <a:font script="Tale" typeface="Microsoft Tai Le"/>
+        <a:font script="Talu" typeface="Microsoft New Tai Lue"/>
+        <a:font script="Tfng" typeface="Ebrima"/>
+      </a:minorFont>
+    </a:fontScheme>
+    <a:fmtScheme name="Office">
+      <a:fillStyleLst>
+        <a:solidFill>
+          <a:schemeClr val="phClr"/>
+        </a:solidFill>
+        <a:gradFill rotWithShape="1">
+          <a:gsLst>
+            <a:gs pos="0">
+              <a:schemeClr val="phClr">
+                <a:lumMod val="110000"/>
+                <a:satMod val="105000"/>
+                <a:tint val="67000"/>
+              </a:schemeClr>
+            </a:gs>
+            <a:gs pos="50000">
+              <a:schemeClr val="phClr">
+                <a:lumMod val="105000"/>
+                <a:satMod val="103000"/>
+                <a:tint val="73000"/>
+              </a:schemeClr>
+            </a:gs>
+            <a:gs pos="100000">
+              <a:schemeClr val="phClr">
+                <a:lumMod val="105000"/>
+                <a:satMod val="109000"/>
+                <a:tint val="81000"/>
+              </a:schemeClr>
+            </a:gs>
+          </a:gsLst>
+          <a:lin ang="5400000" scaled="0"/>
+        </a:gradFill>
+        <a:gradFill rotWithShape="1">
+          <a:gsLst>
+            <a:gs pos="0">
+              <a:schemeClr val="phClr">
+                <a:satMod val="103000"/>
+                <a:lumMod val="102000"/>
+                <a:tint val="94000"/>
+              </a:schemeClr>
+            </a:gs>
+            <a:gs pos="50000">
+              <a:schemeClr val="phClr">
+                <a:satMod val="110000"/>
+                <a:lumMod val="100000"/>
+                <a:shade val="100000"/>
+              </a:schemeClr>
+            </a:gs>
+            <a:gs pos="100000">
+              <a:schemeClr val="phClr">
+                <a:lumMod val="99000"/>
+                <a:satMod val="120000"/>
+                <a:shade val="78000"/>
+              </a:schemeClr>
+            </a:gs>
+          </a:gsLst>
+          <a:lin ang="5400000" scaled="0"/>
+        </a:gradFill>
+      </a:fillStyleLst>
+      <a:lnStyleLst>
+        <a:ln w="6350" cap="flat" cmpd="sng" algn="ctr">
+          <a:solidFill>
+            <a:schemeClr val="phClr"/>
+          </a:solidFill>
+          <a:prstDash val="solid"/>
+          <a:miter lim="800000"/>
+        </a:ln>
+        <a:ln w="12700" cap="flat" cmpd="sng" algn="ctr">
+          <a:solidFill>
+            <a:schemeClr val="phClr"/>
+          </a:solidFill>
+          <a:prstDash val="solid"/>
+          <a:miter lim="800000"/>
+        </a:ln>
+        <a:ln w="19050" cap="flat" cmpd="sng" algn="ctr">
+          <a:solidFill>
+            <a:schemeClr val="phClr"/>
+          </a:solidFill>
+          <a:prstDash val="solid"/>
+          <a:miter lim="800000"/>
+        </a:ln>
+      </a:lnStyleLst>
+      <a:effectStyleLst>
+        <a:effectStyle>
+          <a:effectLst/>
+        </a:effectStyle>
+        <a:effectStyle>
+          <a:effectLst/>
+        </a:effectStyle>
+        <a:effectStyle>
+          <a:effectLst>
+            <a:outerShdw blurRad="57150" dist="19050" dir="5400000" algn="ctr" rotWithShape="0">
+              <a:srgbClr val="000000">
+                <a:alpha val="63000"/>
+              </a:srgbClr>
+            </a:outerShdw>
+          </a:effectLst>
+        </a:effectStyle>
+      </a:effectStyleLst>
+      <a:bgFillStyleLst>
+        <a:solidFill>
+          <a:schemeClr val="phClr"/>
+        </a:solidFill>
+        <a:solidFill>
+          <a:schemeClr val="phClr">
+            <a:tint val="95000"/>
+            <a:satMod val="170000"/>
+          </a:schemeClr>
+        </a:solidFill>
+        <a:gradFill rotWithShape="1">
+          <a:gsLst>
+            <a:gs pos="0">
+              <a:schemeClr val="phClr">
+                <a:tint val="93000"/>
+                <a:satMod val="150000"/>
+                <a:shade val="98000"/>
+                <a:lumMod val="102000"/>
+              </a:schemeClr>
+            </a:gs>
+            <a:gs pos="50000">
+              <a:schemeClr val="phClr">
+                <a:tint val="98000"/>
+                <a:satMod val="130000"/>
+                <a:shade val="90000"/>
+                <a:lumMod val="103000"/>
+              </a:schemeClr>
+            </a:gs>
+            <a:gs pos="100000">
+              <a:schemeClr val="phClr">
+                <a:shade val="63000"/>
+                <a:satMod val="120000"/>
+              </a:schemeClr>
+            </a:gs>
+          </a:gsLst>
+          <a:lin ang="5400000" scaled="0"/>
+        </a:gradFill>
+      </a:bgFillStyleLst>
+    </a:fmtScheme>
+  </a:themeElements>
+  <a:objectDefaults/>
+  <a:extraClrSchemeLst/>
+  <a:extLst>
+    <a:ext uri="{05A4C25C-085E-4340-85A3-A5531E510DB2}">
+      <thm15:themeFamily xmlns:thm15="http://schemas.microsoft.com/office/thememl/2012/main" name="Office Theme" id="{62F939B6-93AF-4DB8-9C6B-D6C7DFDC589F}" vid="{4A3C46E8-61CC-4603-A589-7422A47A8E4A}"/>
+    </a:ext>
+  </a:extLst>
+</a:theme>
 </file>